--- a/課程資料/物理撞擊實驗室/物理撞擊實驗室簡報.pptx
+++ b/課程資料/物理撞擊實驗室/物理撞擊實驗室簡報.pptx
@@ -13,28 +13,41 @@
     <p:sldId id="268" r:id="rId7"/>
     <p:sldId id="300" r:id="rId8"/>
     <p:sldId id="301" r:id="rId9"/>
-    <p:sldId id="302" r:id="rId10"/>
-    <p:sldId id="312" r:id="rId11"/>
+    <p:sldId id="312" r:id="rId10"/>
+    <p:sldId id="350" r:id="rId11"/>
     <p:sldId id="283" r:id="rId12"/>
     <p:sldId id="329" r:id="rId13"/>
-    <p:sldId id="313" r:id="rId14"/>
-    <p:sldId id="314" r:id="rId15"/>
-    <p:sldId id="317" r:id="rId16"/>
-    <p:sldId id="330" r:id="rId17"/>
-    <p:sldId id="318" r:id="rId18"/>
-    <p:sldId id="319" r:id="rId19"/>
-    <p:sldId id="331" r:id="rId20"/>
-    <p:sldId id="320" r:id="rId21"/>
-    <p:sldId id="321" r:id="rId22"/>
-    <p:sldId id="322" r:id="rId23"/>
-    <p:sldId id="323" r:id="rId24"/>
-    <p:sldId id="286" r:id="rId25"/>
-    <p:sldId id="324" r:id="rId26"/>
-    <p:sldId id="325" r:id="rId27"/>
-    <p:sldId id="326" r:id="rId28"/>
-    <p:sldId id="327" r:id="rId29"/>
-    <p:sldId id="328" r:id="rId30"/>
-    <p:sldId id="263" r:id="rId31"/>
+    <p:sldId id="351" r:id="rId14"/>
+    <p:sldId id="352" r:id="rId15"/>
+    <p:sldId id="313" r:id="rId16"/>
+    <p:sldId id="317" r:id="rId17"/>
+    <p:sldId id="330" r:id="rId18"/>
+    <p:sldId id="333" r:id="rId19"/>
+    <p:sldId id="319" r:id="rId20"/>
+    <p:sldId id="331" r:id="rId21"/>
+    <p:sldId id="335" r:id="rId22"/>
+    <p:sldId id="321" r:id="rId23"/>
+    <p:sldId id="322" r:id="rId24"/>
+    <p:sldId id="323" r:id="rId25"/>
+    <p:sldId id="338" r:id="rId26"/>
+    <p:sldId id="339" r:id="rId27"/>
+    <p:sldId id="340" r:id="rId28"/>
+    <p:sldId id="334" r:id="rId29"/>
+    <p:sldId id="337" r:id="rId30"/>
+    <p:sldId id="286" r:id="rId31"/>
+    <p:sldId id="302" r:id="rId32"/>
+    <p:sldId id="341" r:id="rId33"/>
+    <p:sldId id="344" r:id="rId34"/>
+    <p:sldId id="324" r:id="rId35"/>
+    <p:sldId id="326" r:id="rId36"/>
+    <p:sldId id="345" r:id="rId37"/>
+    <p:sldId id="327" r:id="rId38"/>
+    <p:sldId id="328" r:id="rId39"/>
+    <p:sldId id="346" r:id="rId40"/>
+    <p:sldId id="347" r:id="rId41"/>
+    <p:sldId id="348" r:id="rId42"/>
+    <p:sldId id="349" r:id="rId43"/>
+    <p:sldId id="263" r:id="rId44"/>
   </p:sldIdLst>
   <p:sldSz cx="12192000" cy="6858000"/>
   <p:notesSz cx="6858000" cy="9144000"/>
@@ -472,7 +485,7 @@
           <a:p>
             <a:fld id="{FA16A518-A0C3-4B00-9084-763C6916F68A}" type="datetimeFigureOut">
               <a:rPr lang="zh-TW" altLang="en-US" smtClean="0"/>
-              <a:t>2022/2/20</a:t>
+              <a:t>2022/3/6</a:t>
             </a:fld>
             <a:endParaRPr lang="zh-TW" altLang="en-US"/>
           </a:p>
@@ -766,7 +779,7 @@
           <a:p>
             <a:fld id="{FA16A518-A0C3-4B00-9084-763C6916F68A}" type="datetimeFigureOut">
               <a:rPr lang="zh-TW" altLang="en-US" smtClean="0"/>
-              <a:t>2022/2/20</a:t>
+              <a:t>2022/3/6</a:t>
             </a:fld>
             <a:endParaRPr lang="zh-TW" altLang="en-US"/>
           </a:p>
@@ -1014,7 +1027,7 @@
           <a:p>
             <a:fld id="{FA16A518-A0C3-4B00-9084-763C6916F68A}" type="datetimeFigureOut">
               <a:rPr lang="zh-TW" altLang="en-US" smtClean="0"/>
-              <a:t>2022/2/20</a:t>
+              <a:t>2022/3/6</a:t>
             </a:fld>
             <a:endParaRPr lang="zh-TW" altLang="en-US"/>
           </a:p>
@@ -1353,7 +1366,7 @@
           <a:p>
             <a:fld id="{FA16A518-A0C3-4B00-9084-763C6916F68A}" type="datetimeFigureOut">
               <a:rPr lang="zh-TW" altLang="en-US" smtClean="0"/>
-              <a:t>2022/2/20</a:t>
+              <a:t>2022/3/6</a:t>
             </a:fld>
             <a:endParaRPr lang="zh-TW" altLang="en-US"/>
           </a:p>
@@ -1700,7 +1713,7 @@
           <a:p>
             <a:fld id="{FA16A518-A0C3-4B00-9084-763C6916F68A}" type="datetimeFigureOut">
               <a:rPr lang="zh-TW" altLang="en-US" smtClean="0"/>
-              <a:t>2022/2/20</a:t>
+              <a:t>2022/3/6</a:t>
             </a:fld>
             <a:endParaRPr lang="zh-TW" altLang="en-US"/>
           </a:p>
@@ -2074,7 +2087,7 @@
           <a:p>
             <a:fld id="{FA16A518-A0C3-4B00-9084-763C6916F68A}" type="datetimeFigureOut">
               <a:rPr lang="zh-TW" altLang="en-US" smtClean="0"/>
-              <a:t>2022/2/20</a:t>
+              <a:t>2022/3/6</a:t>
             </a:fld>
             <a:endParaRPr lang="zh-TW" altLang="en-US"/>
           </a:p>
@@ -2544,7 +2557,7 @@
           <a:p>
             <a:fld id="{FA16A518-A0C3-4B00-9084-763C6916F68A}" type="datetimeFigureOut">
               <a:rPr lang="zh-TW" altLang="en-US" smtClean="0"/>
-              <a:t>2022/2/20</a:t>
+              <a:t>2022/3/6</a:t>
             </a:fld>
             <a:endParaRPr lang="zh-TW" altLang="en-US"/>
           </a:p>
@@ -2749,7 +2762,7 @@
           <a:p>
             <a:fld id="{FA16A518-A0C3-4B00-9084-763C6916F68A}" type="datetimeFigureOut">
               <a:rPr lang="zh-TW" altLang="en-US" smtClean="0"/>
-              <a:t>2022/2/20</a:t>
+              <a:t>2022/3/6</a:t>
             </a:fld>
             <a:endParaRPr lang="zh-TW" altLang="en-US"/>
           </a:p>
@@ -2960,7 +2973,7 @@
           <a:p>
             <a:fld id="{FA16A518-A0C3-4B00-9084-763C6916F68A}" type="datetimeFigureOut">
               <a:rPr lang="zh-TW" altLang="en-US" smtClean="0"/>
-              <a:t>2022/2/20</a:t>
+              <a:t>2022/3/6</a:t>
             </a:fld>
             <a:endParaRPr lang="zh-TW" altLang="en-US"/>
           </a:p>
@@ -3161,7 +3174,7 @@
           <a:p>
             <a:fld id="{FA16A518-A0C3-4B00-9084-763C6916F68A}" type="datetimeFigureOut">
               <a:rPr lang="zh-TW" altLang="en-US" smtClean="0"/>
-              <a:t>2022/2/20</a:t>
+              <a:t>2022/3/6</a:t>
             </a:fld>
             <a:endParaRPr lang="zh-TW" altLang="en-US"/>
           </a:p>
@@ -3409,7 +3422,7 @@
           <a:p>
             <a:fld id="{FA16A518-A0C3-4B00-9084-763C6916F68A}" type="datetimeFigureOut">
               <a:rPr lang="zh-TW" altLang="en-US" smtClean="0"/>
-              <a:t>2022/2/20</a:t>
+              <a:t>2022/3/6</a:t>
             </a:fld>
             <a:endParaRPr lang="zh-TW" altLang="en-US"/>
           </a:p>
@@ -3707,7 +3720,7 @@
           <a:p>
             <a:fld id="{FA16A518-A0C3-4B00-9084-763C6916F68A}" type="datetimeFigureOut">
               <a:rPr lang="zh-TW" altLang="en-US" smtClean="0"/>
-              <a:t>2022/2/20</a:t>
+              <a:t>2022/3/6</a:t>
             </a:fld>
             <a:endParaRPr lang="zh-TW" altLang="en-US"/>
           </a:p>
@@ -4101,7 +4114,7 @@
           <a:p>
             <a:fld id="{FA16A518-A0C3-4B00-9084-763C6916F68A}" type="datetimeFigureOut">
               <a:rPr lang="zh-TW" altLang="en-US" smtClean="0"/>
-              <a:t>2022/2/20</a:t>
+              <a:t>2022/3/6</a:t>
             </a:fld>
             <a:endParaRPr lang="zh-TW" altLang="en-US"/>
           </a:p>
@@ -4250,7 +4263,7 @@
           <a:p>
             <a:fld id="{FA16A518-A0C3-4B00-9084-763C6916F68A}" type="datetimeFigureOut">
               <a:rPr lang="zh-TW" altLang="en-US" smtClean="0"/>
-              <a:t>2022/2/20</a:t>
+              <a:t>2022/3/6</a:t>
             </a:fld>
             <a:endParaRPr lang="zh-TW" altLang="en-US"/>
           </a:p>
@@ -4376,7 +4389,7 @@
           <a:p>
             <a:fld id="{FA16A518-A0C3-4B00-9084-763C6916F68A}" type="datetimeFigureOut">
               <a:rPr lang="zh-TW" altLang="en-US" smtClean="0"/>
-              <a:t>2022/2/20</a:t>
+              <a:t>2022/3/6</a:t>
             </a:fld>
             <a:endParaRPr lang="zh-TW" altLang="en-US"/>
           </a:p>
@@ -4631,7 +4644,7 @@
           <a:p>
             <a:fld id="{FA16A518-A0C3-4B00-9084-763C6916F68A}" type="datetimeFigureOut">
               <a:rPr lang="zh-TW" altLang="en-US" smtClean="0"/>
-              <a:t>2022/2/20</a:t>
+              <a:t>2022/3/6</a:t>
             </a:fld>
             <a:endParaRPr lang="zh-TW" altLang="en-US"/>
           </a:p>
@@ -4946,7 +4959,7 @@
           <a:p>
             <a:fld id="{FA16A518-A0C3-4B00-9084-763C6916F68A}" type="datetimeFigureOut">
               <a:rPr lang="zh-TW" altLang="en-US" smtClean="0"/>
-              <a:t>2022/2/20</a:t>
+              <a:t>2022/3/6</a:t>
             </a:fld>
             <a:endParaRPr lang="zh-TW" altLang="en-US"/>
           </a:p>
@@ -5297,7 +5310,7 @@
           <a:p>
             <a:fld id="{FA16A518-A0C3-4B00-9084-763C6916F68A}" type="datetimeFigureOut">
               <a:rPr lang="zh-TW" altLang="en-US" smtClean="0"/>
-              <a:t>2022/2/20</a:t>
+              <a:t>2022/3/6</a:t>
             </a:fld>
             <a:endParaRPr lang="zh-TW" altLang="en-US"/>
           </a:p>
@@ -5989,11 +6002,11 @@
           </a:lstStyle>
           <a:p>
             <a:r>
-              <a:rPr lang="zh-TW" altLang="en-US" sz="9600" dirty="0">
+              <a:rPr lang="zh-TW" altLang="en-US" sz="7200" dirty="0">
                 <a:latin typeface="Berlin Sans FB" panose="020E0602020502020306" pitchFamily="34" charset="0"/>
                 <a:ea typeface="微軟正黑體 Light" panose="020B0304030504040204" pitchFamily="34" charset="-120"/>
               </a:rPr>
-              <a:t>射擊場</a:t>
+              <a:t>物理撞擊實驗室</a:t>
             </a:r>
           </a:p>
         </p:txBody>
@@ -6052,7 +6065,7 @@
         </p:spPr>
         <p:txBody>
           <a:bodyPr>
-            <a:normAutofit fontScale="90000"/>
+            <a:normAutofit/>
           </a:bodyPr>
           <a:lstStyle/>
           <a:p>
@@ -6066,7 +6079,7 @@
                 <a:latin typeface="微軟正黑體" panose="020B0604030504040204" pitchFamily="34" charset="-120"/>
                 <a:ea typeface="微軟正黑體" panose="020B0604030504040204" pitchFamily="34" charset="-120"/>
               </a:rPr>
-              <a:t>增加一些</a:t>
+              <a:t>調整圓球速度</a:t>
             </a:r>
             <a:br>
               <a:rPr lang="en-US" altLang="zh-TW" sz="9600" dirty="0">
@@ -6075,53 +6088,29 @@
               </a:rPr>
             </a:br>
             <a:r>
-              <a:rPr lang="zh-TW" altLang="en-US" sz="9600" dirty="0">
+              <a:rPr lang="en-US" altLang="zh-TW" sz="9600" dirty="0">
+                <a:solidFill>
+                  <a:srgbClr val="FF0000"/>
+                </a:solidFill>
                 <a:latin typeface="微軟正黑體" panose="020B0604030504040204" pitchFamily="34" charset="-120"/>
                 <a:ea typeface="微軟正黑體" panose="020B0604030504040204" pitchFamily="34" charset="-120"/>
               </a:rPr>
-              <a:t>上升速度</a:t>
-            </a:r>
-            <a:r>
-              <a:rPr lang="en-US" altLang="zh-TW" sz="9600" dirty="0">
-                <a:latin typeface="微軟正黑體" panose="020B0604030504040204" pitchFamily="34" charset="-120"/>
-                <a:ea typeface="微軟正黑體" panose="020B0604030504040204" pitchFamily="34" charset="-120"/>
-              </a:rPr>
-              <a:t>(y</a:t>
-            </a:r>
-            <a:r>
-              <a:rPr lang="zh-TW" altLang="en-US" sz="9600" dirty="0">
-                <a:latin typeface="微軟正黑體" panose="020B0604030504040204" pitchFamily="34" charset="-120"/>
-                <a:ea typeface="微軟正黑體" panose="020B0604030504040204" pitchFamily="34" charset="-120"/>
-              </a:rPr>
-              <a:t>軸</a:t>
-            </a:r>
-            <a:r>
-              <a:rPr lang="en-US" altLang="zh-TW" sz="9600" dirty="0">
-                <a:latin typeface="微軟正黑體" panose="020B0604030504040204" pitchFamily="34" charset="-120"/>
-                <a:ea typeface="微軟正黑體" panose="020B0604030504040204" pitchFamily="34" charset="-120"/>
-              </a:rPr>
-              <a:t>)</a:t>
-            </a:r>
-            <a:br>
-              <a:rPr lang="en-US" altLang="zh-TW" sz="9600" dirty="0">
-                <a:latin typeface="微軟正黑體" panose="020B0604030504040204" pitchFamily="34" charset="-120"/>
-                <a:ea typeface="微軟正黑體" panose="020B0604030504040204" pitchFamily="34" charset="-120"/>
-              </a:rPr>
-            </a:br>
-            <a:r>
-              <a:rPr lang="zh-TW" altLang="en-US" sz="9600" dirty="0">
-                <a:latin typeface="微軟正黑體" panose="020B0604030504040204" pitchFamily="34" charset="-120"/>
-                <a:ea typeface="微軟正黑體" panose="020B0604030504040204" pitchFamily="34" charset="-120"/>
-              </a:rPr>
-              <a:t>讓子彈不要太快掉落</a:t>
-            </a:r>
+              <a:t>2000</a:t>
+            </a:r>
+            <a:endParaRPr lang="zh-TW" altLang="en-US" sz="9600" dirty="0">
+              <a:solidFill>
+                <a:srgbClr val="FF0000"/>
+              </a:solidFill>
+              <a:latin typeface="微軟正黑體" panose="020B0604030504040204" pitchFamily="34" charset="-120"/>
+              <a:ea typeface="微軟正黑體" panose="020B0604030504040204" pitchFamily="34" charset="-120"/>
+            </a:endParaRPr>
           </a:p>
         </p:txBody>
       </p:sp>
     </p:spTree>
     <p:extLst>
       <p:ext uri="{BB962C8B-B14F-4D97-AF65-F5344CB8AC3E}">
-        <p14:creationId xmlns:p14="http://schemas.microsoft.com/office/powerpoint/2010/main" val="194993093"/>
+        <p14:creationId xmlns:p14="http://schemas.microsoft.com/office/powerpoint/2010/main" val="2265885150"/>
       </p:ext>
     </p:extLst>
   </p:cSld>
@@ -6390,7 +6379,7 @@
           <a:p>
             <a:r>
               <a:rPr lang="zh-TW" altLang="en-US" sz="9600" dirty="0"/>
-              <a:t>方塊標靶</a:t>
+              <a:t>障礙物流程 </a:t>
             </a:r>
           </a:p>
         </p:txBody>
@@ -6471,7 +6460,7 @@
                 </a:solidFill>
                 <a:latin typeface="微軟正黑體" panose="020B0604030504040204" pitchFamily="34" charset="-120"/>
               </a:rPr>
-              <a:t>按下滑鼠</a:t>
+              <a:t>按下鍵盤</a:t>
             </a:r>
             <a:r>
               <a:rPr lang="zh-TW" altLang="en-US" sz="7200" dirty="0">
@@ -6482,6 +6471,44 @@
                 <a:ea typeface="微軟正黑體" panose="020B0604030504040204" pitchFamily="34" charset="-120"/>
               </a:rPr>
               <a:t>時</a:t>
+            </a:r>
+            <a:br>
+              <a:rPr lang="en-US" altLang="zh-TW" sz="7200" dirty="0">
+                <a:solidFill>
+                  <a:srgbClr val="FF0000"/>
+                </a:solidFill>
+                <a:latin typeface="微軟正黑體" panose="020B0604030504040204" pitchFamily="34" charset="-120"/>
+                <a:ea typeface="微軟正黑體" panose="020B0604030504040204" pitchFamily="34" charset="-120"/>
+              </a:rPr>
+            </a:br>
+            <a:r>
+              <a:rPr lang="zh-TW" altLang="en-US" sz="7200" dirty="0">
+                <a:solidFill>
+                  <a:srgbClr val="FF0000"/>
+                </a:solidFill>
+                <a:latin typeface="微軟正黑體" panose="020B0604030504040204" pitchFamily="34" charset="-120"/>
+                <a:ea typeface="微軟正黑體" panose="020B0604030504040204" pitchFamily="34" charset="-120"/>
+              </a:rPr>
+              <a:t>如果按向左鍵</a:t>
+            </a:r>
+            <a:br>
+              <a:rPr lang="en-US" altLang="zh-TW" sz="7200" dirty="0">
+                <a:solidFill>
+                  <a:srgbClr val="FF0000"/>
+                </a:solidFill>
+                <a:latin typeface="微軟正黑體" panose="020B0604030504040204" pitchFamily="34" charset="-120"/>
+                <a:ea typeface="微軟正黑體" panose="020B0604030504040204" pitchFamily="34" charset="-120"/>
+              </a:rPr>
+            </a:br>
+            <a:r>
+              <a:rPr lang="zh-TW" altLang="en-US" sz="7200" dirty="0">
+                <a:solidFill>
+                  <a:srgbClr val="FF0000"/>
+                </a:solidFill>
+                <a:latin typeface="微軟正黑體" panose="020B0604030504040204" pitchFamily="34" charset="-120"/>
+                <a:ea typeface="微軟正黑體" panose="020B0604030504040204" pitchFamily="34" charset="-120"/>
+              </a:rPr>
+              <a:t>呼叫柱</a:t>
             </a:r>
           </a:p>
         </p:txBody>
@@ -6637,10 +6664,10 @@
           <a:lstStyle/>
           <a:p>
             <a:r>
-              <a:rPr lang="zh-TW" altLang="en-US" sz="9600" dirty="0">
-                <a:latin typeface="微軟正黑體" panose="020B0604030504040204" pitchFamily="34" charset="-120"/>
-              </a:rPr>
-              <a:t>新增方塊 </a:t>
+              <a:rPr lang="zh-TW" altLang="en-US" sz="8800" dirty="0">
+                <a:latin typeface="微軟正黑體" panose="020B0604030504040204" pitchFamily="34" charset="-120"/>
+              </a:rPr>
+              <a:t>新增函式</a:t>
             </a:r>
             <a:r>
               <a:rPr lang="zh-TW" altLang="en-US" sz="7200" dirty="0">
@@ -6649,16 +6676,7 @@
                 </a:solidFill>
                 <a:latin typeface="微軟正黑體" panose="020B0604030504040204" pitchFamily="34" charset="-120"/>
               </a:rPr>
-              <a:t>寬高</a:t>
-            </a:r>
-            <a:r>
-              <a:rPr lang="en-US" altLang="zh-TW" sz="7200" dirty="0">
-                <a:solidFill>
-                  <a:srgbClr val="FF0000"/>
-                </a:solidFill>
-                <a:latin typeface="微軟正黑體" panose="020B0604030504040204" pitchFamily="34" charset="-120"/>
-              </a:rPr>
-              <a:t>30</a:t>
+              <a:t>柱</a:t>
             </a:r>
             <a:br>
               <a:rPr lang="en-US" altLang="zh-TW" sz="7200" dirty="0">
@@ -6669,22 +6687,22 @@
               </a:rPr>
             </a:br>
             <a:r>
-              <a:rPr lang="zh-TW" altLang="en-US" sz="8000" dirty="0">
-                <a:solidFill>
-                  <a:schemeClr val="tx1"/>
-                </a:solidFill>
-                <a:latin typeface="微軟正黑體" panose="020B0604030504040204" pitchFamily="34" charset="-120"/>
-              </a:rPr>
-              <a:t>位置設為滑鼠 </a:t>
-            </a:r>
-            <a:r>
-              <a:rPr lang="en-US" altLang="zh-TW" sz="8000" dirty="0">
+              <a:rPr lang="zh-TW" altLang="en-US" sz="7200" dirty="0">
                 <a:solidFill>
                   <a:srgbClr val="FF0000"/>
                 </a:solidFill>
                 <a:latin typeface="微軟正黑體" panose="020B0604030504040204" pitchFamily="34" charset="-120"/>
               </a:rPr>
-              <a:t>x , y</a:t>
+              <a:t>引數 </a:t>
+            </a:r>
+            <a:r>
+              <a:rPr lang="en-US" altLang="zh-TW" sz="7200" dirty="0">
+                <a:solidFill>
+                  <a:srgbClr val="FF0000"/>
+                </a:solidFill>
+                <a:latin typeface="微軟正黑體" panose="020B0604030504040204" pitchFamily="34" charset="-120"/>
+              </a:rPr>
+              <a:t>x, y</a:t>
             </a:r>
             <a:endParaRPr lang="zh-TW" altLang="en-US" sz="7200" dirty="0">
               <a:solidFill>
@@ -6699,7 +6717,7 @@
     </p:spTree>
     <p:extLst>
       <p:ext uri="{BB962C8B-B14F-4D97-AF65-F5344CB8AC3E}">
-        <p14:creationId xmlns:p14="http://schemas.microsoft.com/office/powerpoint/2010/main" val="3104801308"/>
+        <p14:creationId xmlns:p14="http://schemas.microsoft.com/office/powerpoint/2010/main" val="845688720"/>
       </p:ext>
     </p:extLst>
   </p:cSld>
@@ -6823,7 +6841,7 @@
           <p:cNvPr id="2" name="標題 1">
             <a:extLst>
               <a:ext uri="{FF2B5EF4-FFF2-40B4-BE49-F238E27FC236}">
-                <a16:creationId xmlns:a16="http://schemas.microsoft.com/office/drawing/2014/main" id="{60856E43-3621-4F02-B0E9-EF43423F3E70}"/>
+                <a16:creationId xmlns:a16="http://schemas.microsoft.com/office/drawing/2014/main" id="{E39515FA-8C05-415A-9171-15D6B608FF2D}"/>
               </a:ext>
             </a:extLst>
           </p:cNvPr>
@@ -6831,169 +6849,166 @@
             <a:spLocks noGrp="1"/>
           </p:cNvSpPr>
           <p:nvPr>
-            <p:ph type="title"/>
+            <p:ph type="ctrTitle"/>
           </p:nvPr>
         </p:nvSpPr>
         <p:spPr>
           <a:xfrm>
-            <a:off x="1000979" y="740808"/>
-            <a:ext cx="10419907" cy="5082362"/>
+            <a:off x="2688165" y="1987840"/>
+            <a:ext cx="6815669" cy="1515533"/>
           </a:xfrm>
         </p:spPr>
         <p:txBody>
-          <a:bodyPr>
-            <a:normAutofit/>
+          <a:bodyPr/>
+          <a:lstStyle/>
+          <a:p>
+            <a:r>
+              <a:rPr lang="en-US" altLang="zh-TW" sz="9600" dirty="0">
+                <a:latin typeface="Berlin Sans FB" panose="020E0602020502020306" pitchFamily="34" charset="0"/>
+                <a:ea typeface="微軟正黑體 Light" panose="020B0304030504040204" pitchFamily="34" charset="-120"/>
+              </a:rPr>
+              <a:t>Part 3</a:t>
+            </a:r>
+            <a:endParaRPr lang="zh-TW" altLang="en-US" sz="9600" dirty="0">
+              <a:latin typeface="Berlin Sans FB" panose="020E0602020502020306" pitchFamily="34" charset="0"/>
+              <a:ea typeface="微軟正黑體 Light" panose="020B0304030504040204" pitchFamily="34" charset="-120"/>
+            </a:endParaRPr>
+          </a:p>
+        </p:txBody>
+      </p:sp>
+      <p:sp>
+        <p:nvSpPr>
+          <p:cNvPr id="4" name="標題 1">
+            <a:extLst>
+              <a:ext uri="{FF2B5EF4-FFF2-40B4-BE49-F238E27FC236}">
+                <a16:creationId xmlns:a16="http://schemas.microsoft.com/office/drawing/2014/main" id="{9EADEA97-424F-499B-A6C4-A6DCEE800E72}"/>
+              </a:ext>
+            </a:extLst>
+          </p:cNvPr>
+          <p:cNvSpPr txBox="1">
+            <a:spLocks/>
+          </p:cNvSpPr>
+          <p:nvPr/>
+        </p:nvSpPr>
+        <p:spPr>
+          <a:xfrm>
+            <a:off x="2688165" y="3503373"/>
+            <a:ext cx="6815669" cy="1515533"/>
+          </a:xfrm>
+          <a:prstGeom prst="rect">
+            <a:avLst/>
+          </a:prstGeom>
+          <a:effectLst/>
+        </p:spPr>
+        <p:txBody>
+          <a:bodyPr vert="horz" lIns="91440" tIns="45720" rIns="91440" bIns="45720" rtlCol="0" anchor="b">
+            <a:noAutofit/>
           </a:bodyPr>
-          <a:lstStyle/>
-          <a:p>
-            <a:br>
-              <a:rPr lang="en-US" altLang="zh-TW" sz="9600" dirty="0">
-                <a:latin typeface="微軟正黑體" panose="020B0604030504040204" pitchFamily="34" charset="-120"/>
-                <a:ea typeface="微軟正黑體" panose="020B0604030504040204" pitchFamily="34" charset="-120"/>
-              </a:rPr>
-            </a:br>
-            <a:r>
-              <a:rPr lang="en-US" altLang="zh-TW" sz="9600" dirty="0">
-                <a:latin typeface="微軟正黑體" panose="020B0604030504040204" pitchFamily="34" charset="-120"/>
-                <a:ea typeface="微軟正黑體" panose="020B0604030504040204" pitchFamily="34" charset="-120"/>
-              </a:rPr>
-              <a:t>【</a:t>
-            </a:r>
-            <a:r>
-              <a:rPr lang="zh-TW" altLang="en-US" sz="9600" dirty="0">
-                <a:latin typeface="微軟正黑體" panose="020B0604030504040204" pitchFamily="34" charset="-120"/>
-                <a:ea typeface="微軟正黑體" panose="020B0604030504040204" pitchFamily="34" charset="-120"/>
-              </a:rPr>
-              <a:t>直排標靶</a:t>
-            </a:r>
-            <a:r>
-              <a:rPr lang="en-US" altLang="zh-TW" sz="9600" dirty="0">
-                <a:latin typeface="微軟正黑體" panose="020B0604030504040204" pitchFamily="34" charset="-120"/>
-                <a:ea typeface="微軟正黑體" panose="020B0604030504040204" pitchFamily="34" charset="-120"/>
-              </a:rPr>
-              <a:t>】</a:t>
-            </a:r>
-            <a:br>
-              <a:rPr lang="en-US" altLang="zh-TW" sz="9600" dirty="0">
-                <a:solidFill>
-                  <a:srgbClr val="FF0000"/>
-                </a:solidFill>
-                <a:latin typeface="微軟正黑體" panose="020B0604030504040204" pitchFamily="34" charset="-120"/>
-                <a:ea typeface="微軟正黑體" panose="020B0604030504040204" pitchFamily="34" charset="-120"/>
-              </a:rPr>
-            </a:br>
-            <a:endParaRPr lang="zh-TW" altLang="en-US" sz="9600" dirty="0">
-              <a:solidFill>
-                <a:srgbClr val="FF0000"/>
-              </a:solidFill>
-              <a:latin typeface="微軟正黑體" panose="020B0604030504040204" pitchFamily="34" charset="-120"/>
-              <a:ea typeface="微軟正黑體" panose="020B0604030504040204" pitchFamily="34" charset="-120"/>
-            </a:endParaRPr>
+          <a:lstStyle>
+            <a:lvl1pPr algn="ctr" defTabSz="457200" rtl="0" eaLnBrk="1" latinLnBrk="0" hangingPunct="1">
+              <a:spcBef>
+                <a:spcPct val="0"/>
+              </a:spcBef>
+              <a:buNone/>
+              <a:defRPr sz="5400" kern="1200" cap="none">
+                <a:ln w="3175" cmpd="sng">
+                  <a:noFill/>
+                </a:ln>
+                <a:solidFill>
+                  <a:schemeClr val="tx1">
+                    <a:lumMod val="85000"/>
+                    <a:lumOff val="15000"/>
+                  </a:schemeClr>
+                </a:solidFill>
+                <a:effectLst/>
+                <a:latin typeface="+mj-lt"/>
+                <a:ea typeface="+mj-ea"/>
+                <a:cs typeface="+mj-cs"/>
+              </a:defRPr>
+            </a:lvl1pPr>
+            <a:lvl2pPr eaLnBrk="1" hangingPunct="1">
+              <a:defRPr>
+                <a:solidFill>
+                  <a:schemeClr val="tx2"/>
+                </a:solidFill>
+              </a:defRPr>
+            </a:lvl2pPr>
+            <a:lvl3pPr eaLnBrk="1" hangingPunct="1">
+              <a:defRPr>
+                <a:solidFill>
+                  <a:schemeClr val="tx2"/>
+                </a:solidFill>
+              </a:defRPr>
+            </a:lvl3pPr>
+            <a:lvl4pPr eaLnBrk="1" hangingPunct="1">
+              <a:defRPr>
+                <a:solidFill>
+                  <a:schemeClr val="tx2"/>
+                </a:solidFill>
+              </a:defRPr>
+            </a:lvl4pPr>
+            <a:lvl5pPr eaLnBrk="1" hangingPunct="1">
+              <a:defRPr>
+                <a:solidFill>
+                  <a:schemeClr val="tx2"/>
+                </a:solidFill>
+              </a:defRPr>
+            </a:lvl5pPr>
+            <a:lvl6pPr eaLnBrk="1" hangingPunct="1">
+              <a:defRPr>
+                <a:solidFill>
+                  <a:schemeClr val="tx2"/>
+                </a:solidFill>
+              </a:defRPr>
+            </a:lvl6pPr>
+            <a:lvl7pPr eaLnBrk="1" hangingPunct="1">
+              <a:defRPr>
+                <a:solidFill>
+                  <a:schemeClr val="tx2"/>
+                </a:solidFill>
+              </a:defRPr>
+            </a:lvl7pPr>
+            <a:lvl8pPr eaLnBrk="1" hangingPunct="1">
+              <a:defRPr>
+                <a:solidFill>
+                  <a:schemeClr val="tx2"/>
+                </a:solidFill>
+              </a:defRPr>
+            </a:lvl8pPr>
+            <a:lvl9pPr eaLnBrk="1" hangingPunct="1">
+              <a:defRPr>
+                <a:solidFill>
+                  <a:schemeClr val="tx2"/>
+                </a:solidFill>
+              </a:defRPr>
+            </a:lvl9pPr>
+          </a:lstStyle>
+          <a:p>
+            <a:r>
+              <a:rPr lang="zh-TW" altLang="en-US" sz="9600" dirty="0"/>
+              <a:t>障礙物</a:t>
+            </a:r>
+            <a:r>
+              <a:rPr lang="en-US" altLang="zh-TW" sz="9600" dirty="0"/>
+              <a:t>-</a:t>
+            </a:r>
+            <a:r>
+              <a:rPr lang="zh-TW" altLang="en-US" sz="9600" dirty="0"/>
+              <a:t>柱 </a:t>
+            </a:r>
           </a:p>
         </p:txBody>
       </p:sp>
     </p:spTree>
     <p:extLst>
       <p:ext uri="{BB962C8B-B14F-4D97-AF65-F5344CB8AC3E}">
-        <p14:creationId xmlns:p14="http://schemas.microsoft.com/office/powerpoint/2010/main" val="1969543531"/>
+        <p14:creationId xmlns:p14="http://schemas.microsoft.com/office/powerpoint/2010/main" val="904587071"/>
       </p:ext>
     </p:extLst>
   </p:cSld>
   <p:clrMapOvr>
     <a:masterClrMapping/>
   </p:clrMapOvr>
-  <p:timing>
-    <p:tnLst>
-      <p:par>
-        <p:cTn id="1" dur="indefinite" restart="never" nodeType="tmRoot">
-          <p:childTnLst>
-            <p:seq concurrent="1" nextAc="seek">
-              <p:cTn id="2" dur="indefinite" nodeType="mainSeq">
-                <p:childTnLst>
-                  <p:par>
-                    <p:cTn id="3" fill="hold">
-                      <p:stCondLst>
-                        <p:cond delay="indefinite"/>
-                        <p:cond evt="onBegin" delay="0">
-                          <p:tn val="2"/>
-                        </p:cond>
-                      </p:stCondLst>
-                      <p:childTnLst>
-                        <p:par>
-                          <p:cTn id="4" fill="hold">
-                            <p:stCondLst>
-                              <p:cond delay="0"/>
-                            </p:stCondLst>
-                            <p:childTnLst>
-                              <p:par>
-                                <p:cTn id="5" presetID="22" presetClass="entr" presetSubtype="4" fill="hold" grpId="0" nodeType="afterEffect">
-                                  <p:stCondLst>
-                                    <p:cond delay="0"/>
-                                  </p:stCondLst>
-                                  <p:iterate type="lt">
-                                    <p:tmPct val="100000"/>
-                                  </p:iterate>
-                                  <p:childTnLst>
-                                    <p:set>
-                                      <p:cBhvr>
-                                        <p:cTn id="6" dur="1" fill="hold">
-                                          <p:stCondLst>
-                                            <p:cond delay="0"/>
-                                          </p:stCondLst>
-                                        </p:cTn>
-                                        <p:tgtEl>
-                                          <p:spTgt spid="2"/>
-                                        </p:tgtEl>
-                                        <p:attrNameLst>
-                                          <p:attrName>style.visibility</p:attrName>
-                                        </p:attrNameLst>
-                                      </p:cBhvr>
-                                      <p:to>
-                                        <p:strVal val="visible"/>
-                                      </p:to>
-                                    </p:set>
-                                    <p:animEffect transition="in" filter="wipe(down)">
-                                      <p:cBhvr>
-                                        <p:cTn id="7" dur="250"/>
-                                        <p:tgtEl>
-                                          <p:spTgt spid="2"/>
-                                        </p:tgtEl>
-                                      </p:cBhvr>
-                                    </p:animEffect>
-                                  </p:childTnLst>
-                                </p:cTn>
-                              </p:par>
-                            </p:childTnLst>
-                          </p:cTn>
-                        </p:par>
-                      </p:childTnLst>
-                    </p:cTn>
-                  </p:par>
-                </p:childTnLst>
-              </p:cTn>
-              <p:prevCondLst>
-                <p:cond evt="onPrev" delay="0">
-                  <p:tgtEl>
-                    <p:sldTgt/>
-                  </p:tgtEl>
-                </p:cond>
-              </p:prevCondLst>
-              <p:nextCondLst>
-                <p:cond evt="onNext" delay="0">
-                  <p:tgtEl>
-                    <p:sldTgt/>
-                  </p:tgtEl>
-                </p:cond>
-              </p:nextCondLst>
-            </p:seq>
-          </p:childTnLst>
-        </p:cTn>
-      </p:par>
-    </p:tnLst>
-    <p:bldLst>
-      <p:bldP spid="2" grpId="0"/>
-    </p:bldLst>
-  </p:timing>
 </p:sld>
 </file>
 
@@ -7038,7 +7053,7 @@
         </p:spPr>
         <p:txBody>
           <a:bodyPr>
-            <a:normAutofit/>
+            <a:noAutofit/>
           </a:bodyPr>
           <a:lstStyle/>
           <a:p>
@@ -7046,53 +7061,53 @@
               <a:rPr lang="zh-TW" altLang="en-US" sz="9600" dirty="0">
                 <a:latin typeface="微軟正黑體" panose="020B0604030504040204" pitchFamily="34" charset="-120"/>
               </a:rPr>
-              <a:t>加上新迴圈</a:t>
+              <a:t>新增方塊 </a:t>
+            </a:r>
+            <a:r>
+              <a:rPr lang="zh-TW" altLang="en-US" sz="7200" dirty="0">
+                <a:solidFill>
+                  <a:srgbClr val="FF0000"/>
+                </a:solidFill>
+                <a:latin typeface="微軟正黑體" panose="020B0604030504040204" pitchFamily="34" charset="-120"/>
+              </a:rPr>
+              <a:t>寬高</a:t>
+            </a:r>
+            <a:r>
+              <a:rPr lang="en-US" altLang="zh-TW" sz="7200" dirty="0">
+                <a:solidFill>
+                  <a:srgbClr val="FF0000"/>
+                </a:solidFill>
+                <a:latin typeface="微軟正黑體" panose="020B0604030504040204" pitchFamily="34" charset="-120"/>
+              </a:rPr>
+              <a:t>20</a:t>
             </a:r>
             <a:br>
-              <a:rPr lang="en-US" altLang="zh-TW" sz="9600" dirty="0">
-                <a:latin typeface="微軟正黑體" panose="020B0604030504040204" pitchFamily="34" charset="-120"/>
-                <a:ea typeface="微軟正黑體" panose="020B0604030504040204" pitchFamily="34" charset="-120"/>
+              <a:rPr lang="en-US" altLang="zh-TW" sz="7200" dirty="0">
+                <a:solidFill>
+                  <a:srgbClr val="FF0000"/>
+                </a:solidFill>
+                <a:latin typeface="微軟正黑體" panose="020B0604030504040204" pitchFamily="34" charset="-120"/>
               </a:rPr>
             </a:br>
             <a:r>
-              <a:rPr lang="zh-TW" altLang="en-US" sz="9600" dirty="0">
-                <a:latin typeface="微軟正黑體" panose="020B0604030504040204" pitchFamily="34" charset="-120"/>
-                <a:ea typeface="微軟正黑體" panose="020B0604030504040204" pitchFamily="34" charset="-120"/>
-              </a:rPr>
-              <a:t>迴圈變數改為 </a:t>
-            </a:r>
-            <a:r>
-              <a:rPr lang="zh-TW" altLang="en-US" sz="9600" dirty="0">
+              <a:rPr lang="zh-TW" altLang="en-US" sz="8000" dirty="0">
+                <a:solidFill>
+                  <a:schemeClr val="tx1"/>
+                </a:solidFill>
+                <a:latin typeface="微軟正黑體" panose="020B0604030504040204" pitchFamily="34" charset="-120"/>
+              </a:rPr>
+              <a:t>位置設為滑鼠 </a:t>
+            </a:r>
+            <a:r>
+              <a:rPr lang="en-US" altLang="zh-TW" sz="8000" dirty="0">
                 <a:solidFill>
                   <a:srgbClr val="FF0000"/>
                 </a:solidFill>
                 <a:latin typeface="微軟正黑體" panose="020B0604030504040204" pitchFamily="34" charset="-120"/>
-                <a:ea typeface="微軟正黑體" panose="020B0604030504040204" pitchFamily="34" charset="-120"/>
-              </a:rPr>
-              <a:t>直</a:t>
-            </a:r>
-            <a:br>
-              <a:rPr lang="en-US" altLang="zh-TW" sz="9600" dirty="0">
-                <a:latin typeface="微軟正黑體" panose="020B0604030504040204" pitchFamily="34" charset="-120"/>
-                <a:ea typeface="微軟正黑體" panose="020B0604030504040204" pitchFamily="34" charset="-120"/>
-              </a:rPr>
-            </a:br>
-            <a:r>
-              <a:rPr lang="zh-TW" altLang="en-US" sz="9600" dirty="0">
-                <a:latin typeface="微軟正黑體" panose="020B0604030504040204" pitchFamily="34" charset="-120"/>
-              </a:rPr>
-              <a:t>加進</a:t>
-            </a:r>
-            <a:r>
-              <a:rPr lang="zh-TW" altLang="en-US" sz="9600" dirty="0">
-                <a:solidFill>
-                  <a:srgbClr val="FF0000"/>
-                </a:solidFill>
-                <a:latin typeface="微軟正黑體" panose="020B0604030504040204" pitchFamily="34" charset="-120"/>
-              </a:rPr>
-              <a:t>變數清單</a:t>
-            </a:r>
-            <a:endParaRPr lang="zh-TW" altLang="en-US" sz="9600" dirty="0">
+              </a:rPr>
+              <a:t>x , y</a:t>
+            </a:r>
+            <a:endParaRPr lang="zh-TW" altLang="en-US" sz="7200" dirty="0">
               <a:solidFill>
                 <a:srgbClr val="FF0000"/>
               </a:solidFill>
@@ -7105,7 +7120,7 @@
     </p:spTree>
     <p:extLst>
       <p:ext uri="{BB962C8B-B14F-4D97-AF65-F5344CB8AC3E}">
-        <p14:creationId xmlns:p14="http://schemas.microsoft.com/office/powerpoint/2010/main" val="73922664"/>
+        <p14:creationId xmlns:p14="http://schemas.microsoft.com/office/powerpoint/2010/main" val="3104801308"/>
       </p:ext>
     </p:extLst>
   </p:cSld>
@@ -7254,76 +7269,53 @@
           <a:p>
             <a:r>
               <a:rPr lang="zh-TW" altLang="en-US" sz="9600" dirty="0">
-                <a:solidFill>
-                  <a:srgbClr val="FF0000"/>
-                </a:solidFill>
-                <a:latin typeface="微軟正黑體" panose="020B0604030504040204" pitchFamily="34" charset="-120"/>
-                <a:ea typeface="微軟正黑體" panose="020B0604030504040204" pitchFamily="34" charset="-120"/>
-              </a:rPr>
-              <a:t>重複</a:t>
-            </a:r>
-            <a:r>
-              <a:rPr lang="en-US" altLang="zh-TW" sz="9600" dirty="0">
-                <a:solidFill>
-                  <a:srgbClr val="FF0000"/>
-                </a:solidFill>
-                <a:latin typeface="微軟正黑體" panose="020B0604030504040204" pitchFamily="34" charset="-120"/>
-                <a:ea typeface="微軟正黑體" panose="020B0604030504040204" pitchFamily="34" charset="-120"/>
-              </a:rPr>
-              <a:t>10</a:t>
-            </a:r>
-            <a:r>
-              <a:rPr lang="zh-TW" altLang="en-US" sz="9600" dirty="0">
-                <a:solidFill>
-                  <a:srgbClr val="FF0000"/>
-                </a:solidFill>
-                <a:latin typeface="微軟正黑體" panose="020B0604030504040204" pitchFamily="34" charset="-120"/>
-                <a:ea typeface="微軟正黑體" panose="020B0604030504040204" pitchFamily="34" charset="-120"/>
-              </a:rPr>
-              <a:t>次</a:t>
+                <a:latin typeface="微軟正黑體" panose="020B0604030504040204" pitchFamily="34" charset="-120"/>
+              </a:rPr>
+              <a:t>加上新迴圈</a:t>
             </a:r>
             <a:br>
               <a:rPr lang="en-US" altLang="zh-TW" sz="9600" dirty="0">
+                <a:latin typeface="微軟正黑體" panose="020B0604030504040204" pitchFamily="34" charset="-120"/>
+                <a:ea typeface="微軟正黑體" panose="020B0604030504040204" pitchFamily="34" charset="-120"/>
+              </a:rPr>
+            </a:br>
+            <a:r>
+              <a:rPr lang="zh-TW" altLang="en-US" sz="9600" dirty="0">
+                <a:latin typeface="微軟正黑體" panose="020B0604030504040204" pitchFamily="34" charset="-120"/>
+                <a:ea typeface="微軟正黑體" panose="020B0604030504040204" pitchFamily="34" charset="-120"/>
+              </a:rPr>
+              <a:t>迴圈變數改為 </a:t>
+            </a:r>
+            <a:r>
+              <a:rPr lang="zh-TW" altLang="en-US" sz="9600" dirty="0">
                 <a:solidFill>
                   <a:srgbClr val="FF0000"/>
                 </a:solidFill>
                 <a:latin typeface="微軟正黑體" panose="020B0604030504040204" pitchFamily="34" charset="-120"/>
                 <a:ea typeface="微軟正黑體" panose="020B0604030504040204" pitchFamily="34" charset="-120"/>
               </a:rPr>
+              <a:t>直</a:t>
+            </a:r>
+            <a:br>
+              <a:rPr lang="en-US" altLang="zh-TW" sz="9600" dirty="0">
+                <a:latin typeface="微軟正黑體" panose="020B0604030504040204" pitchFamily="34" charset="-120"/>
+                <a:ea typeface="微軟正黑體" panose="020B0604030504040204" pitchFamily="34" charset="-120"/>
+              </a:rPr>
             </a:br>
             <a:r>
-              <a:rPr lang="zh-TW" altLang="en-US" sz="8800" dirty="0">
-                <a:latin typeface="微軟正黑體" panose="020B0604030504040204" pitchFamily="34" charset="-120"/>
-                <a:ea typeface="微軟正黑體" panose="020B0604030504040204" pitchFamily="34" charset="-120"/>
-              </a:rPr>
-              <a:t>依</a:t>
-            </a:r>
-            <a:r>
-              <a:rPr lang="zh-TW" altLang="en-US" sz="8800" dirty="0">
-                <a:solidFill>
-                  <a:schemeClr val="tx1"/>
-                </a:solidFill>
-                <a:latin typeface="微軟正黑體" panose="020B0604030504040204" pitchFamily="34" charset="-120"/>
-                <a:ea typeface="微軟正黑體" panose="020B0604030504040204" pitchFamily="34" charset="-120"/>
-              </a:rPr>
-              <a:t>迴圈變數</a:t>
-            </a:r>
-            <a:r>
-              <a:rPr lang="zh-TW" altLang="en-US" sz="8800" dirty="0">
-                <a:latin typeface="微軟正黑體" panose="020B0604030504040204" pitchFamily="34" charset="-120"/>
-                <a:ea typeface="微軟正黑體" panose="020B0604030504040204" pitchFamily="34" charset="-120"/>
-              </a:rPr>
-              <a:t>增加</a:t>
-            </a:r>
-            <a:r>
-              <a:rPr lang="zh-TW" altLang="en-US" sz="8800" dirty="0">
+              <a:rPr lang="zh-TW" altLang="en-US" sz="9600" dirty="0">
+                <a:latin typeface="微軟正黑體" panose="020B0604030504040204" pitchFamily="34" charset="-120"/>
+              </a:rPr>
+              <a:t>加進</a:t>
+            </a:r>
+            <a:r>
+              <a:rPr lang="zh-TW" altLang="en-US" sz="9600" dirty="0">
                 <a:solidFill>
                   <a:srgbClr val="FF0000"/>
                 </a:solidFill>
                 <a:latin typeface="微軟正黑體" panose="020B0604030504040204" pitchFamily="34" charset="-120"/>
-                <a:ea typeface="微軟正黑體" panose="020B0604030504040204" pitchFamily="34" charset="-120"/>
-              </a:rPr>
-              <a:t>高度</a:t>
+              </a:rPr>
+              <a:t>變數清單</a:t>
             </a:r>
             <a:endParaRPr lang="zh-TW" altLang="en-US" sz="9600" dirty="0">
               <a:solidFill>
@@ -7338,7 +7330,7 @@
     </p:spTree>
     <p:extLst>
       <p:ext uri="{BB962C8B-B14F-4D97-AF65-F5344CB8AC3E}">
-        <p14:creationId xmlns:p14="http://schemas.microsoft.com/office/powerpoint/2010/main" val="3055607919"/>
+        <p14:creationId xmlns:p14="http://schemas.microsoft.com/office/powerpoint/2010/main" val="73922664"/>
       </p:ext>
     </p:extLst>
   </p:cSld>
@@ -7485,48 +7477,79 @@
           </a:bodyPr>
           <a:lstStyle/>
           <a:p>
+            <a:r>
+              <a:rPr lang="zh-TW" altLang="en-US" sz="9600" dirty="0">
+                <a:solidFill>
+                  <a:srgbClr val="FF0000"/>
+                </a:solidFill>
+                <a:latin typeface="微軟正黑體" panose="020B0604030504040204" pitchFamily="34" charset="-120"/>
+                <a:ea typeface="微軟正黑體" panose="020B0604030504040204" pitchFamily="34" charset="-120"/>
+              </a:rPr>
+              <a:t>重複</a:t>
+            </a:r>
+            <a:r>
+              <a:rPr lang="en-US" altLang="zh-TW" sz="9600" dirty="0">
+                <a:solidFill>
+                  <a:srgbClr val="FF0000"/>
+                </a:solidFill>
+                <a:latin typeface="微軟正黑體" panose="020B0604030504040204" pitchFamily="34" charset="-120"/>
+                <a:ea typeface="微軟正黑體" panose="020B0604030504040204" pitchFamily="34" charset="-120"/>
+              </a:rPr>
+              <a:t>10</a:t>
+            </a:r>
+            <a:r>
+              <a:rPr lang="zh-TW" altLang="en-US" sz="9600" dirty="0">
+                <a:solidFill>
+                  <a:srgbClr val="FF0000"/>
+                </a:solidFill>
+                <a:latin typeface="微軟正黑體" panose="020B0604030504040204" pitchFamily="34" charset="-120"/>
+                <a:ea typeface="微軟正黑體" panose="020B0604030504040204" pitchFamily="34" charset="-120"/>
+              </a:rPr>
+              <a:t>次</a:t>
+            </a:r>
             <a:br>
               <a:rPr lang="en-US" altLang="zh-TW" sz="9600" dirty="0">
+                <a:solidFill>
+                  <a:srgbClr val="FF0000"/>
+                </a:solidFill>
                 <a:latin typeface="微軟正黑體" panose="020B0604030504040204" pitchFamily="34" charset="-120"/>
                 <a:ea typeface="微軟正黑體" panose="020B0604030504040204" pitchFamily="34" charset="-120"/>
               </a:rPr>
             </a:br>
             <a:r>
-              <a:rPr lang="en-US" altLang="zh-TW" sz="9600" dirty="0">
+              <a:rPr lang="zh-TW" altLang="en-US" sz="8800" dirty="0">
                 <a:latin typeface="微軟正黑體" panose="020B0604030504040204" pitchFamily="34" charset="-120"/>
                 <a:ea typeface="微軟正黑體" panose="020B0604030504040204" pitchFamily="34" charset="-120"/>
               </a:rPr>
-              <a:t>【</a:t>
-            </a:r>
-            <a:r>
-              <a:rPr lang="zh-TW" altLang="en-US" sz="9600" dirty="0">
-                <a:latin typeface="微軟正黑體" panose="020B0604030504040204" pitchFamily="34" charset="-120"/>
-              </a:rPr>
-              <a:t>方陣</a:t>
-            </a:r>
-            <a:r>
-              <a:rPr lang="zh-TW" altLang="en-US" sz="9600" dirty="0">
+              <a:t>依</a:t>
+            </a:r>
+            <a:r>
+              <a:rPr lang="zh-TW" altLang="en-US" sz="8800" dirty="0">
+                <a:solidFill>
+                  <a:schemeClr val="tx1"/>
+                </a:solidFill>
                 <a:latin typeface="微軟正黑體" panose="020B0604030504040204" pitchFamily="34" charset="-120"/>
                 <a:ea typeface="微軟正黑體" panose="020B0604030504040204" pitchFamily="34" charset="-120"/>
               </a:rPr>
-              <a:t>標靶</a:t>
-            </a:r>
-            <a:r>
-              <a:rPr lang="en-US" altLang="zh-TW" sz="9600" dirty="0">
+              <a:t>迴圈變數</a:t>
+            </a:r>
+            <a:r>
+              <a:rPr lang="zh-TW" altLang="en-US" sz="8800" dirty="0">
                 <a:latin typeface="微軟正黑體" panose="020B0604030504040204" pitchFamily="34" charset="-120"/>
                 <a:ea typeface="微軟正黑體" panose="020B0604030504040204" pitchFamily="34" charset="-120"/>
               </a:rPr>
-              <a:t>】</a:t>
-            </a:r>
-            <a:br>
-              <a:rPr lang="en-US" altLang="zh-TW" sz="9600" dirty="0">
+              <a:t>增加</a:t>
+            </a:r>
+            <a:r>
+              <a:rPr lang="zh-TW" altLang="en-US" sz="8800" dirty="0">
                 <a:solidFill>
                   <a:srgbClr val="FF0000"/>
                 </a:solidFill>
                 <a:latin typeface="微軟正黑體" panose="020B0604030504040204" pitchFamily="34" charset="-120"/>
                 <a:ea typeface="微軟正黑體" panose="020B0604030504040204" pitchFamily="34" charset="-120"/>
               </a:rPr>
-            </a:br>
+              <a:t>高度</a:t>
+            </a:r>
             <a:endParaRPr lang="zh-TW" altLang="en-US" sz="9600" dirty="0">
               <a:solidFill>
                 <a:srgbClr val="FF0000"/>
@@ -7540,7 +7563,7 @@
     </p:spTree>
     <p:extLst>
       <p:ext uri="{BB962C8B-B14F-4D97-AF65-F5344CB8AC3E}">
-        <p14:creationId xmlns:p14="http://schemas.microsoft.com/office/powerpoint/2010/main" val="2389415783"/>
+        <p14:creationId xmlns:p14="http://schemas.microsoft.com/office/powerpoint/2010/main" val="3055607919"/>
       </p:ext>
     </p:extLst>
   </p:cSld>
@@ -7664,7 +7687,7 @@
           <p:cNvPr id="2" name="標題 1">
             <a:extLst>
               <a:ext uri="{FF2B5EF4-FFF2-40B4-BE49-F238E27FC236}">
-                <a16:creationId xmlns:a16="http://schemas.microsoft.com/office/drawing/2014/main" id="{60856E43-3621-4F02-B0E9-EF43423F3E70}"/>
+                <a16:creationId xmlns:a16="http://schemas.microsoft.com/office/drawing/2014/main" id="{E39515FA-8C05-415A-9171-15D6B608FF2D}"/>
               </a:ext>
             </a:extLst>
           </p:cNvPr>
@@ -7672,184 +7695,166 @@
             <a:spLocks noGrp="1"/>
           </p:cNvSpPr>
           <p:nvPr>
-            <p:ph type="title"/>
+            <p:ph type="ctrTitle"/>
           </p:nvPr>
         </p:nvSpPr>
         <p:spPr>
           <a:xfrm>
-            <a:off x="1000979" y="740808"/>
-            <a:ext cx="10419907" cy="5082362"/>
+            <a:off x="2688165" y="1987840"/>
+            <a:ext cx="6815669" cy="1515533"/>
           </a:xfrm>
         </p:spPr>
         <p:txBody>
-          <a:bodyPr>
-            <a:normAutofit/>
+          <a:bodyPr/>
+          <a:lstStyle/>
+          <a:p>
+            <a:r>
+              <a:rPr lang="en-US" altLang="zh-TW" sz="9600" dirty="0">
+                <a:latin typeface="Berlin Sans FB" panose="020E0602020502020306" pitchFamily="34" charset="0"/>
+                <a:ea typeface="微軟正黑體 Light" panose="020B0304030504040204" pitchFamily="34" charset="-120"/>
+              </a:rPr>
+              <a:t>Part 4</a:t>
+            </a:r>
+            <a:endParaRPr lang="zh-TW" altLang="en-US" sz="9600" dirty="0">
+              <a:latin typeface="Berlin Sans FB" panose="020E0602020502020306" pitchFamily="34" charset="0"/>
+              <a:ea typeface="微軟正黑體 Light" panose="020B0304030504040204" pitchFamily="34" charset="-120"/>
+            </a:endParaRPr>
+          </a:p>
+        </p:txBody>
+      </p:sp>
+      <p:sp>
+        <p:nvSpPr>
+          <p:cNvPr id="4" name="標題 1">
+            <a:extLst>
+              <a:ext uri="{FF2B5EF4-FFF2-40B4-BE49-F238E27FC236}">
+                <a16:creationId xmlns:a16="http://schemas.microsoft.com/office/drawing/2014/main" id="{9EADEA97-424F-499B-A6C4-A6DCEE800E72}"/>
+              </a:ext>
+            </a:extLst>
+          </p:cNvPr>
+          <p:cNvSpPr txBox="1">
+            <a:spLocks/>
+          </p:cNvSpPr>
+          <p:nvPr/>
+        </p:nvSpPr>
+        <p:spPr>
+          <a:xfrm>
+            <a:off x="2688165" y="3503373"/>
+            <a:ext cx="6815669" cy="1515533"/>
+          </a:xfrm>
+          <a:prstGeom prst="rect">
+            <a:avLst/>
+          </a:prstGeom>
+          <a:effectLst/>
+        </p:spPr>
+        <p:txBody>
+          <a:bodyPr vert="horz" lIns="91440" tIns="45720" rIns="91440" bIns="45720" rtlCol="0" anchor="b">
+            <a:noAutofit/>
           </a:bodyPr>
-          <a:lstStyle/>
-          <a:p>
-            <a:r>
-              <a:rPr lang="zh-TW" altLang="en-US" sz="9600" dirty="0">
-                <a:latin typeface="微軟正黑體" panose="020B0604030504040204" pitchFamily="34" charset="-120"/>
-                <a:ea typeface="微軟正黑體" panose="020B0604030504040204" pitchFamily="34" charset="-120"/>
-              </a:rPr>
-              <a:t>加上新迴圈</a:t>
-            </a:r>
-            <a:br>
-              <a:rPr lang="en-US" altLang="zh-TW" sz="9600" dirty="0">
-                <a:latin typeface="微軟正黑體" panose="020B0604030504040204" pitchFamily="34" charset="-120"/>
-                <a:ea typeface="微軟正黑體" panose="020B0604030504040204" pitchFamily="34" charset="-120"/>
-              </a:rPr>
-            </a:br>
-            <a:r>
-              <a:rPr lang="zh-TW" altLang="en-US" sz="9600" dirty="0">
-                <a:latin typeface="微軟正黑體" panose="020B0604030504040204" pitchFamily="34" charset="-120"/>
-                <a:ea typeface="微軟正黑體" panose="020B0604030504040204" pitchFamily="34" charset="-120"/>
-              </a:rPr>
-              <a:t>迴圈變數改為 </a:t>
-            </a:r>
-            <a:r>
-              <a:rPr lang="zh-TW" altLang="en-US" sz="9600" dirty="0">
-                <a:solidFill>
-                  <a:srgbClr val="FF0000"/>
-                </a:solidFill>
-                <a:latin typeface="微軟正黑體" panose="020B0604030504040204" pitchFamily="34" charset="-120"/>
-                <a:ea typeface="微軟正黑體" panose="020B0604030504040204" pitchFamily="34" charset="-120"/>
-              </a:rPr>
-              <a:t>橫</a:t>
-            </a:r>
-            <a:br>
-              <a:rPr lang="en-US" altLang="zh-TW" sz="9600" dirty="0">
-                <a:latin typeface="微軟正黑體" panose="020B0604030504040204" pitchFamily="34" charset="-120"/>
-                <a:ea typeface="微軟正黑體" panose="020B0604030504040204" pitchFamily="34" charset="-120"/>
-              </a:rPr>
-            </a:br>
-            <a:r>
-              <a:rPr lang="zh-TW" altLang="en-US" sz="9600" dirty="0">
-                <a:latin typeface="微軟正黑體" panose="020B0604030504040204" pitchFamily="34" charset="-120"/>
-              </a:rPr>
-              <a:t>加進</a:t>
-            </a:r>
-            <a:r>
-              <a:rPr lang="zh-TW" altLang="en-US" sz="9600" dirty="0">
-                <a:solidFill>
-                  <a:srgbClr val="FF0000"/>
-                </a:solidFill>
-                <a:latin typeface="微軟正黑體" panose="020B0604030504040204" pitchFamily="34" charset="-120"/>
-              </a:rPr>
-              <a:t>變數清單</a:t>
-            </a:r>
-            <a:endParaRPr lang="zh-TW" altLang="en-US" sz="9600" dirty="0">
-              <a:solidFill>
-                <a:srgbClr val="FF0000"/>
-              </a:solidFill>
-              <a:latin typeface="微軟正黑體" panose="020B0604030504040204" pitchFamily="34" charset="-120"/>
-              <a:ea typeface="微軟正黑體" panose="020B0604030504040204" pitchFamily="34" charset="-120"/>
-            </a:endParaRPr>
+          <a:lstStyle>
+            <a:lvl1pPr algn="ctr" defTabSz="457200" rtl="0" eaLnBrk="1" latinLnBrk="0" hangingPunct="1">
+              <a:spcBef>
+                <a:spcPct val="0"/>
+              </a:spcBef>
+              <a:buNone/>
+              <a:defRPr sz="5400" kern="1200" cap="none">
+                <a:ln w="3175" cmpd="sng">
+                  <a:noFill/>
+                </a:ln>
+                <a:solidFill>
+                  <a:schemeClr val="tx1">
+                    <a:lumMod val="85000"/>
+                    <a:lumOff val="15000"/>
+                  </a:schemeClr>
+                </a:solidFill>
+                <a:effectLst/>
+                <a:latin typeface="+mj-lt"/>
+                <a:ea typeface="+mj-ea"/>
+                <a:cs typeface="+mj-cs"/>
+              </a:defRPr>
+            </a:lvl1pPr>
+            <a:lvl2pPr eaLnBrk="1" hangingPunct="1">
+              <a:defRPr>
+                <a:solidFill>
+                  <a:schemeClr val="tx2"/>
+                </a:solidFill>
+              </a:defRPr>
+            </a:lvl2pPr>
+            <a:lvl3pPr eaLnBrk="1" hangingPunct="1">
+              <a:defRPr>
+                <a:solidFill>
+                  <a:schemeClr val="tx2"/>
+                </a:solidFill>
+              </a:defRPr>
+            </a:lvl3pPr>
+            <a:lvl4pPr eaLnBrk="1" hangingPunct="1">
+              <a:defRPr>
+                <a:solidFill>
+                  <a:schemeClr val="tx2"/>
+                </a:solidFill>
+              </a:defRPr>
+            </a:lvl4pPr>
+            <a:lvl5pPr eaLnBrk="1" hangingPunct="1">
+              <a:defRPr>
+                <a:solidFill>
+                  <a:schemeClr val="tx2"/>
+                </a:solidFill>
+              </a:defRPr>
+            </a:lvl5pPr>
+            <a:lvl6pPr eaLnBrk="1" hangingPunct="1">
+              <a:defRPr>
+                <a:solidFill>
+                  <a:schemeClr val="tx2"/>
+                </a:solidFill>
+              </a:defRPr>
+            </a:lvl6pPr>
+            <a:lvl7pPr eaLnBrk="1" hangingPunct="1">
+              <a:defRPr>
+                <a:solidFill>
+                  <a:schemeClr val="tx2"/>
+                </a:solidFill>
+              </a:defRPr>
+            </a:lvl7pPr>
+            <a:lvl8pPr eaLnBrk="1" hangingPunct="1">
+              <a:defRPr>
+                <a:solidFill>
+                  <a:schemeClr val="tx2"/>
+                </a:solidFill>
+              </a:defRPr>
+            </a:lvl8pPr>
+            <a:lvl9pPr eaLnBrk="1" hangingPunct="1">
+              <a:defRPr>
+                <a:solidFill>
+                  <a:schemeClr val="tx2"/>
+                </a:solidFill>
+              </a:defRPr>
+            </a:lvl9pPr>
+          </a:lstStyle>
+          <a:p>
+            <a:r>
+              <a:rPr lang="zh-TW" altLang="en-US" sz="9600" dirty="0"/>
+              <a:t>障礙物</a:t>
+            </a:r>
+            <a:r>
+              <a:rPr lang="en-US" altLang="zh-TW" sz="9600" dirty="0"/>
+              <a:t>-</a:t>
+            </a:r>
+            <a:r>
+              <a:rPr lang="zh-TW" altLang="en-US" sz="9600" dirty="0"/>
+              <a:t>牆 </a:t>
+            </a:r>
           </a:p>
         </p:txBody>
       </p:sp>
     </p:spTree>
     <p:extLst>
       <p:ext uri="{BB962C8B-B14F-4D97-AF65-F5344CB8AC3E}">
-        <p14:creationId xmlns:p14="http://schemas.microsoft.com/office/powerpoint/2010/main" val="1603441570"/>
+        <p14:creationId xmlns:p14="http://schemas.microsoft.com/office/powerpoint/2010/main" val="3297919916"/>
       </p:ext>
     </p:extLst>
   </p:cSld>
   <p:clrMapOvr>
     <a:masterClrMapping/>
   </p:clrMapOvr>
-  <p:timing>
-    <p:tnLst>
-      <p:par>
-        <p:cTn id="1" dur="indefinite" restart="never" nodeType="tmRoot">
-          <p:childTnLst>
-            <p:seq concurrent="1" nextAc="seek">
-              <p:cTn id="2" dur="indefinite" nodeType="mainSeq">
-                <p:childTnLst>
-                  <p:par>
-                    <p:cTn id="3" fill="hold">
-                      <p:stCondLst>
-                        <p:cond delay="indefinite"/>
-                        <p:cond evt="onBegin" delay="0">
-                          <p:tn val="2"/>
-                        </p:cond>
-                      </p:stCondLst>
-                      <p:childTnLst>
-                        <p:par>
-                          <p:cTn id="4" fill="hold">
-                            <p:stCondLst>
-                              <p:cond delay="0"/>
-                            </p:stCondLst>
-                            <p:childTnLst>
-                              <p:par>
-                                <p:cTn id="5" presetID="22" presetClass="entr" presetSubtype="4" fill="hold" grpId="0" nodeType="afterEffect">
-                                  <p:stCondLst>
-                                    <p:cond delay="0"/>
-                                  </p:stCondLst>
-                                  <p:iterate type="lt">
-                                    <p:tmPct val="100000"/>
-                                  </p:iterate>
-                                  <p:childTnLst>
-                                    <p:set>
-                                      <p:cBhvr>
-                                        <p:cTn id="6" dur="1" fill="hold">
-                                          <p:stCondLst>
-                                            <p:cond delay="0"/>
-                                          </p:stCondLst>
-                                        </p:cTn>
-                                        <p:tgtEl>
-                                          <p:spTgt spid="2"/>
-                                        </p:tgtEl>
-                                        <p:attrNameLst>
-                                          <p:attrName>style.visibility</p:attrName>
-                                        </p:attrNameLst>
-                                      </p:cBhvr>
-                                      <p:to>
-                                        <p:strVal val="visible"/>
-                                      </p:to>
-                                    </p:set>
-                                    <p:animEffect transition="in" filter="wipe(down)">
-                                      <p:cBhvr>
-                                        <p:cTn id="7" dur="250"/>
-                                        <p:tgtEl>
-                                          <p:spTgt spid="2"/>
-                                        </p:tgtEl>
-                                      </p:cBhvr>
-                                    </p:animEffect>
-                                  </p:childTnLst>
-                                </p:cTn>
-                              </p:par>
-                            </p:childTnLst>
-                          </p:cTn>
-                        </p:par>
-                      </p:childTnLst>
-                    </p:cTn>
-                  </p:par>
-                </p:childTnLst>
-              </p:cTn>
-              <p:prevCondLst>
-                <p:cond evt="onPrev" delay="0">
-                  <p:tgtEl>
-                    <p:sldTgt/>
-                  </p:tgtEl>
-                </p:cond>
-              </p:prevCondLst>
-              <p:nextCondLst>
-                <p:cond evt="onNext" delay="0">
-                  <p:tgtEl>
-                    <p:sldTgt/>
-                  </p:tgtEl>
-                </p:cond>
-              </p:nextCondLst>
-            </p:seq>
-          </p:childTnLst>
-        </p:cTn>
-      </p:par>
-    </p:tnLst>
-    <p:bldLst>
-      <p:bldP spid="2" grpId="0"/>
-    </p:bldLst>
-  </p:timing>
 </p:sld>
 </file>
 
@@ -7900,75 +7905,54 @@
           <a:p>
             <a:r>
               <a:rPr lang="zh-TW" altLang="en-US" sz="9600" dirty="0">
-                <a:solidFill>
-                  <a:srgbClr val="FF0000"/>
-                </a:solidFill>
                 <a:latin typeface="微軟正黑體" panose="020B0604030504040204" pitchFamily="34" charset="-120"/>
                 <a:ea typeface="微軟正黑體" panose="020B0604030504040204" pitchFamily="34" charset="-120"/>
               </a:rPr>
-              <a:t>重複</a:t>
-            </a:r>
-            <a:r>
-              <a:rPr lang="en-US" altLang="zh-TW" sz="9600" dirty="0">
-                <a:solidFill>
-                  <a:srgbClr val="FF0000"/>
-                </a:solidFill>
-                <a:latin typeface="微軟正黑體" panose="020B0604030504040204" pitchFamily="34" charset="-120"/>
-                <a:ea typeface="微軟正黑體" panose="020B0604030504040204" pitchFamily="34" charset="-120"/>
-              </a:rPr>
-              <a:t>10</a:t>
-            </a:r>
-            <a:r>
-              <a:rPr lang="zh-TW" altLang="en-US" sz="9600" dirty="0">
-                <a:solidFill>
-                  <a:srgbClr val="FF0000"/>
-                </a:solidFill>
-                <a:latin typeface="微軟正黑體" panose="020B0604030504040204" pitchFamily="34" charset="-120"/>
-                <a:ea typeface="微軟正黑體" panose="020B0604030504040204" pitchFamily="34" charset="-120"/>
-              </a:rPr>
-              <a:t>次</a:t>
+              <a:t>加上新迴圈</a:t>
             </a:r>
             <a:br>
               <a:rPr lang="en-US" altLang="zh-TW" sz="9600" dirty="0">
+                <a:latin typeface="微軟正黑體" panose="020B0604030504040204" pitchFamily="34" charset="-120"/>
+                <a:ea typeface="微軟正黑體" panose="020B0604030504040204" pitchFamily="34" charset="-120"/>
+              </a:rPr>
+            </a:br>
+            <a:r>
+              <a:rPr lang="zh-TW" altLang="en-US" sz="9600" dirty="0">
+                <a:latin typeface="微軟正黑體" panose="020B0604030504040204" pitchFamily="34" charset="-120"/>
+                <a:ea typeface="微軟正黑體" panose="020B0604030504040204" pitchFamily="34" charset="-120"/>
+              </a:rPr>
+              <a:t>迴圈變數改為 </a:t>
+            </a:r>
+            <a:r>
+              <a:rPr lang="zh-TW" altLang="en-US" sz="9600" dirty="0">
                 <a:solidFill>
                   <a:srgbClr val="FF0000"/>
                 </a:solidFill>
                 <a:latin typeface="微軟正黑體" panose="020B0604030504040204" pitchFamily="34" charset="-120"/>
                 <a:ea typeface="微軟正黑體" panose="020B0604030504040204" pitchFamily="34" charset="-120"/>
               </a:rPr>
+              <a:t>橫</a:t>
+            </a:r>
+            <a:br>
+              <a:rPr lang="en-US" altLang="zh-TW" sz="9600" dirty="0">
+                <a:latin typeface="微軟正黑體" panose="020B0604030504040204" pitchFamily="34" charset="-120"/>
+                <a:ea typeface="微軟正黑體" panose="020B0604030504040204" pitchFamily="34" charset="-120"/>
+              </a:rPr>
             </a:br>
             <a:r>
-              <a:rPr lang="zh-TW" altLang="en-US" sz="8800" dirty="0">
-                <a:latin typeface="微軟正黑體" panose="020B0604030504040204" pitchFamily="34" charset="-120"/>
-                <a:ea typeface="微軟正黑體" panose="020B0604030504040204" pitchFamily="34" charset="-120"/>
-              </a:rPr>
-              <a:t>依</a:t>
-            </a:r>
-            <a:r>
-              <a:rPr lang="zh-TW" altLang="en-US" sz="8800" dirty="0">
-                <a:solidFill>
-                  <a:schemeClr val="tx1"/>
-                </a:solidFill>
-                <a:latin typeface="微軟正黑體" panose="020B0604030504040204" pitchFamily="34" charset="-120"/>
-                <a:ea typeface="微軟正黑體" panose="020B0604030504040204" pitchFamily="34" charset="-120"/>
-              </a:rPr>
-              <a:t>迴圈變數</a:t>
-            </a:r>
-            <a:r>
-              <a:rPr lang="zh-TW" altLang="en-US" sz="8800" dirty="0">
-                <a:latin typeface="微軟正黑體" panose="020B0604030504040204" pitchFamily="34" charset="-120"/>
-                <a:ea typeface="微軟正黑體" panose="020B0604030504040204" pitchFamily="34" charset="-120"/>
-              </a:rPr>
-              <a:t>增加</a:t>
-            </a:r>
-            <a:r>
-              <a:rPr lang="zh-TW" altLang="en-US" sz="8800" dirty="0">
+              <a:rPr lang="zh-TW" altLang="en-US" sz="9600" dirty="0">
+                <a:latin typeface="微軟正黑體" panose="020B0604030504040204" pitchFamily="34" charset="-120"/>
+              </a:rPr>
+              <a:t>加進</a:t>
+            </a:r>
+            <a:r>
+              <a:rPr lang="zh-TW" altLang="en-US" sz="9600" dirty="0">
                 <a:solidFill>
                   <a:srgbClr val="FF0000"/>
                 </a:solidFill>
                 <a:latin typeface="微軟正黑體" panose="020B0604030504040204" pitchFamily="34" charset="-120"/>
               </a:rPr>
-              <a:t>寬度</a:t>
+              <a:t>變數清單</a:t>
             </a:r>
             <a:endParaRPr lang="zh-TW" altLang="en-US" sz="9600" dirty="0">
               <a:solidFill>
@@ -7983,7 +7967,7 @@
     </p:spTree>
     <p:extLst>
       <p:ext uri="{BB962C8B-B14F-4D97-AF65-F5344CB8AC3E}">
-        <p14:creationId xmlns:p14="http://schemas.microsoft.com/office/powerpoint/2010/main" val="1001968476"/>
+        <p14:creationId xmlns:p14="http://schemas.microsoft.com/office/powerpoint/2010/main" val="1603441570"/>
       </p:ext>
     </p:extLst>
   </p:cSld>
@@ -8131,53 +8115,31 @@
           <a:lstStyle/>
           <a:p>
             <a:r>
-              <a:rPr lang="zh-TW" altLang="en-US" sz="11500" dirty="0">
+              <a:rPr lang="zh-TW" altLang="en-US" sz="9600" dirty="0">
                 <a:latin typeface="微軟正黑體" panose="020B0604030504040204" pitchFamily="34" charset="-120"/>
               </a:rPr>
               <a:t>儲存檔案</a:t>
             </a:r>
             <a:r>
-              <a:rPr lang="en-US" altLang="zh-TW" sz="11500" dirty="0">
+              <a:rPr lang="en-US" altLang="zh-TW" sz="9600" dirty="0">
                 <a:latin typeface="微軟正黑體" panose="020B0604030504040204" pitchFamily="34" charset="-120"/>
               </a:rPr>
               <a:t>:</a:t>
             </a:r>
             <a:br>
-              <a:rPr lang="en-US" altLang="zh-TW" sz="11500" dirty="0">
+              <a:rPr lang="en-US" altLang="zh-TW" sz="9600" dirty="0">
                 <a:latin typeface="微軟正黑體" panose="020B0604030504040204" pitchFamily="34" charset="-120"/>
               </a:rPr>
             </a:br>
             <a:r>
-              <a:rPr lang="zh-TW" altLang="en-US" sz="8900" dirty="0">
+              <a:rPr lang="zh-TW" altLang="en-US" sz="6600" dirty="0">
                 <a:solidFill>
                   <a:srgbClr val="FF0000"/>
                 </a:solidFill>
                 <a:latin typeface="Berlin Sans FB" panose="020E0602020502020306" pitchFamily="34" charset="0"/>
                 <a:ea typeface="微軟正黑體 Light" panose="020B0304030504040204" pitchFamily="34" charset="-120"/>
               </a:rPr>
-              <a:t>射擊</a:t>
-            </a:r>
-            <a:r>
-              <a:rPr lang="zh-TW" altLang="en-US" sz="9600" dirty="0">
-                <a:solidFill>
-                  <a:srgbClr val="FF0000"/>
-                </a:solidFill>
-                <a:latin typeface="Berlin Sans FB" panose="020E0602020502020306" pitchFamily="34" charset="0"/>
-                <a:ea typeface="微軟正黑體 Light" panose="020B0304030504040204" pitchFamily="34" charset="-120"/>
-              </a:rPr>
-              <a:t>場</a:t>
-            </a:r>
-            <a:br>
-              <a:rPr lang="en-US" altLang="zh-TW" sz="11500" dirty="0">
-                <a:latin typeface="Berlin Sans FB" panose="020E0602020502020306" pitchFamily="34" charset="0"/>
-                <a:ea typeface="微軟正黑體 Light" panose="020B0304030504040204" pitchFamily="34" charset="-120"/>
-              </a:rPr>
-            </a:br>
-            <a:r>
-              <a:rPr lang="zh-TW" altLang="en-US" sz="11500" dirty="0">
-                <a:latin typeface="微軟正黑體" panose="020B0604030504040204" pitchFamily="34" charset="-120"/>
-              </a:rPr>
-              <a:t>顯示物理模組</a:t>
+              <a:t>物理撞擊實驗室</a:t>
             </a:r>
             <a:endParaRPr lang="zh-TW" altLang="en-US" sz="11500" dirty="0">
               <a:latin typeface="微軟正黑體" panose="020B0604030504040204" pitchFamily="34" charset="-120"/>
@@ -8336,42 +8298,78 @@
           </a:bodyPr>
           <a:lstStyle/>
           <a:p>
+            <a:r>
+              <a:rPr lang="zh-TW" altLang="en-US" sz="9600" dirty="0">
+                <a:solidFill>
+                  <a:srgbClr val="FF0000"/>
+                </a:solidFill>
+                <a:latin typeface="微軟正黑體" panose="020B0604030504040204" pitchFamily="34" charset="-120"/>
+                <a:ea typeface="微軟正黑體" panose="020B0604030504040204" pitchFamily="34" charset="-120"/>
+              </a:rPr>
+              <a:t>重複</a:t>
+            </a:r>
+            <a:r>
+              <a:rPr lang="en-US" altLang="zh-TW" sz="9600" dirty="0">
+                <a:solidFill>
+                  <a:srgbClr val="FF0000"/>
+                </a:solidFill>
+                <a:latin typeface="微軟正黑體" panose="020B0604030504040204" pitchFamily="34" charset="-120"/>
+                <a:ea typeface="微軟正黑體" panose="020B0604030504040204" pitchFamily="34" charset="-120"/>
+              </a:rPr>
+              <a:t>10</a:t>
+            </a:r>
+            <a:r>
+              <a:rPr lang="zh-TW" altLang="en-US" sz="9600" dirty="0">
+                <a:solidFill>
+                  <a:srgbClr val="FF0000"/>
+                </a:solidFill>
+                <a:latin typeface="微軟正黑體" panose="020B0604030504040204" pitchFamily="34" charset="-120"/>
+                <a:ea typeface="微軟正黑體" panose="020B0604030504040204" pitchFamily="34" charset="-120"/>
+              </a:rPr>
+              <a:t>次</a:t>
+            </a:r>
             <a:br>
               <a:rPr lang="en-US" altLang="zh-TW" sz="9600" dirty="0">
+                <a:solidFill>
+                  <a:srgbClr val="FF0000"/>
+                </a:solidFill>
                 <a:latin typeface="微軟正黑體" panose="020B0604030504040204" pitchFamily="34" charset="-120"/>
                 <a:ea typeface="微軟正黑體" panose="020B0604030504040204" pitchFamily="34" charset="-120"/>
               </a:rPr>
             </a:br>
             <a:r>
-              <a:rPr lang="en-US" altLang="zh-TW" sz="9600" dirty="0">
+              <a:rPr lang="zh-TW" altLang="en-US" sz="8800" dirty="0">
                 <a:latin typeface="微軟正黑體" panose="020B0604030504040204" pitchFamily="34" charset="-120"/>
                 <a:ea typeface="微軟正黑體" panose="020B0604030504040204" pitchFamily="34" charset="-120"/>
               </a:rPr>
-              <a:t>【</a:t>
-            </a:r>
-            <a:r>
-              <a:rPr lang="zh-TW" altLang="en-US" sz="9600" dirty="0">
+              <a:t>依</a:t>
+            </a:r>
+            <a:r>
+              <a:rPr lang="zh-TW" altLang="en-US" sz="8800" dirty="0">
+                <a:solidFill>
+                  <a:schemeClr val="tx1"/>
+                </a:solidFill>
                 <a:latin typeface="微軟正黑體" panose="020B0604030504040204" pitchFamily="34" charset="-120"/>
                 <a:ea typeface="微軟正黑體" panose="020B0604030504040204" pitchFamily="34" charset="-120"/>
               </a:rPr>
-              <a:t>金字塔形標靶</a:t>
-            </a:r>
-            <a:r>
-              <a:rPr lang="en-US" altLang="zh-TW" sz="9600" dirty="0">
+              <a:t>迴圈變數</a:t>
+            </a:r>
+            <a:r>
+              <a:rPr lang="zh-TW" altLang="en-US" sz="8800" dirty="0">
                 <a:latin typeface="微軟正黑體" panose="020B0604030504040204" pitchFamily="34" charset="-120"/>
                 <a:ea typeface="微軟正黑體" panose="020B0604030504040204" pitchFamily="34" charset="-120"/>
               </a:rPr>
-              <a:t>】</a:t>
-            </a:r>
-            <a:br>
-              <a:rPr lang="en-US" altLang="zh-TW" sz="9600" dirty="0">
+              <a:t>增加</a:t>
+            </a:r>
+            <a:r>
+              <a:rPr lang="zh-TW" altLang="en-US" sz="8800" dirty="0">
                 <a:solidFill>
                   <a:srgbClr val="FF0000"/>
                 </a:solidFill>
                 <a:latin typeface="微軟正黑體" panose="020B0604030504040204" pitchFamily="34" charset="-120"/>
-                <a:ea typeface="微軟正黑體" panose="020B0604030504040204" pitchFamily="34" charset="-120"/>
-              </a:rPr>
-            </a:br>
+              </a:rPr>
+              <a:t>寬度</a:t>
+            </a:r>
             <a:endParaRPr lang="zh-TW" altLang="en-US" sz="9600" dirty="0">
               <a:solidFill>
                 <a:srgbClr val="FF0000"/>
@@ -8385,7 +8383,7 @@
     </p:spTree>
     <p:extLst>
       <p:ext uri="{BB962C8B-B14F-4D97-AF65-F5344CB8AC3E}">
-        <p14:creationId xmlns:p14="http://schemas.microsoft.com/office/powerpoint/2010/main" val="1614721520"/>
+        <p14:creationId xmlns:p14="http://schemas.microsoft.com/office/powerpoint/2010/main" val="1001968476"/>
       </p:ext>
     </p:extLst>
   </p:cSld>
@@ -8509,7 +8507,7 @@
           <p:cNvPr id="2" name="標題 1">
             <a:extLst>
               <a:ext uri="{FF2B5EF4-FFF2-40B4-BE49-F238E27FC236}">
-                <a16:creationId xmlns:a16="http://schemas.microsoft.com/office/drawing/2014/main" id="{60856E43-3621-4F02-B0E9-EF43423F3E70}"/>
+                <a16:creationId xmlns:a16="http://schemas.microsoft.com/office/drawing/2014/main" id="{E39515FA-8C05-415A-9171-15D6B608FF2D}"/>
               </a:ext>
             </a:extLst>
           </p:cNvPr>
@@ -8517,210 +8515,166 @@
             <a:spLocks noGrp="1"/>
           </p:cNvSpPr>
           <p:nvPr>
-            <p:ph type="title"/>
+            <p:ph type="ctrTitle"/>
           </p:nvPr>
         </p:nvSpPr>
         <p:spPr>
           <a:xfrm>
-            <a:off x="1000979" y="740808"/>
-            <a:ext cx="10419907" cy="5082362"/>
+            <a:off x="2688165" y="1987840"/>
+            <a:ext cx="6815669" cy="1515533"/>
           </a:xfrm>
         </p:spPr>
         <p:txBody>
-          <a:bodyPr>
-            <a:normAutofit/>
+          <a:bodyPr/>
+          <a:lstStyle/>
+          <a:p>
+            <a:r>
+              <a:rPr lang="en-US" altLang="zh-TW" sz="9600" dirty="0">
+                <a:latin typeface="Berlin Sans FB" panose="020E0602020502020306" pitchFamily="34" charset="0"/>
+                <a:ea typeface="微軟正黑體 Light" panose="020B0304030504040204" pitchFamily="34" charset="-120"/>
+              </a:rPr>
+              <a:t>Part 5</a:t>
+            </a:r>
+            <a:endParaRPr lang="zh-TW" altLang="en-US" sz="9600" dirty="0">
+              <a:latin typeface="Berlin Sans FB" panose="020E0602020502020306" pitchFamily="34" charset="0"/>
+              <a:ea typeface="微軟正黑體 Light" panose="020B0304030504040204" pitchFamily="34" charset="-120"/>
+            </a:endParaRPr>
+          </a:p>
+        </p:txBody>
+      </p:sp>
+      <p:sp>
+        <p:nvSpPr>
+          <p:cNvPr id="4" name="標題 1">
+            <a:extLst>
+              <a:ext uri="{FF2B5EF4-FFF2-40B4-BE49-F238E27FC236}">
+                <a16:creationId xmlns:a16="http://schemas.microsoft.com/office/drawing/2014/main" id="{9EADEA97-424F-499B-A6C4-A6DCEE800E72}"/>
+              </a:ext>
+            </a:extLst>
+          </p:cNvPr>
+          <p:cNvSpPr txBox="1">
+            <a:spLocks/>
+          </p:cNvSpPr>
+          <p:nvPr/>
+        </p:nvSpPr>
+        <p:spPr>
+          <a:xfrm>
+            <a:off x="2688165" y="3503373"/>
+            <a:ext cx="6815669" cy="1515533"/>
+          </a:xfrm>
+          <a:prstGeom prst="rect">
+            <a:avLst/>
+          </a:prstGeom>
+          <a:effectLst/>
+        </p:spPr>
+        <p:txBody>
+          <a:bodyPr vert="horz" lIns="91440" tIns="45720" rIns="91440" bIns="45720" rtlCol="0" anchor="b">
+            <a:noAutofit/>
           </a:bodyPr>
-          <a:lstStyle/>
-          <a:p>
-            <a:r>
-              <a:rPr lang="zh-TW" altLang="en-US" sz="9600" dirty="0">
-                <a:solidFill>
-                  <a:srgbClr val="FF0000"/>
-                </a:solidFill>
-                <a:latin typeface="微軟正黑體" panose="020B0604030504040204" pitchFamily="34" charset="-120"/>
-                <a:ea typeface="微軟正黑體" panose="020B0604030504040204" pitchFamily="34" charset="-120"/>
-              </a:rPr>
-              <a:t>內層</a:t>
-            </a:r>
-            <a:r>
-              <a:rPr lang="zh-TW" altLang="en-US" sz="9600" dirty="0">
-                <a:solidFill>
-                  <a:schemeClr val="tx1"/>
-                </a:solidFill>
-                <a:latin typeface="微軟正黑體" panose="020B0604030504040204" pitchFamily="34" charset="-120"/>
-                <a:ea typeface="微軟正黑體" panose="020B0604030504040204" pitchFamily="34" charset="-120"/>
-              </a:rPr>
-              <a:t>迴圈</a:t>
-            </a:r>
-            <a:r>
-              <a:rPr lang="zh-TW" altLang="en-US" sz="9600" dirty="0">
-                <a:solidFill>
-                  <a:srgbClr val="FF0000"/>
-                </a:solidFill>
-                <a:latin typeface="微軟正黑體" panose="020B0604030504040204" pitchFamily="34" charset="-120"/>
-                <a:ea typeface="微軟正黑體" panose="020B0604030504040204" pitchFamily="34" charset="-120"/>
-              </a:rPr>
-              <a:t>次數</a:t>
-            </a:r>
-            <a:br>
-              <a:rPr lang="en-US" altLang="zh-TW" sz="9600" dirty="0">
-                <a:latin typeface="微軟正黑體" panose="020B0604030504040204" pitchFamily="34" charset="-120"/>
-                <a:ea typeface="微軟正黑體" panose="020B0604030504040204" pitchFamily="34" charset="-120"/>
-              </a:rPr>
-            </a:br>
-            <a:r>
-              <a:rPr lang="zh-TW" altLang="en-US" sz="8800" dirty="0">
-                <a:latin typeface="微軟正黑體" panose="020B0604030504040204" pitchFamily="34" charset="-120"/>
-                <a:ea typeface="微軟正黑體" panose="020B0604030504040204" pitchFamily="34" charset="-120"/>
-              </a:rPr>
-              <a:t>依</a:t>
-            </a:r>
-            <a:r>
-              <a:rPr lang="zh-TW" altLang="en-US" sz="8800" dirty="0">
-                <a:solidFill>
-                  <a:srgbClr val="FF0000"/>
-                </a:solidFill>
-                <a:latin typeface="微軟正黑體" panose="020B0604030504040204" pitchFamily="34" charset="-120"/>
-                <a:ea typeface="微軟正黑體" panose="020B0604030504040204" pitchFamily="34" charset="-120"/>
-              </a:rPr>
-              <a:t>外層</a:t>
-            </a:r>
-            <a:r>
-              <a:rPr lang="zh-TW" altLang="en-US" sz="8800" dirty="0">
-                <a:latin typeface="微軟正黑體" panose="020B0604030504040204" pitchFamily="34" charset="-120"/>
-                <a:ea typeface="微軟正黑體" panose="020B0604030504040204" pitchFamily="34" charset="-120"/>
-              </a:rPr>
-              <a:t>迴圈</a:t>
-            </a:r>
-            <a:r>
-              <a:rPr lang="zh-TW" altLang="en-US" sz="8800" dirty="0">
-                <a:solidFill>
-                  <a:srgbClr val="FF0000"/>
-                </a:solidFill>
-                <a:latin typeface="微軟正黑體" panose="020B0604030504040204" pitchFamily="34" charset="-120"/>
-                <a:ea typeface="微軟正黑體" panose="020B0604030504040204" pitchFamily="34" charset="-120"/>
-              </a:rPr>
-              <a:t>變數</a:t>
-            </a:r>
-            <a:r>
-              <a:rPr lang="zh-TW" altLang="en-US" sz="8800" dirty="0">
-                <a:latin typeface="微軟正黑體" panose="020B0604030504040204" pitchFamily="34" charset="-120"/>
-                <a:ea typeface="微軟正黑體" panose="020B0604030504040204" pitchFamily="34" charset="-120"/>
-              </a:rPr>
-              <a:t>遞減</a:t>
-            </a:r>
-            <a:endParaRPr lang="zh-TW" altLang="en-US" sz="9600" dirty="0">
-              <a:solidFill>
-                <a:srgbClr val="FF0000"/>
-              </a:solidFill>
-              <a:latin typeface="微軟正黑體" panose="020B0604030504040204" pitchFamily="34" charset="-120"/>
-              <a:ea typeface="微軟正黑體" panose="020B0604030504040204" pitchFamily="34" charset="-120"/>
-            </a:endParaRPr>
+          <a:lstStyle>
+            <a:lvl1pPr algn="ctr" defTabSz="457200" rtl="0" eaLnBrk="1" latinLnBrk="0" hangingPunct="1">
+              <a:spcBef>
+                <a:spcPct val="0"/>
+              </a:spcBef>
+              <a:buNone/>
+              <a:defRPr sz="5400" kern="1200" cap="none">
+                <a:ln w="3175" cmpd="sng">
+                  <a:noFill/>
+                </a:ln>
+                <a:solidFill>
+                  <a:schemeClr val="tx1">
+                    <a:lumMod val="85000"/>
+                    <a:lumOff val="15000"/>
+                  </a:schemeClr>
+                </a:solidFill>
+                <a:effectLst/>
+                <a:latin typeface="+mj-lt"/>
+                <a:ea typeface="+mj-ea"/>
+                <a:cs typeface="+mj-cs"/>
+              </a:defRPr>
+            </a:lvl1pPr>
+            <a:lvl2pPr eaLnBrk="1" hangingPunct="1">
+              <a:defRPr>
+                <a:solidFill>
+                  <a:schemeClr val="tx2"/>
+                </a:solidFill>
+              </a:defRPr>
+            </a:lvl2pPr>
+            <a:lvl3pPr eaLnBrk="1" hangingPunct="1">
+              <a:defRPr>
+                <a:solidFill>
+                  <a:schemeClr val="tx2"/>
+                </a:solidFill>
+              </a:defRPr>
+            </a:lvl3pPr>
+            <a:lvl4pPr eaLnBrk="1" hangingPunct="1">
+              <a:defRPr>
+                <a:solidFill>
+                  <a:schemeClr val="tx2"/>
+                </a:solidFill>
+              </a:defRPr>
+            </a:lvl4pPr>
+            <a:lvl5pPr eaLnBrk="1" hangingPunct="1">
+              <a:defRPr>
+                <a:solidFill>
+                  <a:schemeClr val="tx2"/>
+                </a:solidFill>
+              </a:defRPr>
+            </a:lvl5pPr>
+            <a:lvl6pPr eaLnBrk="1" hangingPunct="1">
+              <a:defRPr>
+                <a:solidFill>
+                  <a:schemeClr val="tx2"/>
+                </a:solidFill>
+              </a:defRPr>
+            </a:lvl6pPr>
+            <a:lvl7pPr eaLnBrk="1" hangingPunct="1">
+              <a:defRPr>
+                <a:solidFill>
+                  <a:schemeClr val="tx2"/>
+                </a:solidFill>
+              </a:defRPr>
+            </a:lvl7pPr>
+            <a:lvl8pPr eaLnBrk="1" hangingPunct="1">
+              <a:defRPr>
+                <a:solidFill>
+                  <a:schemeClr val="tx2"/>
+                </a:solidFill>
+              </a:defRPr>
+            </a:lvl8pPr>
+            <a:lvl9pPr eaLnBrk="1" hangingPunct="1">
+              <a:defRPr>
+                <a:solidFill>
+                  <a:schemeClr val="tx2"/>
+                </a:solidFill>
+              </a:defRPr>
+            </a:lvl9pPr>
+          </a:lstStyle>
+          <a:p>
+            <a:r>
+              <a:rPr lang="zh-TW" altLang="en-US" sz="8000" dirty="0"/>
+              <a:t>障礙物</a:t>
+            </a:r>
+            <a:r>
+              <a:rPr lang="en-US" altLang="zh-TW" sz="8000" dirty="0"/>
+              <a:t>-</a:t>
+            </a:r>
+            <a:r>
+              <a:rPr lang="zh-TW" altLang="en-US" sz="8000" dirty="0"/>
+              <a:t>金字塔 </a:t>
+            </a:r>
           </a:p>
         </p:txBody>
       </p:sp>
     </p:spTree>
     <p:extLst>
       <p:ext uri="{BB962C8B-B14F-4D97-AF65-F5344CB8AC3E}">
-        <p14:creationId xmlns:p14="http://schemas.microsoft.com/office/powerpoint/2010/main" val="2262909775"/>
+        <p14:creationId xmlns:p14="http://schemas.microsoft.com/office/powerpoint/2010/main" val="3477590482"/>
       </p:ext>
     </p:extLst>
   </p:cSld>
   <p:clrMapOvr>
     <a:masterClrMapping/>
   </p:clrMapOvr>
-  <p:timing>
-    <p:tnLst>
-      <p:par>
-        <p:cTn id="1" dur="indefinite" restart="never" nodeType="tmRoot">
-          <p:childTnLst>
-            <p:seq concurrent="1" nextAc="seek">
-              <p:cTn id="2" dur="indefinite" nodeType="mainSeq">
-                <p:childTnLst>
-                  <p:par>
-                    <p:cTn id="3" fill="hold">
-                      <p:stCondLst>
-                        <p:cond delay="indefinite"/>
-                        <p:cond evt="onBegin" delay="0">
-                          <p:tn val="2"/>
-                        </p:cond>
-                      </p:stCondLst>
-                      <p:childTnLst>
-                        <p:par>
-                          <p:cTn id="4" fill="hold">
-                            <p:stCondLst>
-                              <p:cond delay="0"/>
-                            </p:stCondLst>
-                            <p:childTnLst>
-                              <p:par>
-                                <p:cTn id="5" presetID="22" presetClass="entr" presetSubtype="4" fill="hold" grpId="0" nodeType="afterEffect">
-                                  <p:stCondLst>
-                                    <p:cond delay="0"/>
-                                  </p:stCondLst>
-                                  <p:iterate type="lt">
-                                    <p:tmPct val="100000"/>
-                                  </p:iterate>
-                                  <p:childTnLst>
-                                    <p:set>
-                                      <p:cBhvr>
-                                        <p:cTn id="6" dur="1" fill="hold">
-                                          <p:stCondLst>
-                                            <p:cond delay="0"/>
-                                          </p:stCondLst>
-                                        </p:cTn>
-                                        <p:tgtEl>
-                                          <p:spTgt spid="2"/>
-                                        </p:tgtEl>
-                                        <p:attrNameLst>
-                                          <p:attrName>style.visibility</p:attrName>
-                                        </p:attrNameLst>
-                                      </p:cBhvr>
-                                      <p:to>
-                                        <p:strVal val="visible"/>
-                                      </p:to>
-                                    </p:set>
-                                    <p:animEffect transition="in" filter="wipe(down)">
-                                      <p:cBhvr>
-                                        <p:cTn id="7" dur="250"/>
-                                        <p:tgtEl>
-                                          <p:spTgt spid="2"/>
-                                        </p:tgtEl>
-                                      </p:cBhvr>
-                                    </p:animEffect>
-                                  </p:childTnLst>
-                                </p:cTn>
-                              </p:par>
-                            </p:childTnLst>
-                          </p:cTn>
-                        </p:par>
-                      </p:childTnLst>
-                    </p:cTn>
-                  </p:par>
-                </p:childTnLst>
-              </p:cTn>
-              <p:prevCondLst>
-                <p:cond evt="onPrev" delay="0">
-                  <p:tgtEl>
-                    <p:sldTgt/>
-                  </p:tgtEl>
-                </p:cond>
-              </p:prevCondLst>
-              <p:nextCondLst>
-                <p:cond evt="onNext" delay="0">
-                  <p:tgtEl>
-                    <p:sldTgt/>
-                  </p:tgtEl>
-                </p:cond>
-              </p:nextCondLst>
-            </p:seq>
-          </p:childTnLst>
-        </p:cTn>
-      </p:par>
-    </p:tnLst>
-    <p:bldLst>
-      <p:bldP spid="2" grpId="0"/>
-    </p:bldLst>
-  </p:timing>
 </p:sld>
 </file>
 
@@ -8772,78 +8726,94 @@
             <a:r>
               <a:rPr lang="zh-TW" altLang="en-US" sz="9600" dirty="0">
                 <a:solidFill>
+                  <a:srgbClr val="FF0000"/>
+                </a:solidFill>
+                <a:latin typeface="微軟正黑體" panose="020B0604030504040204" pitchFamily="34" charset="-120"/>
+                <a:ea typeface="微軟正黑體" panose="020B0604030504040204" pitchFamily="34" charset="-120"/>
+              </a:rPr>
+              <a:t>內層</a:t>
+            </a:r>
+            <a:r>
+              <a:rPr lang="zh-TW" altLang="en-US" sz="9600" dirty="0">
+                <a:solidFill>
                   <a:schemeClr val="tx1"/>
                 </a:solidFill>
                 <a:latin typeface="微軟正黑體" panose="020B0604030504040204" pitchFamily="34" charset="-120"/>
                 <a:ea typeface="微軟正黑體" panose="020B0604030504040204" pitchFamily="34" charset="-120"/>
               </a:rPr>
-              <a:t>左右相反</a:t>
+              <a:t>迴圈</a:t>
+            </a:r>
+            <a:r>
+              <a:rPr lang="zh-TW" altLang="en-US" sz="9600" dirty="0">
+                <a:solidFill>
+                  <a:srgbClr val="FF0000"/>
+                </a:solidFill>
+                <a:latin typeface="微軟正黑體" panose="020B0604030504040204" pitchFamily="34" charset="-120"/>
+                <a:ea typeface="微軟正黑體" panose="020B0604030504040204" pitchFamily="34" charset="-120"/>
+              </a:rPr>
+              <a:t>次數</a:t>
             </a:r>
             <a:br>
               <a:rPr lang="en-US" altLang="zh-TW" sz="9600" dirty="0">
-                <a:solidFill>
-                  <a:schemeClr val="tx1"/>
-                </a:solidFill>
                 <a:latin typeface="微軟正黑體" panose="020B0604030504040204" pitchFamily="34" charset="-120"/>
                 <a:ea typeface="微軟正黑體" panose="020B0604030504040204" pitchFamily="34" charset="-120"/>
               </a:rPr>
             </a:br>
             <a:r>
-              <a:rPr lang="zh-TW" altLang="en-US" sz="9600" dirty="0">
-                <a:solidFill>
-                  <a:schemeClr val="tx1"/>
-                </a:solidFill>
+              <a:rPr lang="zh-TW" altLang="en-US" sz="8800" dirty="0">
                 <a:latin typeface="微軟正黑體" panose="020B0604030504040204" pitchFamily="34" charset="-120"/>
                 <a:ea typeface="微軟正黑體" panose="020B0604030504040204" pitchFamily="34" charset="-120"/>
               </a:rPr>
-              <a:t>內層迴圈次數</a:t>
-            </a:r>
-            <a:br>
-              <a:rPr lang="en-US" altLang="zh-TW" sz="9600" dirty="0">
-                <a:solidFill>
-                  <a:schemeClr val="tx1"/>
+              <a:t>依</a:t>
+            </a:r>
+            <a:r>
+              <a:rPr lang="zh-TW" altLang="en-US" sz="8800" dirty="0">
+                <a:solidFill>
+                  <a:srgbClr val="FF0000"/>
                 </a:solidFill>
                 <a:latin typeface="微軟正黑體" panose="020B0604030504040204" pitchFamily="34" charset="-120"/>
                 <a:ea typeface="微軟正黑體" panose="020B0604030504040204" pitchFamily="34" charset="-120"/>
               </a:rPr>
-            </a:br>
-            <a:r>
-              <a:rPr lang="zh-TW" altLang="en-US" sz="9600" dirty="0">
-                <a:solidFill>
-                  <a:schemeClr val="tx1"/>
-                </a:solidFill>
+              <a:t>外層</a:t>
+            </a:r>
+            <a:r>
+              <a:rPr lang="zh-TW" altLang="en-US" sz="8800" dirty="0">
                 <a:latin typeface="微軟正黑體" panose="020B0604030504040204" pitchFamily="34" charset="-120"/>
                 <a:ea typeface="微軟正黑體" panose="020B0604030504040204" pitchFamily="34" charset="-120"/>
               </a:rPr>
-              <a:t>以</a:t>
-            </a:r>
-            <a:r>
-              <a:rPr lang="zh-TW" altLang="en-US" sz="9600" dirty="0">
+              <a:t>迴圈</a:t>
+            </a:r>
+            <a:r>
+              <a:rPr lang="zh-TW" altLang="en-US" sz="8800" dirty="0">
                 <a:solidFill>
                   <a:srgbClr val="FF0000"/>
                 </a:solidFill>
                 <a:latin typeface="微軟正黑體" panose="020B0604030504040204" pitchFamily="34" charset="-120"/>
                 <a:ea typeface="微軟正黑體" panose="020B0604030504040204" pitchFamily="34" charset="-120"/>
               </a:rPr>
-              <a:t>最大值</a:t>
-            </a:r>
-            <a:r>
-              <a:rPr lang="zh-TW" altLang="en-US" sz="9600" dirty="0">
-                <a:solidFill>
-                  <a:schemeClr val="tx1"/>
-                </a:solidFill>
+              <a:t>變數</a:t>
+            </a:r>
+            <a:r>
+              <a:rPr lang="zh-TW" altLang="en-US" sz="8800" dirty="0">
                 <a:latin typeface="微軟正黑體" panose="020B0604030504040204" pitchFamily="34" charset="-120"/>
                 <a:ea typeface="微軟正黑體" panose="020B0604030504040204" pitchFamily="34" charset="-120"/>
               </a:rPr>
-              <a:t>減去</a:t>
-            </a:r>
+              <a:t>遞減</a:t>
+            </a:r>
+            <a:endParaRPr lang="zh-TW" altLang="en-US" sz="9600" dirty="0">
+              <a:solidFill>
+                <a:srgbClr val="FF0000"/>
+              </a:solidFill>
+              <a:latin typeface="微軟正黑體" panose="020B0604030504040204" pitchFamily="34" charset="-120"/>
+              <a:ea typeface="微軟正黑體" panose="020B0604030504040204" pitchFamily="34" charset="-120"/>
+            </a:endParaRPr>
           </a:p>
         </p:txBody>
       </p:sp>
     </p:spTree>
     <p:extLst>
       <p:ext uri="{BB962C8B-B14F-4D97-AF65-F5344CB8AC3E}">
-        <p14:creationId xmlns:p14="http://schemas.microsoft.com/office/powerpoint/2010/main" val="1880244342"/>
+        <p14:creationId xmlns:p14="http://schemas.microsoft.com/office/powerpoint/2010/main" val="2262909775"/>
       </p:ext>
     </p:extLst>
   </p:cSld>
@@ -8998,44 +8968,7 @@
                 <a:latin typeface="微軟正黑體" panose="020B0604030504040204" pitchFamily="34" charset="-120"/>
                 <a:ea typeface="微軟正黑體" panose="020B0604030504040204" pitchFamily="34" charset="-120"/>
               </a:rPr>
-              <a:t>每往上一層</a:t>
-            </a:r>
-            <a:r>
-              <a:rPr lang="en-US" altLang="zh-TW" sz="7200" dirty="0">
-                <a:solidFill>
-                  <a:schemeClr val="tx1"/>
-                </a:solidFill>
-                <a:latin typeface="微軟正黑體" panose="020B0604030504040204" pitchFamily="34" charset="-120"/>
-                <a:ea typeface="微軟正黑體" panose="020B0604030504040204" pitchFamily="34" charset="-120"/>
-              </a:rPr>
-              <a:t>(</a:t>
-            </a:r>
-            <a:r>
-              <a:rPr lang="zh-TW" altLang="en-US" sz="7200" dirty="0">
-                <a:solidFill>
-                  <a:schemeClr val="tx1"/>
-                </a:solidFill>
-                <a:latin typeface="微軟正黑體" panose="020B0604030504040204" pitchFamily="34" charset="-120"/>
-              </a:rPr>
-              <a:t>依變數</a:t>
-            </a:r>
-            <a:r>
-              <a:rPr lang="zh-TW" altLang="en-US" sz="7200" dirty="0">
-                <a:solidFill>
-                  <a:srgbClr val="FF0000"/>
-                </a:solidFill>
-                <a:latin typeface="微軟正黑體" panose="020B0604030504040204" pitchFamily="34" charset="-120"/>
-              </a:rPr>
-              <a:t>直</a:t>
-            </a:r>
-            <a:r>
-              <a:rPr lang="en-US" altLang="zh-TW" sz="7200" dirty="0">
-                <a:solidFill>
-                  <a:schemeClr val="tx1"/>
-                </a:solidFill>
-                <a:latin typeface="微軟正黑體" panose="020B0604030504040204" pitchFamily="34" charset="-120"/>
-              </a:rPr>
-              <a:t>)</a:t>
+              <a:t>左右相反</a:t>
             </a:r>
             <a:br>
               <a:rPr lang="en-US" altLang="zh-TW" sz="9600" dirty="0">
@@ -9054,17 +8987,46 @@
                 <a:latin typeface="微軟正黑體" panose="020B0604030504040204" pitchFamily="34" charset="-120"/>
                 <a:ea typeface="微軟正黑體" panose="020B0604030504040204" pitchFamily="34" charset="-120"/>
               </a:rPr>
-              <a:t>方塊往右</a:t>
-            </a:r>
+              <a:t>內層迴圈次數</a:t>
+            </a:r>
+            <a:br>
+              <a:rPr lang="en-US" altLang="zh-TW" sz="9600" dirty="0">
+                <a:solidFill>
+                  <a:schemeClr val="tx1"/>
+                </a:solidFill>
+                <a:latin typeface="微軟正黑體" panose="020B0604030504040204" pitchFamily="34" charset="-120"/>
+                <a:ea typeface="微軟正黑體" panose="020B0604030504040204" pitchFamily="34" charset="-120"/>
+              </a:rPr>
+            </a:br>
             <a:r>
               <a:rPr lang="zh-TW" altLang="en-US" sz="9600" dirty="0">
                 <a:solidFill>
+                  <a:schemeClr val="tx1"/>
+                </a:solidFill>
+                <a:latin typeface="微軟正黑體" panose="020B0604030504040204" pitchFamily="34" charset="-120"/>
+                <a:ea typeface="微軟正黑體" panose="020B0604030504040204" pitchFamily="34" charset="-120"/>
+              </a:rPr>
+              <a:t>以</a:t>
+            </a:r>
+            <a:r>
+              <a:rPr lang="zh-TW" altLang="en-US" sz="9600" dirty="0">
+                <a:solidFill>
                   <a:srgbClr val="FF0000"/>
                 </a:solidFill>
                 <a:latin typeface="微軟正黑體" panose="020B0604030504040204" pitchFamily="34" charset="-120"/>
                 <a:ea typeface="微軟正黑體" panose="020B0604030504040204" pitchFamily="34" charset="-120"/>
               </a:rPr>
-              <a:t>半個寬度</a:t>
+              <a:t>最大值</a:t>
+            </a:r>
+            <a:r>
+              <a:rPr lang="zh-TW" altLang="en-US" sz="9600" dirty="0">
+                <a:solidFill>
+                  <a:schemeClr val="tx1"/>
+                </a:solidFill>
+                <a:latin typeface="微軟正黑體" panose="020B0604030504040204" pitchFamily="34" charset="-120"/>
+                <a:ea typeface="微軟正黑體" panose="020B0604030504040204" pitchFamily="34" charset="-120"/>
+              </a:rPr>
+              <a:t>減去</a:t>
             </a:r>
           </a:p>
         </p:txBody>
@@ -9072,7 +9034,7 @@
     </p:spTree>
     <p:extLst>
       <p:ext uri="{BB962C8B-B14F-4D97-AF65-F5344CB8AC3E}">
-        <p14:creationId xmlns:p14="http://schemas.microsoft.com/office/powerpoint/2010/main" val="1138409818"/>
+        <p14:creationId xmlns:p14="http://schemas.microsoft.com/office/powerpoint/2010/main" val="1880244342"/>
       </p:ext>
     </p:extLst>
   </p:cSld>
@@ -9196,191 +9158,6 @@
           <p:cNvPr id="2" name="標題 1">
             <a:extLst>
               <a:ext uri="{FF2B5EF4-FFF2-40B4-BE49-F238E27FC236}">
-                <a16:creationId xmlns:a16="http://schemas.microsoft.com/office/drawing/2014/main" id="{E39515FA-8C05-415A-9171-15D6B608FF2D}"/>
-              </a:ext>
-            </a:extLst>
-          </p:cNvPr>
-          <p:cNvSpPr>
-            <a:spLocks noGrp="1"/>
-          </p:cNvSpPr>
-          <p:nvPr>
-            <p:ph type="ctrTitle"/>
-          </p:nvPr>
-        </p:nvSpPr>
-        <p:spPr>
-          <a:xfrm>
-            <a:off x="2688165" y="1987840"/>
-            <a:ext cx="6815669" cy="1515533"/>
-          </a:xfrm>
-        </p:spPr>
-        <p:txBody>
-          <a:bodyPr/>
-          <a:lstStyle/>
-          <a:p>
-            <a:r>
-              <a:rPr lang="en-US" altLang="zh-TW" sz="9600" dirty="0">
-                <a:latin typeface="Berlin Sans FB" panose="020E0602020502020306" pitchFamily="34" charset="0"/>
-                <a:ea typeface="微軟正黑體 Light" panose="020B0304030504040204" pitchFamily="34" charset="-120"/>
-              </a:rPr>
-              <a:t>Part 3</a:t>
-            </a:r>
-            <a:endParaRPr lang="zh-TW" altLang="en-US" sz="9600" dirty="0">
-              <a:latin typeface="Berlin Sans FB" panose="020E0602020502020306" pitchFamily="34" charset="0"/>
-              <a:ea typeface="微軟正黑體 Light" panose="020B0304030504040204" pitchFamily="34" charset="-120"/>
-            </a:endParaRPr>
-          </a:p>
-        </p:txBody>
-      </p:sp>
-      <p:sp>
-        <p:nvSpPr>
-          <p:cNvPr id="4" name="標題 1">
-            <a:extLst>
-              <a:ext uri="{FF2B5EF4-FFF2-40B4-BE49-F238E27FC236}">
-                <a16:creationId xmlns:a16="http://schemas.microsoft.com/office/drawing/2014/main" id="{9EADEA97-424F-499B-A6C4-A6DCEE800E72}"/>
-              </a:ext>
-            </a:extLst>
-          </p:cNvPr>
-          <p:cNvSpPr txBox="1">
-            <a:spLocks/>
-          </p:cNvSpPr>
-          <p:nvPr/>
-        </p:nvSpPr>
-        <p:spPr>
-          <a:xfrm>
-            <a:off x="2688165" y="3503373"/>
-            <a:ext cx="6815669" cy="1515533"/>
-          </a:xfrm>
-          <a:prstGeom prst="rect">
-            <a:avLst/>
-          </a:prstGeom>
-          <a:effectLst/>
-        </p:spPr>
-        <p:txBody>
-          <a:bodyPr vert="horz" lIns="91440" tIns="45720" rIns="91440" bIns="45720" rtlCol="0" anchor="b">
-            <a:noAutofit/>
-          </a:bodyPr>
-          <a:lstStyle>
-            <a:lvl1pPr algn="ctr" defTabSz="457200" rtl="0" eaLnBrk="1" latinLnBrk="0" hangingPunct="1">
-              <a:spcBef>
-                <a:spcPct val="0"/>
-              </a:spcBef>
-              <a:buNone/>
-              <a:defRPr sz="5400" kern="1200" cap="none">
-                <a:ln w="3175" cmpd="sng">
-                  <a:noFill/>
-                </a:ln>
-                <a:solidFill>
-                  <a:schemeClr val="tx1">
-                    <a:lumMod val="85000"/>
-                    <a:lumOff val="15000"/>
-                  </a:schemeClr>
-                </a:solidFill>
-                <a:effectLst/>
-                <a:latin typeface="+mj-lt"/>
-                <a:ea typeface="+mj-ea"/>
-                <a:cs typeface="+mj-cs"/>
-              </a:defRPr>
-            </a:lvl1pPr>
-            <a:lvl2pPr eaLnBrk="1" hangingPunct="1">
-              <a:defRPr>
-                <a:solidFill>
-                  <a:schemeClr val="tx2"/>
-                </a:solidFill>
-              </a:defRPr>
-            </a:lvl2pPr>
-            <a:lvl3pPr eaLnBrk="1" hangingPunct="1">
-              <a:defRPr>
-                <a:solidFill>
-                  <a:schemeClr val="tx2"/>
-                </a:solidFill>
-              </a:defRPr>
-            </a:lvl3pPr>
-            <a:lvl4pPr eaLnBrk="1" hangingPunct="1">
-              <a:defRPr>
-                <a:solidFill>
-                  <a:schemeClr val="tx2"/>
-                </a:solidFill>
-              </a:defRPr>
-            </a:lvl4pPr>
-            <a:lvl5pPr eaLnBrk="1" hangingPunct="1">
-              <a:defRPr>
-                <a:solidFill>
-                  <a:schemeClr val="tx2"/>
-                </a:solidFill>
-              </a:defRPr>
-            </a:lvl5pPr>
-            <a:lvl6pPr eaLnBrk="1" hangingPunct="1">
-              <a:defRPr>
-                <a:solidFill>
-                  <a:schemeClr val="tx2"/>
-                </a:solidFill>
-              </a:defRPr>
-            </a:lvl6pPr>
-            <a:lvl7pPr eaLnBrk="1" hangingPunct="1">
-              <a:defRPr>
-                <a:solidFill>
-                  <a:schemeClr val="tx2"/>
-                </a:solidFill>
-              </a:defRPr>
-            </a:lvl7pPr>
-            <a:lvl8pPr eaLnBrk="1" hangingPunct="1">
-              <a:defRPr>
-                <a:solidFill>
-                  <a:schemeClr val="tx2"/>
-                </a:solidFill>
-              </a:defRPr>
-            </a:lvl8pPr>
-            <a:lvl9pPr eaLnBrk="1" hangingPunct="1">
-              <a:defRPr>
-                <a:solidFill>
-                  <a:schemeClr val="tx2"/>
-                </a:solidFill>
-              </a:defRPr>
-            </a:lvl9pPr>
-          </a:lstStyle>
-          <a:p>
-            <a:r>
-              <a:rPr lang="zh-TW" altLang="en-US" sz="9600" dirty="0"/>
-              <a:t>射擊測試</a:t>
-            </a:r>
-          </a:p>
-        </p:txBody>
-      </p:sp>
-    </p:spTree>
-    <p:extLst>
-      <p:ext uri="{BB962C8B-B14F-4D97-AF65-F5344CB8AC3E}">
-        <p14:creationId xmlns:p14="http://schemas.microsoft.com/office/powerpoint/2010/main" val="2382413851"/>
-      </p:ext>
-    </p:extLst>
-  </p:cSld>
-  <p:clrMapOvr>
-    <a:masterClrMapping/>
-  </p:clrMapOvr>
-</p:sld>
-</file>
-
-<file path=ppt/slides/slide25.xml><?xml version="1.0" encoding="utf-8"?>
-<p:sld xmlns:a="http://schemas.openxmlformats.org/drawingml/2006/main" xmlns:r="http://schemas.openxmlformats.org/officeDocument/2006/relationships" xmlns:p="http://schemas.openxmlformats.org/presentationml/2006/main">
-  <p:cSld>
-    <p:spTree>
-      <p:nvGrpSpPr>
-        <p:cNvPr id="1" name=""/>
-        <p:cNvGrpSpPr/>
-        <p:nvPr/>
-      </p:nvGrpSpPr>
-      <p:grpSpPr>
-        <a:xfrm>
-          <a:off x="0" y="0"/>
-          <a:ext cx="0" cy="0"/>
-          <a:chOff x="0" y="0"/>
-          <a:chExt cx="0" cy="0"/>
-        </a:xfrm>
-      </p:grpSpPr>
-      <p:sp>
-        <p:nvSpPr>
-          <p:cNvPr id="2" name="標題 1">
-            <a:extLst>
-              <a:ext uri="{FF2B5EF4-FFF2-40B4-BE49-F238E27FC236}">
                 <a16:creationId xmlns:a16="http://schemas.microsoft.com/office/drawing/2014/main" id="{60856E43-3621-4F02-B0E9-EF43423F3E70}"/>
               </a:ext>
             </a:extLst>
@@ -9400,68 +9177,93 @@
         </p:spPr>
         <p:txBody>
           <a:bodyPr>
-            <a:normAutofit fontScale="90000"/>
+            <a:normAutofit/>
           </a:bodyPr>
           <a:lstStyle/>
           <a:p>
             <a:r>
-              <a:rPr lang="zh-TW" altLang="en-US" sz="11500" dirty="0">
+              <a:rPr lang="zh-TW" altLang="en-US" sz="9600" dirty="0">
+                <a:solidFill>
+                  <a:schemeClr val="tx1"/>
+                </a:solidFill>
                 <a:latin typeface="微軟正黑體" panose="020B0604030504040204" pitchFamily="34" charset="-120"/>
                 <a:ea typeface="微軟正黑體" panose="020B0604030504040204" pitchFamily="34" charset="-120"/>
               </a:rPr>
-              <a:t>設定密度</a:t>
+              <a:t>每往上一層</a:t>
+            </a:r>
+            <a:r>
+              <a:rPr lang="en-US" altLang="zh-TW" sz="7200" dirty="0">
+                <a:solidFill>
+                  <a:schemeClr val="tx1"/>
+                </a:solidFill>
+                <a:latin typeface="微軟正黑體" panose="020B0604030504040204" pitchFamily="34" charset="-120"/>
+                <a:ea typeface="微軟正黑體" panose="020B0604030504040204" pitchFamily="34" charset="-120"/>
+              </a:rPr>
+              <a:t>(</a:t>
+            </a:r>
+            <a:r>
+              <a:rPr lang="zh-TW" altLang="en-US" sz="7200" dirty="0">
+                <a:solidFill>
+                  <a:schemeClr val="tx1"/>
+                </a:solidFill>
+                <a:latin typeface="微軟正黑體" panose="020B0604030504040204" pitchFamily="34" charset="-120"/>
+              </a:rPr>
+              <a:t>依變數</a:t>
+            </a:r>
+            <a:r>
+              <a:rPr lang="zh-TW" altLang="en-US" sz="7200" dirty="0">
+                <a:solidFill>
+                  <a:srgbClr val="FF0000"/>
+                </a:solidFill>
+                <a:latin typeface="微軟正黑體" panose="020B0604030504040204" pitchFamily="34" charset="-120"/>
+              </a:rPr>
+              <a:t>直</a:t>
+            </a:r>
+            <a:r>
+              <a:rPr lang="en-US" altLang="zh-TW" sz="7200" dirty="0">
+                <a:solidFill>
+                  <a:schemeClr val="tx1"/>
+                </a:solidFill>
+                <a:latin typeface="微軟正黑體" panose="020B0604030504040204" pitchFamily="34" charset="-120"/>
+              </a:rPr>
+              <a:t>)</a:t>
             </a:r>
             <a:br>
-              <a:rPr lang="en-US" altLang="zh-TW" sz="11500" dirty="0">
+              <a:rPr lang="en-US" altLang="zh-TW" sz="9600" dirty="0">
+                <a:solidFill>
+                  <a:schemeClr val="tx1"/>
+                </a:solidFill>
                 <a:latin typeface="微軟正黑體" panose="020B0604030504040204" pitchFamily="34" charset="-120"/>
                 <a:ea typeface="微軟正黑體" panose="020B0604030504040204" pitchFamily="34" charset="-120"/>
               </a:rPr>
             </a:br>
             <a:r>
-              <a:rPr lang="zh-TW" altLang="en-US" sz="11500" dirty="0">
+              <a:rPr lang="zh-TW" altLang="en-US" sz="9600" dirty="0">
+                <a:solidFill>
+                  <a:schemeClr val="tx1"/>
+                </a:solidFill>
                 <a:latin typeface="微軟正黑體" panose="020B0604030504040204" pitchFamily="34" charset="-120"/>
                 <a:ea typeface="微軟正黑體" panose="020B0604030504040204" pitchFamily="34" charset="-120"/>
               </a:rPr>
-              <a:t>球為</a:t>
-            </a:r>
-            <a:r>
-              <a:rPr lang="en-US" altLang="zh-TW" sz="11500" dirty="0">
+              <a:t>方塊往右</a:t>
+            </a:r>
+            <a:r>
+              <a:rPr lang="zh-TW" altLang="en-US" sz="9600" dirty="0">
+                <a:solidFill>
+                  <a:srgbClr val="FF0000"/>
+                </a:solidFill>
                 <a:latin typeface="微軟正黑體" panose="020B0604030504040204" pitchFamily="34" charset="-120"/>
                 <a:ea typeface="微軟正黑體" panose="020B0604030504040204" pitchFamily="34" charset="-120"/>
               </a:rPr>
-              <a:t>1</a:t>
-            </a:r>
-            <a:br>
-              <a:rPr lang="en-US" altLang="zh-TW" sz="11500" dirty="0">
-                <a:latin typeface="微軟正黑體" panose="020B0604030504040204" pitchFamily="34" charset="-120"/>
-                <a:ea typeface="微軟正黑體" panose="020B0604030504040204" pitchFamily="34" charset="-120"/>
-              </a:rPr>
-            </a:br>
-            <a:r>
-              <a:rPr lang="zh-TW" altLang="en-US" sz="11500" dirty="0">
-                <a:latin typeface="微軟正黑體" panose="020B0604030504040204" pitchFamily="34" charset="-120"/>
-                <a:ea typeface="微軟正黑體" panose="020B0604030504040204" pitchFamily="34" charset="-120"/>
-              </a:rPr>
-              <a:t>方塊為</a:t>
-            </a:r>
-            <a:r>
-              <a:rPr lang="en-US" altLang="zh-TW" sz="11500" dirty="0">
-                <a:latin typeface="微軟正黑體" panose="020B0604030504040204" pitchFamily="34" charset="-120"/>
-                <a:ea typeface="微軟正黑體" panose="020B0604030504040204" pitchFamily="34" charset="-120"/>
-              </a:rPr>
-              <a:t>1</a:t>
-            </a:r>
-            <a:endParaRPr lang="zh-TW" altLang="en-US" sz="11500" dirty="0">
-              <a:latin typeface="微軟正黑體" panose="020B0604030504040204" pitchFamily="34" charset="-120"/>
-              <a:ea typeface="微軟正黑體" panose="020B0604030504040204" pitchFamily="34" charset="-120"/>
-            </a:endParaRPr>
+              <a:t>半個寬度</a:t>
+            </a:r>
           </a:p>
         </p:txBody>
       </p:sp>
     </p:spTree>
     <p:extLst>
       <p:ext uri="{BB962C8B-B14F-4D97-AF65-F5344CB8AC3E}">
-        <p14:creationId xmlns:p14="http://schemas.microsoft.com/office/powerpoint/2010/main" val="3105908102"/>
+        <p14:creationId xmlns:p14="http://schemas.microsoft.com/office/powerpoint/2010/main" val="1138409818"/>
       </p:ext>
     </p:extLst>
   </p:cSld>
@@ -9563,6 +9365,191 @@
 </p:sld>
 </file>
 
+<file path=ppt/slides/slide25.xml><?xml version="1.0" encoding="utf-8"?>
+<p:sld xmlns:a="http://schemas.openxmlformats.org/drawingml/2006/main" xmlns:r="http://schemas.openxmlformats.org/officeDocument/2006/relationships" xmlns:p="http://schemas.openxmlformats.org/presentationml/2006/main">
+  <p:cSld>
+    <p:spTree>
+      <p:nvGrpSpPr>
+        <p:cNvPr id="1" name=""/>
+        <p:cNvGrpSpPr/>
+        <p:nvPr/>
+      </p:nvGrpSpPr>
+      <p:grpSpPr>
+        <a:xfrm>
+          <a:off x="0" y="0"/>
+          <a:ext cx="0" cy="0"/>
+          <a:chOff x="0" y="0"/>
+          <a:chExt cx="0" cy="0"/>
+        </a:xfrm>
+      </p:grpSpPr>
+      <p:sp>
+        <p:nvSpPr>
+          <p:cNvPr id="2" name="標題 1">
+            <a:extLst>
+              <a:ext uri="{FF2B5EF4-FFF2-40B4-BE49-F238E27FC236}">
+                <a16:creationId xmlns:a16="http://schemas.microsoft.com/office/drawing/2014/main" id="{E39515FA-8C05-415A-9171-15D6B608FF2D}"/>
+              </a:ext>
+            </a:extLst>
+          </p:cNvPr>
+          <p:cNvSpPr>
+            <a:spLocks noGrp="1"/>
+          </p:cNvSpPr>
+          <p:nvPr>
+            <p:ph type="ctrTitle"/>
+          </p:nvPr>
+        </p:nvSpPr>
+        <p:spPr>
+          <a:xfrm>
+            <a:off x="2688165" y="1987840"/>
+            <a:ext cx="6815669" cy="1515533"/>
+          </a:xfrm>
+        </p:spPr>
+        <p:txBody>
+          <a:bodyPr/>
+          <a:lstStyle/>
+          <a:p>
+            <a:r>
+              <a:rPr lang="en-US" altLang="zh-TW" sz="9600" dirty="0">
+                <a:latin typeface="Berlin Sans FB" panose="020E0602020502020306" pitchFamily="34" charset="0"/>
+                <a:ea typeface="微軟正黑體 Light" panose="020B0304030504040204" pitchFamily="34" charset="-120"/>
+              </a:rPr>
+              <a:t>Part 6</a:t>
+            </a:r>
+            <a:endParaRPr lang="zh-TW" altLang="en-US" sz="9600" dirty="0">
+              <a:latin typeface="Berlin Sans FB" panose="020E0602020502020306" pitchFamily="34" charset="0"/>
+              <a:ea typeface="微軟正黑體 Light" panose="020B0304030504040204" pitchFamily="34" charset="-120"/>
+            </a:endParaRPr>
+          </a:p>
+        </p:txBody>
+      </p:sp>
+      <p:sp>
+        <p:nvSpPr>
+          <p:cNvPr id="4" name="標題 1">
+            <a:extLst>
+              <a:ext uri="{FF2B5EF4-FFF2-40B4-BE49-F238E27FC236}">
+                <a16:creationId xmlns:a16="http://schemas.microsoft.com/office/drawing/2014/main" id="{9EADEA97-424F-499B-A6C4-A6DCEE800E72}"/>
+              </a:ext>
+            </a:extLst>
+          </p:cNvPr>
+          <p:cNvSpPr txBox="1">
+            <a:spLocks/>
+          </p:cNvSpPr>
+          <p:nvPr/>
+        </p:nvSpPr>
+        <p:spPr>
+          <a:xfrm>
+            <a:off x="2688165" y="3503373"/>
+            <a:ext cx="6815669" cy="1515533"/>
+          </a:xfrm>
+          <a:prstGeom prst="rect">
+            <a:avLst/>
+          </a:prstGeom>
+          <a:effectLst/>
+        </p:spPr>
+        <p:txBody>
+          <a:bodyPr vert="horz" lIns="91440" tIns="45720" rIns="91440" bIns="45720" rtlCol="0" anchor="b">
+            <a:noAutofit/>
+          </a:bodyPr>
+          <a:lstStyle>
+            <a:lvl1pPr algn="ctr" defTabSz="457200" rtl="0" eaLnBrk="1" latinLnBrk="0" hangingPunct="1">
+              <a:spcBef>
+                <a:spcPct val="0"/>
+              </a:spcBef>
+              <a:buNone/>
+              <a:defRPr sz="5400" kern="1200" cap="none">
+                <a:ln w="3175" cmpd="sng">
+                  <a:noFill/>
+                </a:ln>
+                <a:solidFill>
+                  <a:schemeClr val="tx1">
+                    <a:lumMod val="85000"/>
+                    <a:lumOff val="15000"/>
+                  </a:schemeClr>
+                </a:solidFill>
+                <a:effectLst/>
+                <a:latin typeface="+mj-lt"/>
+                <a:ea typeface="+mj-ea"/>
+                <a:cs typeface="+mj-cs"/>
+              </a:defRPr>
+            </a:lvl1pPr>
+            <a:lvl2pPr eaLnBrk="1" hangingPunct="1">
+              <a:defRPr>
+                <a:solidFill>
+                  <a:schemeClr val="tx2"/>
+                </a:solidFill>
+              </a:defRPr>
+            </a:lvl2pPr>
+            <a:lvl3pPr eaLnBrk="1" hangingPunct="1">
+              <a:defRPr>
+                <a:solidFill>
+                  <a:schemeClr val="tx2"/>
+                </a:solidFill>
+              </a:defRPr>
+            </a:lvl3pPr>
+            <a:lvl4pPr eaLnBrk="1" hangingPunct="1">
+              <a:defRPr>
+                <a:solidFill>
+                  <a:schemeClr val="tx2"/>
+                </a:solidFill>
+              </a:defRPr>
+            </a:lvl4pPr>
+            <a:lvl5pPr eaLnBrk="1" hangingPunct="1">
+              <a:defRPr>
+                <a:solidFill>
+                  <a:schemeClr val="tx2"/>
+                </a:solidFill>
+              </a:defRPr>
+            </a:lvl5pPr>
+            <a:lvl6pPr eaLnBrk="1" hangingPunct="1">
+              <a:defRPr>
+                <a:solidFill>
+                  <a:schemeClr val="tx2"/>
+                </a:solidFill>
+              </a:defRPr>
+            </a:lvl6pPr>
+            <a:lvl7pPr eaLnBrk="1" hangingPunct="1">
+              <a:defRPr>
+                <a:solidFill>
+                  <a:schemeClr val="tx2"/>
+                </a:solidFill>
+              </a:defRPr>
+            </a:lvl7pPr>
+            <a:lvl8pPr eaLnBrk="1" hangingPunct="1">
+              <a:defRPr>
+                <a:solidFill>
+                  <a:schemeClr val="tx2"/>
+                </a:solidFill>
+              </a:defRPr>
+            </a:lvl8pPr>
+            <a:lvl9pPr eaLnBrk="1" hangingPunct="1">
+              <a:defRPr>
+                <a:solidFill>
+                  <a:schemeClr val="tx2"/>
+                </a:solidFill>
+              </a:defRPr>
+            </a:lvl9pPr>
+          </a:lstStyle>
+          <a:p>
+            <a:r>
+              <a:rPr lang="zh-TW" altLang="en-US" sz="7200" dirty="0"/>
+              <a:t>可調整變數</a:t>
+            </a:r>
+          </a:p>
+        </p:txBody>
+      </p:sp>
+    </p:spTree>
+    <p:extLst>
+      <p:ext uri="{BB962C8B-B14F-4D97-AF65-F5344CB8AC3E}">
+        <p14:creationId xmlns:p14="http://schemas.microsoft.com/office/powerpoint/2010/main" val="2174548078"/>
+      </p:ext>
+    </p:extLst>
+  </p:cSld>
+  <p:clrMapOvr>
+    <a:masterClrMapping/>
+  </p:clrMapOvr>
+</p:sld>
+</file>
+
 <file path=ppt/slides/slide26.xml><?xml version="1.0" encoding="utf-8"?>
 <p:sld xmlns:a="http://schemas.openxmlformats.org/drawingml/2006/main" xmlns:r="http://schemas.openxmlformats.org/officeDocument/2006/relationships" xmlns:p="http://schemas.openxmlformats.org/presentationml/2006/main">
   <p:cSld>
@@ -9608,15 +9595,34 @@
           </a:bodyPr>
           <a:lstStyle/>
           <a:p>
+            <a:pPr>
+              <a:lnSpc>
+                <a:spcPct val="150000"/>
+              </a:lnSpc>
+            </a:pPr>
             <a:r>
               <a:rPr lang="zh-TW" altLang="en-US" sz="9600" dirty="0">
                 <a:latin typeface="微軟正黑體" panose="020B0604030504040204" pitchFamily="34" charset="-120"/>
               </a:rPr>
-              <a:t>測試不同密度</a:t>
+              <a:t>集中可調整變數</a:t>
+            </a:r>
+            <a:br>
+              <a:rPr lang="en-US" altLang="zh-TW" sz="9600" dirty="0">
+                <a:latin typeface="微軟正黑體" panose="020B0604030504040204" pitchFamily="34" charset="-120"/>
+              </a:rPr>
+            </a:br>
+            <a:r>
+              <a:rPr lang="zh-TW" altLang="en-US" sz="9600" dirty="0">
+                <a:solidFill>
+                  <a:srgbClr val="FF0000"/>
+                </a:solidFill>
+                <a:latin typeface="微軟正黑體" panose="020B0604030504040204" pitchFamily="34" charset="-120"/>
+              </a:rPr>
+              <a:t>方塊高、方塊寬</a:t>
             </a:r>
             <a:endParaRPr lang="zh-TW" altLang="en-US" sz="9600" dirty="0">
               <a:solidFill>
-                <a:schemeClr val="tx1"/>
+                <a:srgbClr val="FF0000"/>
               </a:solidFill>
               <a:latin typeface="微軟正黑體" panose="020B0604030504040204" pitchFamily="34" charset="-120"/>
               <a:ea typeface="微軟正黑體" panose="020B0604030504040204" pitchFamily="34" charset="-120"/>
@@ -9627,7 +9633,7 @@
     </p:spTree>
     <p:extLst>
       <p:ext uri="{BB962C8B-B14F-4D97-AF65-F5344CB8AC3E}">
-        <p14:creationId xmlns:p14="http://schemas.microsoft.com/office/powerpoint/2010/main" val="2692632641"/>
+        <p14:creationId xmlns:p14="http://schemas.microsoft.com/office/powerpoint/2010/main" val="3581143125"/>
       </p:ext>
     </p:extLst>
   </p:cSld>
@@ -9770,67 +9776,33 @@
         </p:spPr>
         <p:txBody>
           <a:bodyPr>
-            <a:normAutofit fontScale="90000"/>
+            <a:normAutofit/>
           </a:bodyPr>
           <a:lstStyle/>
           <a:p>
-            <a:r>
-              <a:rPr lang="zh-TW" altLang="en-US" sz="11500" dirty="0">
-                <a:latin typeface="微軟正黑體" panose="020B0604030504040204" pitchFamily="34" charset="-120"/>
-                <a:ea typeface="微軟正黑體" panose="020B0604030504040204" pitchFamily="34" charset="-120"/>
-              </a:rPr>
-              <a:t>設定密度</a:t>
+            <a:pPr>
+              <a:lnSpc>
+                <a:spcPct val="150000"/>
+              </a:lnSpc>
+            </a:pPr>
+            <a:r>
+              <a:rPr lang="zh-TW" altLang="en-US" sz="9600" dirty="0">
+                <a:latin typeface="微軟正黑體" panose="020B0604030504040204" pitchFamily="34" charset="-120"/>
+              </a:rPr>
+              <a:t>調整不同尺寸</a:t>
             </a:r>
             <a:br>
-              <a:rPr lang="en-US" altLang="zh-TW" sz="11500" dirty="0">
-                <a:latin typeface="微軟正黑體" panose="020B0604030504040204" pitchFamily="34" charset="-120"/>
-                <a:ea typeface="微軟正黑體" panose="020B0604030504040204" pitchFamily="34" charset="-120"/>
+              <a:rPr lang="en-US" altLang="zh-TW" sz="9600" dirty="0">
+                <a:latin typeface="微軟正黑體" panose="020B0604030504040204" pitchFamily="34" charset="-120"/>
               </a:rPr>
             </a:br>
             <a:r>
-              <a:rPr lang="zh-TW" altLang="en-US" sz="11500" dirty="0">
-                <a:latin typeface="微軟正黑體" panose="020B0604030504040204" pitchFamily="34" charset="-120"/>
-                <a:ea typeface="微軟正黑體" panose="020B0604030504040204" pitchFamily="34" charset="-120"/>
-              </a:rPr>
-              <a:t>球為</a:t>
-            </a:r>
-            <a:r>
-              <a:rPr lang="en-US" altLang="zh-TW" sz="11500" dirty="0">
-                <a:latin typeface="微軟正黑體" panose="020B0604030504040204" pitchFamily="34" charset="-120"/>
-                <a:ea typeface="微軟正黑體" panose="020B0604030504040204" pitchFamily="34" charset="-120"/>
-              </a:rPr>
-              <a:t>1</a:t>
-            </a:r>
-            <a:br>
-              <a:rPr lang="en-US" altLang="zh-TW" sz="11500" dirty="0">
-                <a:latin typeface="微軟正黑體" panose="020B0604030504040204" pitchFamily="34" charset="-120"/>
-                <a:ea typeface="微軟正黑體" panose="020B0604030504040204" pitchFamily="34" charset="-120"/>
-              </a:rPr>
-            </a:br>
-            <a:r>
-              <a:rPr lang="zh-TW" altLang="en-US" sz="11500" dirty="0">
-                <a:solidFill>
-                  <a:srgbClr val="FF0000"/>
-                </a:solidFill>
-                <a:latin typeface="微軟正黑體" panose="020B0604030504040204" pitchFamily="34" charset="-120"/>
-                <a:ea typeface="微軟正黑體" panose="020B0604030504040204" pitchFamily="34" charset="-120"/>
-              </a:rPr>
-              <a:t>方塊為</a:t>
-            </a:r>
-            <a:r>
-              <a:rPr lang="en-US" altLang="zh-TW" sz="11500" dirty="0">
-                <a:solidFill>
-                  <a:srgbClr val="FF0000"/>
-                </a:solidFill>
-                <a:latin typeface="微軟正黑體" panose="020B0604030504040204" pitchFamily="34" charset="-120"/>
-                <a:ea typeface="微軟正黑體" panose="020B0604030504040204" pitchFamily="34" charset="-120"/>
-              </a:rPr>
-              <a:t>10</a:t>
-            </a:r>
-            <a:endParaRPr lang="zh-TW" altLang="en-US" sz="11500" dirty="0">
-              <a:solidFill>
-                <a:srgbClr val="FF0000"/>
-              </a:solidFill>
+              <a:rPr lang="zh-TW" altLang="en-US" sz="9600" dirty="0">
+                <a:latin typeface="微軟正黑體" panose="020B0604030504040204" pitchFamily="34" charset="-120"/>
+              </a:rPr>
+              <a:t>比例的障礙物</a:t>
+            </a:r>
+            <a:endParaRPr lang="zh-TW" altLang="en-US" sz="9600" dirty="0">
               <a:latin typeface="微軟正黑體" panose="020B0604030504040204" pitchFamily="34" charset="-120"/>
               <a:ea typeface="微軟正黑體" panose="020B0604030504040204" pitchFamily="34" charset="-120"/>
             </a:endParaRPr>
@@ -9840,7 +9812,7 @@
     </p:spTree>
     <p:extLst>
       <p:ext uri="{BB962C8B-B14F-4D97-AF65-F5344CB8AC3E}">
-        <p14:creationId xmlns:p14="http://schemas.microsoft.com/office/powerpoint/2010/main" val="3281406534"/>
+        <p14:creationId xmlns:p14="http://schemas.microsoft.com/office/powerpoint/2010/main" val="2124191457"/>
       </p:ext>
     </p:extLst>
   </p:cSld>
@@ -9983,61 +9955,66 @@
         </p:spPr>
         <p:txBody>
           <a:bodyPr>
-            <a:normAutofit fontScale="90000"/>
+            <a:normAutofit/>
           </a:bodyPr>
           <a:lstStyle/>
           <a:p>
-            <a:r>
-              <a:rPr lang="zh-TW" altLang="en-US" sz="11500" dirty="0">
-                <a:latin typeface="微軟正黑體" panose="020B0604030504040204" pitchFamily="34" charset="-120"/>
-                <a:ea typeface="微軟正黑體" panose="020B0604030504040204" pitchFamily="34" charset="-120"/>
-              </a:rPr>
-              <a:t>設定密度</a:t>
+            <a:pPr>
+              <a:lnSpc>
+                <a:spcPct val="150000"/>
+              </a:lnSpc>
+            </a:pPr>
+            <a:r>
+              <a:rPr lang="zh-TW" altLang="en-US" sz="9600" dirty="0">
+                <a:latin typeface="微軟正黑體" panose="020B0604030504040204" pitchFamily="34" charset="-120"/>
+              </a:rPr>
+              <a:t>集中可調整變數</a:t>
             </a:r>
             <a:br>
-              <a:rPr lang="en-US" altLang="zh-TW" sz="11500" dirty="0">
-                <a:latin typeface="微軟正黑體" panose="020B0604030504040204" pitchFamily="34" charset="-120"/>
-                <a:ea typeface="微軟正黑體" panose="020B0604030504040204" pitchFamily="34" charset="-120"/>
+              <a:rPr lang="en-US" altLang="zh-TW" sz="9600" dirty="0">
+                <a:latin typeface="微軟正黑體" panose="020B0604030504040204" pitchFamily="34" charset="-120"/>
               </a:rPr>
             </a:br>
             <a:r>
-              <a:rPr lang="zh-TW" altLang="en-US" sz="11500" dirty="0">
-                <a:latin typeface="微軟正黑體" panose="020B0604030504040204" pitchFamily="34" charset="-120"/>
-                <a:ea typeface="微軟正黑體" panose="020B0604030504040204" pitchFamily="34" charset="-120"/>
-              </a:rPr>
-              <a:t>球為</a:t>
-            </a:r>
-            <a:r>
-              <a:rPr lang="en-US" altLang="zh-TW" sz="11500" dirty="0">
+              <a:rPr lang="zh-TW" altLang="en-US" sz="9600" dirty="0">
                 <a:solidFill>
                   <a:srgbClr val="FF0000"/>
                 </a:solidFill>
                 <a:latin typeface="微軟正黑體" panose="020B0604030504040204" pitchFamily="34" charset="-120"/>
-                <a:ea typeface="微軟正黑體" panose="020B0604030504040204" pitchFamily="34" charset="-120"/>
-              </a:rPr>
-              <a:t>10</a:t>
-            </a:r>
-            <a:br>
-              <a:rPr lang="en-US" altLang="zh-TW" sz="11500" dirty="0">
-                <a:latin typeface="微軟正黑體" panose="020B0604030504040204" pitchFamily="34" charset="-120"/>
-                <a:ea typeface="微軟正黑體" panose="020B0604030504040204" pitchFamily="34" charset="-120"/>
-              </a:rPr>
-            </a:br>
-            <a:r>
-              <a:rPr lang="zh-TW" altLang="en-US" sz="11500" dirty="0">
-                <a:latin typeface="微軟正黑體" panose="020B0604030504040204" pitchFamily="34" charset="-120"/>
-                <a:ea typeface="微軟正黑體" panose="020B0604030504040204" pitchFamily="34" charset="-120"/>
-              </a:rPr>
-              <a:t>方塊為</a:t>
-            </a:r>
-            <a:r>
-              <a:rPr lang="en-US" altLang="zh-TW" sz="11500" dirty="0">
-                <a:latin typeface="微軟正黑體" panose="020B0604030504040204" pitchFamily="34" charset="-120"/>
-                <a:ea typeface="微軟正黑體" panose="020B0604030504040204" pitchFamily="34" charset="-120"/>
-              </a:rPr>
-              <a:t>1</a:t>
-            </a:r>
-            <a:endParaRPr lang="zh-TW" altLang="en-US" sz="11500" dirty="0">
+              </a:rPr>
+              <a:t>級數</a:t>
+            </a:r>
+            <a:r>
+              <a:rPr lang="en-US" altLang="zh-TW" sz="7200" dirty="0">
+                <a:solidFill>
+                  <a:schemeClr val="tx1"/>
+                </a:solidFill>
+                <a:latin typeface="微軟正黑體" panose="020B0604030504040204" pitchFamily="34" charset="-120"/>
+              </a:rPr>
+              <a:t>(</a:t>
+            </a:r>
+            <a:r>
+              <a:rPr lang="zh-TW" altLang="en-US" sz="7200" dirty="0">
+                <a:solidFill>
+                  <a:schemeClr val="tx1"/>
+                </a:solidFill>
+                <a:latin typeface="微軟正黑體" panose="020B0604030504040204" pitchFamily="34" charset="-120"/>
+              </a:rPr>
+              <a:t>迴圈次數</a:t>
+            </a:r>
+            <a:r>
+              <a:rPr lang="en-US" altLang="zh-TW" sz="7200" dirty="0">
+                <a:solidFill>
+                  <a:schemeClr val="tx1"/>
+                </a:solidFill>
+                <a:latin typeface="微軟正黑體" panose="020B0604030504040204" pitchFamily="34" charset="-120"/>
+              </a:rPr>
+              <a:t>)</a:t>
+            </a:r>
+            <a:endParaRPr lang="zh-TW" altLang="en-US" sz="9600" dirty="0">
+              <a:solidFill>
+                <a:schemeClr val="tx1"/>
+              </a:solidFill>
               <a:latin typeface="微軟正黑體" panose="020B0604030504040204" pitchFamily="34" charset="-120"/>
               <a:ea typeface="微軟正黑體" panose="020B0604030504040204" pitchFamily="34" charset="-120"/>
             </a:endParaRPr>
@@ -10047,7 +10024,7 @@
     </p:spTree>
     <p:extLst>
       <p:ext uri="{BB962C8B-B14F-4D97-AF65-F5344CB8AC3E}">
-        <p14:creationId xmlns:p14="http://schemas.microsoft.com/office/powerpoint/2010/main" val="2138702637"/>
+        <p14:creationId xmlns:p14="http://schemas.microsoft.com/office/powerpoint/2010/main" val="3179290419"/>
       </p:ext>
     </p:extLst>
   </p:cSld>
@@ -10190,61 +10167,33 @@
         </p:spPr>
         <p:txBody>
           <a:bodyPr>
-            <a:normAutofit fontScale="90000"/>
+            <a:normAutofit/>
           </a:bodyPr>
           <a:lstStyle/>
           <a:p>
-            <a:r>
-              <a:rPr lang="zh-TW" altLang="en-US" sz="11500" dirty="0">
-                <a:latin typeface="微軟正黑體" panose="020B0604030504040204" pitchFamily="34" charset="-120"/>
-                <a:ea typeface="微軟正黑體" panose="020B0604030504040204" pitchFamily="34" charset="-120"/>
-              </a:rPr>
-              <a:t>設定密度</a:t>
+            <a:pPr>
+              <a:lnSpc>
+                <a:spcPct val="150000"/>
+              </a:lnSpc>
+            </a:pPr>
+            <a:r>
+              <a:rPr lang="zh-TW" altLang="en-US" sz="9600" dirty="0">
+                <a:latin typeface="微軟正黑體" panose="020B0604030504040204" pitchFamily="34" charset="-120"/>
+              </a:rPr>
+              <a:t>調整不同級數</a:t>
             </a:r>
             <a:br>
-              <a:rPr lang="en-US" altLang="zh-TW" sz="11500" dirty="0">
-                <a:latin typeface="微軟正黑體" panose="020B0604030504040204" pitchFamily="34" charset="-120"/>
-                <a:ea typeface="微軟正黑體" panose="020B0604030504040204" pitchFamily="34" charset="-120"/>
+              <a:rPr lang="en-US" altLang="zh-TW" sz="9600" dirty="0">
+                <a:latin typeface="微軟正黑體" panose="020B0604030504040204" pitchFamily="34" charset="-120"/>
               </a:rPr>
             </a:br>
             <a:r>
-              <a:rPr lang="zh-TW" altLang="en-US" sz="11500" dirty="0">
-                <a:latin typeface="微軟正黑體" panose="020B0604030504040204" pitchFamily="34" charset="-120"/>
-                <a:ea typeface="微軟正黑體" panose="020B0604030504040204" pitchFamily="34" charset="-120"/>
-              </a:rPr>
-              <a:t>球為</a:t>
-            </a:r>
-            <a:r>
-              <a:rPr lang="en-US" altLang="zh-TW" sz="11500" dirty="0">
-                <a:solidFill>
-                  <a:srgbClr val="FF0000"/>
-                </a:solidFill>
-                <a:latin typeface="微軟正黑體" panose="020B0604030504040204" pitchFamily="34" charset="-120"/>
-                <a:ea typeface="微軟正黑體" panose="020B0604030504040204" pitchFamily="34" charset="-120"/>
-              </a:rPr>
-              <a:t>100</a:t>
-            </a:r>
-            <a:br>
-              <a:rPr lang="en-US" altLang="zh-TW" sz="11500" dirty="0">
-                <a:latin typeface="微軟正黑體" panose="020B0604030504040204" pitchFamily="34" charset="-120"/>
-                <a:ea typeface="微軟正黑體" panose="020B0604030504040204" pitchFamily="34" charset="-120"/>
-              </a:rPr>
-            </a:br>
-            <a:r>
-              <a:rPr lang="zh-TW" altLang="en-US" sz="11500" dirty="0">
-                <a:latin typeface="微軟正黑體" panose="020B0604030504040204" pitchFamily="34" charset="-120"/>
-                <a:ea typeface="微軟正黑體" panose="020B0604030504040204" pitchFamily="34" charset="-120"/>
-              </a:rPr>
-              <a:t>方塊為</a:t>
-            </a:r>
-            <a:r>
-              <a:rPr lang="en-US" altLang="zh-TW" sz="11500" dirty="0">
-                <a:latin typeface="微軟正黑體" panose="020B0604030504040204" pitchFamily="34" charset="-120"/>
-                <a:ea typeface="微軟正黑體" panose="020B0604030504040204" pitchFamily="34" charset="-120"/>
-              </a:rPr>
-              <a:t>1</a:t>
-            </a:r>
-            <a:endParaRPr lang="zh-TW" altLang="en-US" sz="11500" dirty="0">
+              <a:rPr lang="zh-TW" altLang="en-US" sz="9600" dirty="0">
+                <a:latin typeface="微軟正黑體" panose="020B0604030504040204" pitchFamily="34" charset="-120"/>
+              </a:rPr>
+              <a:t>的障礙物</a:t>
+            </a:r>
+            <a:endParaRPr lang="zh-TW" altLang="en-US" sz="9600" dirty="0">
               <a:latin typeface="微軟正黑體" panose="020B0604030504040204" pitchFamily="34" charset="-120"/>
               <a:ea typeface="微軟正黑體" panose="020B0604030504040204" pitchFamily="34" charset="-120"/>
             </a:endParaRPr>
@@ -10254,7 +10203,7 @@
     </p:spTree>
     <p:extLst>
       <p:ext uri="{BB962C8B-B14F-4D97-AF65-F5344CB8AC3E}">
-        <p14:creationId xmlns:p14="http://schemas.microsoft.com/office/powerpoint/2010/main" val="3755669999"/>
+        <p14:creationId xmlns:p14="http://schemas.microsoft.com/office/powerpoint/2010/main" val="2386177142"/>
       </p:ext>
     </p:extLst>
   </p:cSld>
@@ -10526,7 +10475,7 @@
                 <a:latin typeface="Berlin Sans FB" panose="020E0602020502020306" pitchFamily="34" charset="0"/>
                 <a:ea typeface="微軟正黑體 Light" panose="020B0304030504040204" pitchFamily="34" charset="-120"/>
               </a:rPr>
-              <a:t>發射子彈</a:t>
+              <a:t>發射撞擊圓球</a:t>
             </a:r>
           </a:p>
         </p:txBody>
@@ -10579,7 +10528,7 @@
         </p:nvSpPr>
         <p:spPr>
           <a:xfrm>
-            <a:off x="2688165" y="2671233"/>
+            <a:off x="2688165" y="1987840"/>
             <a:ext cx="6815669" cy="1515533"/>
           </a:xfrm>
         </p:spPr>
@@ -10588,11 +10537,130 @@
           <a:lstStyle/>
           <a:p>
             <a:r>
-              <a:rPr lang="zh-TW" altLang="en-US" sz="9600" dirty="0">
+              <a:rPr lang="en-US" altLang="zh-TW" sz="9600" dirty="0">
                 <a:latin typeface="Berlin Sans FB" panose="020E0602020502020306" pitchFamily="34" charset="0"/>
                 <a:ea typeface="微軟正黑體 Light" panose="020B0304030504040204" pitchFamily="34" charset="-120"/>
               </a:rPr>
-              <a:t>程式完成</a:t>
+              <a:t>Part 7</a:t>
+            </a:r>
+            <a:endParaRPr lang="zh-TW" altLang="en-US" sz="9600" dirty="0">
+              <a:latin typeface="Berlin Sans FB" panose="020E0602020502020306" pitchFamily="34" charset="0"/>
+              <a:ea typeface="微軟正黑體 Light" panose="020B0304030504040204" pitchFamily="34" charset="-120"/>
+            </a:endParaRPr>
+          </a:p>
+        </p:txBody>
+      </p:sp>
+      <p:sp>
+        <p:nvSpPr>
+          <p:cNvPr id="4" name="標題 1">
+            <a:extLst>
+              <a:ext uri="{FF2B5EF4-FFF2-40B4-BE49-F238E27FC236}">
+                <a16:creationId xmlns:a16="http://schemas.microsoft.com/office/drawing/2014/main" id="{9EADEA97-424F-499B-A6C4-A6DCEE800E72}"/>
+              </a:ext>
+            </a:extLst>
+          </p:cNvPr>
+          <p:cNvSpPr txBox="1">
+            <a:spLocks/>
+          </p:cNvSpPr>
+          <p:nvPr/>
+        </p:nvSpPr>
+        <p:spPr>
+          <a:xfrm>
+            <a:off x="2688165" y="3503373"/>
+            <a:ext cx="6815669" cy="1515533"/>
+          </a:xfrm>
+          <a:prstGeom prst="rect">
+            <a:avLst/>
+          </a:prstGeom>
+          <a:effectLst/>
+        </p:spPr>
+        <p:txBody>
+          <a:bodyPr vert="horz" lIns="91440" tIns="45720" rIns="91440" bIns="45720" rtlCol="0" anchor="b">
+            <a:noAutofit/>
+          </a:bodyPr>
+          <a:lstStyle>
+            <a:lvl1pPr algn="ctr" defTabSz="457200" rtl="0" eaLnBrk="1" latinLnBrk="0" hangingPunct="1">
+              <a:spcBef>
+                <a:spcPct val="0"/>
+              </a:spcBef>
+              <a:buNone/>
+              <a:defRPr sz="5400" kern="1200" cap="none">
+                <a:ln w="3175" cmpd="sng">
+                  <a:noFill/>
+                </a:ln>
+                <a:solidFill>
+                  <a:schemeClr val="tx1">
+                    <a:lumMod val="85000"/>
+                    <a:lumOff val="15000"/>
+                  </a:schemeClr>
+                </a:solidFill>
+                <a:effectLst/>
+                <a:latin typeface="+mj-lt"/>
+                <a:ea typeface="+mj-ea"/>
+                <a:cs typeface="+mj-cs"/>
+              </a:defRPr>
+            </a:lvl1pPr>
+            <a:lvl2pPr eaLnBrk="1" hangingPunct="1">
+              <a:defRPr>
+                <a:solidFill>
+                  <a:schemeClr val="tx2"/>
+                </a:solidFill>
+              </a:defRPr>
+            </a:lvl2pPr>
+            <a:lvl3pPr eaLnBrk="1" hangingPunct="1">
+              <a:defRPr>
+                <a:solidFill>
+                  <a:schemeClr val="tx2"/>
+                </a:solidFill>
+              </a:defRPr>
+            </a:lvl3pPr>
+            <a:lvl4pPr eaLnBrk="1" hangingPunct="1">
+              <a:defRPr>
+                <a:solidFill>
+                  <a:schemeClr val="tx2"/>
+                </a:solidFill>
+              </a:defRPr>
+            </a:lvl4pPr>
+            <a:lvl5pPr eaLnBrk="1" hangingPunct="1">
+              <a:defRPr>
+                <a:solidFill>
+                  <a:schemeClr val="tx2"/>
+                </a:solidFill>
+              </a:defRPr>
+            </a:lvl5pPr>
+            <a:lvl6pPr eaLnBrk="1" hangingPunct="1">
+              <a:defRPr>
+                <a:solidFill>
+                  <a:schemeClr val="tx2"/>
+                </a:solidFill>
+              </a:defRPr>
+            </a:lvl6pPr>
+            <a:lvl7pPr eaLnBrk="1" hangingPunct="1">
+              <a:defRPr>
+                <a:solidFill>
+                  <a:schemeClr val="tx2"/>
+                </a:solidFill>
+              </a:defRPr>
+            </a:lvl7pPr>
+            <a:lvl8pPr eaLnBrk="1" hangingPunct="1">
+              <a:defRPr>
+                <a:solidFill>
+                  <a:schemeClr val="tx2"/>
+                </a:solidFill>
+              </a:defRPr>
+            </a:lvl8pPr>
+            <a:lvl9pPr eaLnBrk="1" hangingPunct="1">
+              <a:defRPr>
+                <a:solidFill>
+                  <a:schemeClr val="tx2"/>
+                </a:solidFill>
+              </a:defRPr>
+            </a:lvl9pPr>
+          </a:lstStyle>
+          <a:p>
+            <a:r>
+              <a:rPr lang="zh-TW" altLang="en-US" sz="9600" dirty="0"/>
+              <a:t>撞擊測試</a:t>
             </a:r>
           </a:p>
         </p:txBody>
@@ -10600,7 +10668,100 @@
     </p:spTree>
     <p:extLst>
       <p:ext uri="{BB962C8B-B14F-4D97-AF65-F5344CB8AC3E}">
-        <p14:creationId xmlns:p14="http://schemas.microsoft.com/office/powerpoint/2010/main" val="2727996506"/>
+        <p14:creationId xmlns:p14="http://schemas.microsoft.com/office/powerpoint/2010/main" val="2382413851"/>
+      </p:ext>
+    </p:extLst>
+  </p:cSld>
+  <p:clrMapOvr>
+    <a:masterClrMapping/>
+  </p:clrMapOvr>
+</p:sld>
+</file>
+
+<file path=ppt/slides/slide31.xml><?xml version="1.0" encoding="utf-8"?>
+<p:sld xmlns:a="http://schemas.openxmlformats.org/drawingml/2006/main" xmlns:r="http://schemas.openxmlformats.org/officeDocument/2006/relationships" xmlns:p="http://schemas.openxmlformats.org/presentationml/2006/main">
+  <p:cSld>
+    <p:spTree>
+      <p:nvGrpSpPr>
+        <p:cNvPr id="1" name=""/>
+        <p:cNvGrpSpPr/>
+        <p:nvPr/>
+      </p:nvGrpSpPr>
+      <p:grpSpPr>
+        <a:xfrm>
+          <a:off x="0" y="0"/>
+          <a:ext cx="0" cy="0"/>
+          <a:chOff x="0" y="0"/>
+          <a:chExt cx="0" cy="0"/>
+        </a:xfrm>
+      </p:grpSpPr>
+      <p:sp>
+        <p:nvSpPr>
+          <p:cNvPr id="2" name="標題 1">
+            <a:extLst>
+              <a:ext uri="{FF2B5EF4-FFF2-40B4-BE49-F238E27FC236}">
+                <a16:creationId xmlns:a16="http://schemas.microsoft.com/office/drawing/2014/main" id="{60856E43-3621-4F02-B0E9-EF43423F3E70}"/>
+              </a:ext>
+            </a:extLst>
+          </p:cNvPr>
+          <p:cNvSpPr>
+            <a:spLocks noGrp="1"/>
+          </p:cNvSpPr>
+          <p:nvPr>
+            <p:ph type="title"/>
+          </p:nvPr>
+        </p:nvSpPr>
+        <p:spPr>
+          <a:xfrm>
+            <a:off x="1000979" y="740808"/>
+            <a:ext cx="10419907" cy="5082362"/>
+          </a:xfrm>
+        </p:spPr>
+        <p:txBody>
+          <a:bodyPr>
+            <a:normAutofit/>
+          </a:bodyPr>
+          <a:lstStyle/>
+          <a:p>
+            <a:pPr>
+              <a:lnSpc>
+                <a:spcPct val="150000"/>
+              </a:lnSpc>
+            </a:pPr>
+            <a:r>
+              <a:rPr lang="zh-TW" altLang="en-US" sz="9600" dirty="0">
+                <a:latin typeface="微軟正黑體" panose="020B0604030504040204" pitchFamily="34" charset="-120"/>
+              </a:rPr>
+              <a:t>集中可調整變數</a:t>
+            </a:r>
+            <a:br>
+              <a:rPr lang="en-US" altLang="zh-TW" sz="9600" dirty="0">
+                <a:latin typeface="微軟正黑體" panose="020B0604030504040204" pitchFamily="34" charset="-120"/>
+              </a:rPr>
+            </a:br>
+            <a:r>
+              <a:rPr lang="zh-TW" altLang="en-US" sz="9600" dirty="0">
+                <a:solidFill>
+                  <a:srgbClr val="FF0000"/>
+                </a:solidFill>
+                <a:latin typeface="微軟正黑體" panose="020B0604030504040204" pitchFamily="34" charset="-120"/>
+              </a:rPr>
+              <a:t>球半徑</a:t>
+            </a:r>
+            <a:endParaRPr lang="zh-TW" altLang="en-US" sz="9600" dirty="0">
+              <a:solidFill>
+                <a:srgbClr val="FF0000"/>
+              </a:solidFill>
+              <a:latin typeface="微軟正黑體" panose="020B0604030504040204" pitchFamily="34" charset="-120"/>
+              <a:ea typeface="微軟正黑體" panose="020B0604030504040204" pitchFamily="34" charset="-120"/>
+            </a:endParaRPr>
+          </a:p>
+        </p:txBody>
+      </p:sp>
+    </p:spTree>
+    <p:extLst>
+      <p:ext uri="{BB962C8B-B14F-4D97-AF65-F5344CB8AC3E}">
+        <p14:creationId xmlns:p14="http://schemas.microsoft.com/office/powerpoint/2010/main" val="1925992971"/>
       </p:ext>
     </p:extLst>
   </p:cSld>
@@ -10702,6 +10863,1577 @@
 </p:sld>
 </file>
 
+<file path=ppt/slides/slide32.xml><?xml version="1.0" encoding="utf-8"?>
+<p:sld xmlns:a="http://schemas.openxmlformats.org/drawingml/2006/main" xmlns:r="http://schemas.openxmlformats.org/officeDocument/2006/relationships" xmlns:p="http://schemas.openxmlformats.org/presentationml/2006/main">
+  <p:cSld>
+    <p:spTree>
+      <p:nvGrpSpPr>
+        <p:cNvPr id="1" name=""/>
+        <p:cNvGrpSpPr/>
+        <p:nvPr/>
+      </p:nvGrpSpPr>
+      <p:grpSpPr>
+        <a:xfrm>
+          <a:off x="0" y="0"/>
+          <a:ext cx="0" cy="0"/>
+          <a:chOff x="0" y="0"/>
+          <a:chExt cx="0" cy="0"/>
+        </a:xfrm>
+      </p:grpSpPr>
+      <p:sp>
+        <p:nvSpPr>
+          <p:cNvPr id="2" name="標題 1">
+            <a:extLst>
+              <a:ext uri="{FF2B5EF4-FFF2-40B4-BE49-F238E27FC236}">
+                <a16:creationId xmlns:a16="http://schemas.microsoft.com/office/drawing/2014/main" id="{60856E43-3621-4F02-B0E9-EF43423F3E70}"/>
+              </a:ext>
+            </a:extLst>
+          </p:cNvPr>
+          <p:cNvSpPr>
+            <a:spLocks noGrp="1"/>
+          </p:cNvSpPr>
+          <p:nvPr>
+            <p:ph type="title"/>
+          </p:nvPr>
+        </p:nvSpPr>
+        <p:spPr>
+          <a:xfrm>
+            <a:off x="1000979" y="740808"/>
+            <a:ext cx="10419907" cy="5082362"/>
+          </a:xfrm>
+        </p:spPr>
+        <p:txBody>
+          <a:bodyPr>
+            <a:normAutofit/>
+          </a:bodyPr>
+          <a:lstStyle/>
+          <a:p>
+            <a:r>
+              <a:rPr lang="zh-TW" altLang="en-US" sz="9600" dirty="0">
+                <a:latin typeface="微軟正黑體" panose="020B0604030504040204" pitchFamily="34" charset="-120"/>
+              </a:rPr>
+              <a:t>測試圓球</a:t>
+            </a:r>
+            <a:br>
+              <a:rPr lang="en-US" altLang="zh-TW" sz="9600" dirty="0">
+                <a:latin typeface="微軟正黑體" panose="020B0604030504040204" pitchFamily="34" charset="-120"/>
+              </a:rPr>
+            </a:br>
+            <a:r>
+              <a:rPr lang="zh-TW" altLang="en-US" sz="9600" dirty="0">
+                <a:latin typeface="微軟正黑體" panose="020B0604030504040204" pitchFamily="34" charset="-120"/>
+              </a:rPr>
+              <a:t>半徑為</a:t>
+            </a:r>
+            <a:r>
+              <a:rPr lang="en-US" altLang="zh-TW" sz="9600" dirty="0">
+                <a:latin typeface="微軟正黑體" panose="020B0604030504040204" pitchFamily="34" charset="-120"/>
+              </a:rPr>
+              <a:t>40</a:t>
+            </a:r>
+            <a:endParaRPr lang="zh-TW" altLang="en-US" sz="9600" dirty="0">
+              <a:solidFill>
+                <a:schemeClr val="tx1"/>
+              </a:solidFill>
+              <a:latin typeface="微軟正黑體" panose="020B0604030504040204" pitchFamily="34" charset="-120"/>
+              <a:ea typeface="微軟正黑體" panose="020B0604030504040204" pitchFamily="34" charset="-120"/>
+            </a:endParaRPr>
+          </a:p>
+        </p:txBody>
+      </p:sp>
+    </p:spTree>
+    <p:extLst>
+      <p:ext uri="{BB962C8B-B14F-4D97-AF65-F5344CB8AC3E}">
+        <p14:creationId xmlns:p14="http://schemas.microsoft.com/office/powerpoint/2010/main" val="2205948288"/>
+      </p:ext>
+    </p:extLst>
+  </p:cSld>
+  <p:clrMapOvr>
+    <a:masterClrMapping/>
+  </p:clrMapOvr>
+  <p:timing>
+    <p:tnLst>
+      <p:par>
+        <p:cTn id="1" dur="indefinite" restart="never" nodeType="tmRoot">
+          <p:childTnLst>
+            <p:seq concurrent="1" nextAc="seek">
+              <p:cTn id="2" dur="indefinite" nodeType="mainSeq">
+                <p:childTnLst>
+                  <p:par>
+                    <p:cTn id="3" fill="hold">
+                      <p:stCondLst>
+                        <p:cond delay="indefinite"/>
+                        <p:cond evt="onBegin" delay="0">
+                          <p:tn val="2"/>
+                        </p:cond>
+                      </p:stCondLst>
+                      <p:childTnLst>
+                        <p:par>
+                          <p:cTn id="4" fill="hold">
+                            <p:stCondLst>
+                              <p:cond delay="0"/>
+                            </p:stCondLst>
+                            <p:childTnLst>
+                              <p:par>
+                                <p:cTn id="5" presetID="22" presetClass="entr" presetSubtype="4" fill="hold" grpId="0" nodeType="afterEffect">
+                                  <p:stCondLst>
+                                    <p:cond delay="0"/>
+                                  </p:stCondLst>
+                                  <p:iterate type="lt">
+                                    <p:tmPct val="100000"/>
+                                  </p:iterate>
+                                  <p:childTnLst>
+                                    <p:set>
+                                      <p:cBhvr>
+                                        <p:cTn id="6" dur="1" fill="hold">
+                                          <p:stCondLst>
+                                            <p:cond delay="0"/>
+                                          </p:stCondLst>
+                                        </p:cTn>
+                                        <p:tgtEl>
+                                          <p:spTgt spid="2"/>
+                                        </p:tgtEl>
+                                        <p:attrNameLst>
+                                          <p:attrName>style.visibility</p:attrName>
+                                        </p:attrNameLst>
+                                      </p:cBhvr>
+                                      <p:to>
+                                        <p:strVal val="visible"/>
+                                      </p:to>
+                                    </p:set>
+                                    <p:animEffect transition="in" filter="wipe(down)">
+                                      <p:cBhvr>
+                                        <p:cTn id="7" dur="250"/>
+                                        <p:tgtEl>
+                                          <p:spTgt spid="2"/>
+                                        </p:tgtEl>
+                                      </p:cBhvr>
+                                    </p:animEffect>
+                                  </p:childTnLst>
+                                </p:cTn>
+                              </p:par>
+                            </p:childTnLst>
+                          </p:cTn>
+                        </p:par>
+                      </p:childTnLst>
+                    </p:cTn>
+                  </p:par>
+                </p:childTnLst>
+              </p:cTn>
+              <p:prevCondLst>
+                <p:cond evt="onPrev" delay="0">
+                  <p:tgtEl>
+                    <p:sldTgt/>
+                  </p:tgtEl>
+                </p:cond>
+              </p:prevCondLst>
+              <p:nextCondLst>
+                <p:cond evt="onNext" delay="0">
+                  <p:tgtEl>
+                    <p:sldTgt/>
+                  </p:tgtEl>
+                </p:cond>
+              </p:nextCondLst>
+            </p:seq>
+          </p:childTnLst>
+        </p:cTn>
+      </p:par>
+    </p:tnLst>
+    <p:bldLst>
+      <p:bldP spid="2" grpId="0"/>
+    </p:bldLst>
+  </p:timing>
+</p:sld>
+</file>
+
+<file path=ppt/slides/slide33.xml><?xml version="1.0" encoding="utf-8"?>
+<p:sld xmlns:a="http://schemas.openxmlformats.org/drawingml/2006/main" xmlns:r="http://schemas.openxmlformats.org/officeDocument/2006/relationships" xmlns:p="http://schemas.openxmlformats.org/presentationml/2006/main">
+  <p:cSld>
+    <p:spTree>
+      <p:nvGrpSpPr>
+        <p:cNvPr id="1" name=""/>
+        <p:cNvGrpSpPr/>
+        <p:nvPr/>
+      </p:nvGrpSpPr>
+      <p:grpSpPr>
+        <a:xfrm>
+          <a:off x="0" y="0"/>
+          <a:ext cx="0" cy="0"/>
+          <a:chOff x="0" y="0"/>
+          <a:chExt cx="0" cy="0"/>
+        </a:xfrm>
+      </p:grpSpPr>
+      <p:sp>
+        <p:nvSpPr>
+          <p:cNvPr id="2" name="標題 1">
+            <a:extLst>
+              <a:ext uri="{FF2B5EF4-FFF2-40B4-BE49-F238E27FC236}">
+                <a16:creationId xmlns:a16="http://schemas.microsoft.com/office/drawing/2014/main" id="{60856E43-3621-4F02-B0E9-EF43423F3E70}"/>
+              </a:ext>
+            </a:extLst>
+          </p:cNvPr>
+          <p:cNvSpPr>
+            <a:spLocks noGrp="1"/>
+          </p:cNvSpPr>
+          <p:nvPr>
+            <p:ph type="title"/>
+          </p:nvPr>
+        </p:nvSpPr>
+        <p:spPr>
+          <a:xfrm>
+            <a:off x="1000979" y="740808"/>
+            <a:ext cx="10419907" cy="5082362"/>
+          </a:xfrm>
+        </p:spPr>
+        <p:txBody>
+          <a:bodyPr>
+            <a:normAutofit/>
+          </a:bodyPr>
+          <a:lstStyle/>
+          <a:p>
+            <a:r>
+              <a:rPr lang="zh-TW" altLang="en-US" sz="9600" dirty="0">
+                <a:latin typeface="微軟正黑體" panose="020B0604030504040204" pitchFamily="34" charset="-120"/>
+              </a:rPr>
+              <a:t>測試圓球</a:t>
+            </a:r>
+            <a:br>
+              <a:rPr lang="en-US" altLang="zh-TW" sz="9600" dirty="0">
+                <a:latin typeface="微軟正黑體" panose="020B0604030504040204" pitchFamily="34" charset="-120"/>
+              </a:rPr>
+            </a:br>
+            <a:r>
+              <a:rPr lang="zh-TW" altLang="en-US" sz="9600" dirty="0">
+                <a:latin typeface="微軟正黑體" panose="020B0604030504040204" pitchFamily="34" charset="-120"/>
+              </a:rPr>
+              <a:t>半徑為</a:t>
+            </a:r>
+            <a:r>
+              <a:rPr lang="en-US" altLang="zh-TW" sz="9600" dirty="0">
+                <a:latin typeface="微軟正黑體" panose="020B0604030504040204" pitchFamily="34" charset="-120"/>
+              </a:rPr>
+              <a:t>60</a:t>
+            </a:r>
+            <a:endParaRPr lang="zh-TW" altLang="en-US" sz="9600" dirty="0">
+              <a:solidFill>
+                <a:schemeClr val="tx1"/>
+              </a:solidFill>
+              <a:latin typeface="微軟正黑體" panose="020B0604030504040204" pitchFamily="34" charset="-120"/>
+              <a:ea typeface="微軟正黑體" panose="020B0604030504040204" pitchFamily="34" charset="-120"/>
+            </a:endParaRPr>
+          </a:p>
+        </p:txBody>
+      </p:sp>
+    </p:spTree>
+    <p:extLst>
+      <p:ext uri="{BB962C8B-B14F-4D97-AF65-F5344CB8AC3E}">
+        <p14:creationId xmlns:p14="http://schemas.microsoft.com/office/powerpoint/2010/main" val="2905177532"/>
+      </p:ext>
+    </p:extLst>
+  </p:cSld>
+  <p:clrMapOvr>
+    <a:masterClrMapping/>
+  </p:clrMapOvr>
+  <p:timing>
+    <p:tnLst>
+      <p:par>
+        <p:cTn id="1" dur="indefinite" restart="never" nodeType="tmRoot">
+          <p:childTnLst>
+            <p:seq concurrent="1" nextAc="seek">
+              <p:cTn id="2" dur="indefinite" nodeType="mainSeq">
+                <p:childTnLst>
+                  <p:par>
+                    <p:cTn id="3" fill="hold">
+                      <p:stCondLst>
+                        <p:cond delay="indefinite"/>
+                        <p:cond evt="onBegin" delay="0">
+                          <p:tn val="2"/>
+                        </p:cond>
+                      </p:stCondLst>
+                      <p:childTnLst>
+                        <p:par>
+                          <p:cTn id="4" fill="hold">
+                            <p:stCondLst>
+                              <p:cond delay="0"/>
+                            </p:stCondLst>
+                            <p:childTnLst>
+                              <p:par>
+                                <p:cTn id="5" presetID="22" presetClass="entr" presetSubtype="4" fill="hold" grpId="0" nodeType="afterEffect">
+                                  <p:stCondLst>
+                                    <p:cond delay="0"/>
+                                  </p:stCondLst>
+                                  <p:iterate type="lt">
+                                    <p:tmPct val="100000"/>
+                                  </p:iterate>
+                                  <p:childTnLst>
+                                    <p:set>
+                                      <p:cBhvr>
+                                        <p:cTn id="6" dur="1" fill="hold">
+                                          <p:stCondLst>
+                                            <p:cond delay="0"/>
+                                          </p:stCondLst>
+                                        </p:cTn>
+                                        <p:tgtEl>
+                                          <p:spTgt spid="2"/>
+                                        </p:tgtEl>
+                                        <p:attrNameLst>
+                                          <p:attrName>style.visibility</p:attrName>
+                                        </p:attrNameLst>
+                                      </p:cBhvr>
+                                      <p:to>
+                                        <p:strVal val="visible"/>
+                                      </p:to>
+                                    </p:set>
+                                    <p:animEffect transition="in" filter="wipe(down)">
+                                      <p:cBhvr>
+                                        <p:cTn id="7" dur="250"/>
+                                        <p:tgtEl>
+                                          <p:spTgt spid="2"/>
+                                        </p:tgtEl>
+                                      </p:cBhvr>
+                                    </p:animEffect>
+                                  </p:childTnLst>
+                                </p:cTn>
+                              </p:par>
+                            </p:childTnLst>
+                          </p:cTn>
+                        </p:par>
+                      </p:childTnLst>
+                    </p:cTn>
+                  </p:par>
+                </p:childTnLst>
+              </p:cTn>
+              <p:prevCondLst>
+                <p:cond evt="onPrev" delay="0">
+                  <p:tgtEl>
+                    <p:sldTgt/>
+                  </p:tgtEl>
+                </p:cond>
+              </p:prevCondLst>
+              <p:nextCondLst>
+                <p:cond evt="onNext" delay="0">
+                  <p:tgtEl>
+                    <p:sldTgt/>
+                  </p:tgtEl>
+                </p:cond>
+              </p:nextCondLst>
+            </p:seq>
+          </p:childTnLst>
+        </p:cTn>
+      </p:par>
+    </p:tnLst>
+    <p:bldLst>
+      <p:bldP spid="2" grpId="0"/>
+    </p:bldLst>
+  </p:timing>
+</p:sld>
+</file>
+
+<file path=ppt/slides/slide34.xml><?xml version="1.0" encoding="utf-8"?>
+<p:sld xmlns:a="http://schemas.openxmlformats.org/drawingml/2006/main" xmlns:r="http://schemas.openxmlformats.org/officeDocument/2006/relationships" xmlns:p="http://schemas.openxmlformats.org/presentationml/2006/main">
+  <p:cSld>
+    <p:spTree>
+      <p:nvGrpSpPr>
+        <p:cNvPr id="1" name=""/>
+        <p:cNvGrpSpPr/>
+        <p:nvPr/>
+      </p:nvGrpSpPr>
+      <p:grpSpPr>
+        <a:xfrm>
+          <a:off x="0" y="0"/>
+          <a:ext cx="0" cy="0"/>
+          <a:chOff x="0" y="0"/>
+          <a:chExt cx="0" cy="0"/>
+        </a:xfrm>
+      </p:grpSpPr>
+      <p:sp>
+        <p:nvSpPr>
+          <p:cNvPr id="2" name="標題 1">
+            <a:extLst>
+              <a:ext uri="{FF2B5EF4-FFF2-40B4-BE49-F238E27FC236}">
+                <a16:creationId xmlns:a16="http://schemas.microsoft.com/office/drawing/2014/main" id="{60856E43-3621-4F02-B0E9-EF43423F3E70}"/>
+              </a:ext>
+            </a:extLst>
+          </p:cNvPr>
+          <p:cNvSpPr>
+            <a:spLocks noGrp="1"/>
+          </p:cNvSpPr>
+          <p:nvPr>
+            <p:ph type="title"/>
+          </p:nvPr>
+        </p:nvSpPr>
+        <p:spPr>
+          <a:xfrm>
+            <a:off x="1000979" y="740808"/>
+            <a:ext cx="10419907" cy="5082362"/>
+          </a:xfrm>
+        </p:spPr>
+        <p:txBody>
+          <a:bodyPr>
+            <a:normAutofit/>
+          </a:bodyPr>
+          <a:lstStyle/>
+          <a:p>
+            <a:r>
+              <a:rPr lang="zh-TW" altLang="en-US" sz="9800" dirty="0">
+                <a:latin typeface="微軟正黑體" panose="020B0604030504040204" pitchFamily="34" charset="-120"/>
+              </a:rPr>
+              <a:t>集中可調整變數</a:t>
+            </a:r>
+            <a:br>
+              <a:rPr lang="en-US" altLang="zh-TW" sz="11500" dirty="0">
+                <a:latin typeface="微軟正黑體" panose="020B0604030504040204" pitchFamily="34" charset="-120"/>
+              </a:rPr>
+            </a:br>
+            <a:r>
+              <a:rPr lang="zh-TW" altLang="en-US" sz="8800" dirty="0">
+                <a:solidFill>
+                  <a:srgbClr val="FF0000"/>
+                </a:solidFill>
+                <a:latin typeface="微軟正黑體" panose="020B0604030504040204" pitchFamily="34" charset="-120"/>
+              </a:rPr>
+              <a:t>球密度、方塊密度</a:t>
+            </a:r>
+            <a:endParaRPr lang="zh-TW" altLang="en-US" sz="11500" dirty="0">
+              <a:solidFill>
+                <a:srgbClr val="FF0000"/>
+              </a:solidFill>
+              <a:latin typeface="微軟正黑體" panose="020B0604030504040204" pitchFamily="34" charset="-120"/>
+              <a:ea typeface="微軟正黑體" panose="020B0604030504040204" pitchFamily="34" charset="-120"/>
+            </a:endParaRPr>
+          </a:p>
+        </p:txBody>
+      </p:sp>
+    </p:spTree>
+    <p:extLst>
+      <p:ext uri="{BB962C8B-B14F-4D97-AF65-F5344CB8AC3E}">
+        <p14:creationId xmlns:p14="http://schemas.microsoft.com/office/powerpoint/2010/main" val="3105908102"/>
+      </p:ext>
+    </p:extLst>
+  </p:cSld>
+  <p:clrMapOvr>
+    <a:masterClrMapping/>
+  </p:clrMapOvr>
+  <p:timing>
+    <p:tnLst>
+      <p:par>
+        <p:cTn id="1" dur="indefinite" restart="never" nodeType="tmRoot">
+          <p:childTnLst>
+            <p:seq concurrent="1" nextAc="seek">
+              <p:cTn id="2" dur="indefinite" nodeType="mainSeq">
+                <p:childTnLst>
+                  <p:par>
+                    <p:cTn id="3" fill="hold">
+                      <p:stCondLst>
+                        <p:cond delay="indefinite"/>
+                        <p:cond evt="onBegin" delay="0">
+                          <p:tn val="2"/>
+                        </p:cond>
+                      </p:stCondLst>
+                      <p:childTnLst>
+                        <p:par>
+                          <p:cTn id="4" fill="hold">
+                            <p:stCondLst>
+                              <p:cond delay="0"/>
+                            </p:stCondLst>
+                            <p:childTnLst>
+                              <p:par>
+                                <p:cTn id="5" presetID="22" presetClass="entr" presetSubtype="4" fill="hold" grpId="0" nodeType="afterEffect">
+                                  <p:stCondLst>
+                                    <p:cond delay="0"/>
+                                  </p:stCondLst>
+                                  <p:iterate type="lt">
+                                    <p:tmPct val="100000"/>
+                                  </p:iterate>
+                                  <p:childTnLst>
+                                    <p:set>
+                                      <p:cBhvr>
+                                        <p:cTn id="6" dur="1" fill="hold">
+                                          <p:stCondLst>
+                                            <p:cond delay="0"/>
+                                          </p:stCondLst>
+                                        </p:cTn>
+                                        <p:tgtEl>
+                                          <p:spTgt spid="2"/>
+                                        </p:tgtEl>
+                                        <p:attrNameLst>
+                                          <p:attrName>style.visibility</p:attrName>
+                                        </p:attrNameLst>
+                                      </p:cBhvr>
+                                      <p:to>
+                                        <p:strVal val="visible"/>
+                                      </p:to>
+                                    </p:set>
+                                    <p:animEffect transition="in" filter="wipe(down)">
+                                      <p:cBhvr>
+                                        <p:cTn id="7" dur="250"/>
+                                        <p:tgtEl>
+                                          <p:spTgt spid="2"/>
+                                        </p:tgtEl>
+                                      </p:cBhvr>
+                                    </p:animEffect>
+                                  </p:childTnLst>
+                                </p:cTn>
+                              </p:par>
+                            </p:childTnLst>
+                          </p:cTn>
+                        </p:par>
+                      </p:childTnLst>
+                    </p:cTn>
+                  </p:par>
+                </p:childTnLst>
+              </p:cTn>
+              <p:prevCondLst>
+                <p:cond evt="onPrev" delay="0">
+                  <p:tgtEl>
+                    <p:sldTgt/>
+                  </p:tgtEl>
+                </p:cond>
+              </p:prevCondLst>
+              <p:nextCondLst>
+                <p:cond evt="onNext" delay="0">
+                  <p:tgtEl>
+                    <p:sldTgt/>
+                  </p:tgtEl>
+                </p:cond>
+              </p:nextCondLst>
+            </p:seq>
+          </p:childTnLst>
+        </p:cTn>
+      </p:par>
+    </p:tnLst>
+    <p:bldLst>
+      <p:bldP spid="2" grpId="0"/>
+    </p:bldLst>
+  </p:timing>
+</p:sld>
+</file>
+
+<file path=ppt/slides/slide35.xml><?xml version="1.0" encoding="utf-8"?>
+<p:sld xmlns:a="http://schemas.openxmlformats.org/drawingml/2006/main" xmlns:r="http://schemas.openxmlformats.org/officeDocument/2006/relationships" xmlns:p="http://schemas.openxmlformats.org/presentationml/2006/main">
+  <p:cSld>
+    <p:spTree>
+      <p:nvGrpSpPr>
+        <p:cNvPr id="1" name=""/>
+        <p:cNvGrpSpPr/>
+        <p:nvPr/>
+      </p:nvGrpSpPr>
+      <p:grpSpPr>
+        <a:xfrm>
+          <a:off x="0" y="0"/>
+          <a:ext cx="0" cy="0"/>
+          <a:chOff x="0" y="0"/>
+          <a:chExt cx="0" cy="0"/>
+        </a:xfrm>
+      </p:grpSpPr>
+      <p:sp>
+        <p:nvSpPr>
+          <p:cNvPr id="2" name="標題 1">
+            <a:extLst>
+              <a:ext uri="{FF2B5EF4-FFF2-40B4-BE49-F238E27FC236}">
+                <a16:creationId xmlns:a16="http://schemas.microsoft.com/office/drawing/2014/main" id="{60856E43-3621-4F02-B0E9-EF43423F3E70}"/>
+              </a:ext>
+            </a:extLst>
+          </p:cNvPr>
+          <p:cNvSpPr>
+            <a:spLocks noGrp="1"/>
+          </p:cNvSpPr>
+          <p:nvPr>
+            <p:ph type="title"/>
+          </p:nvPr>
+        </p:nvSpPr>
+        <p:spPr>
+          <a:xfrm>
+            <a:off x="1000979" y="740808"/>
+            <a:ext cx="10419907" cy="5082362"/>
+          </a:xfrm>
+        </p:spPr>
+        <p:txBody>
+          <a:bodyPr>
+            <a:normAutofit fontScale="90000"/>
+          </a:bodyPr>
+          <a:lstStyle/>
+          <a:p>
+            <a:r>
+              <a:rPr lang="zh-TW" altLang="en-US" sz="11500" dirty="0">
+                <a:latin typeface="微軟正黑體" panose="020B0604030504040204" pitchFamily="34" charset="-120"/>
+                <a:ea typeface="微軟正黑體" panose="020B0604030504040204" pitchFamily="34" charset="-120"/>
+              </a:rPr>
+              <a:t>設定密度</a:t>
+            </a:r>
+            <a:br>
+              <a:rPr lang="en-US" altLang="zh-TW" sz="11500" dirty="0">
+                <a:latin typeface="微軟正黑體" panose="020B0604030504040204" pitchFamily="34" charset="-120"/>
+                <a:ea typeface="微軟正黑體" panose="020B0604030504040204" pitchFamily="34" charset="-120"/>
+              </a:rPr>
+            </a:br>
+            <a:r>
+              <a:rPr lang="zh-TW" altLang="en-US" sz="11500" dirty="0">
+                <a:latin typeface="微軟正黑體" panose="020B0604030504040204" pitchFamily="34" charset="-120"/>
+                <a:ea typeface="微軟正黑體" panose="020B0604030504040204" pitchFamily="34" charset="-120"/>
+              </a:rPr>
+              <a:t>球為</a:t>
+            </a:r>
+            <a:r>
+              <a:rPr lang="en-US" altLang="zh-TW" sz="11500" dirty="0">
+                <a:latin typeface="微軟正黑體" panose="020B0604030504040204" pitchFamily="34" charset="-120"/>
+                <a:ea typeface="微軟正黑體" panose="020B0604030504040204" pitchFamily="34" charset="-120"/>
+              </a:rPr>
+              <a:t>1</a:t>
+            </a:r>
+            <a:br>
+              <a:rPr lang="en-US" altLang="zh-TW" sz="11500" dirty="0">
+                <a:latin typeface="微軟正黑體" panose="020B0604030504040204" pitchFamily="34" charset="-120"/>
+                <a:ea typeface="微軟正黑體" panose="020B0604030504040204" pitchFamily="34" charset="-120"/>
+              </a:rPr>
+            </a:br>
+            <a:r>
+              <a:rPr lang="zh-TW" altLang="en-US" sz="11500" dirty="0">
+                <a:solidFill>
+                  <a:schemeClr val="tx1"/>
+                </a:solidFill>
+                <a:latin typeface="微軟正黑體" panose="020B0604030504040204" pitchFamily="34" charset="-120"/>
+                <a:ea typeface="微軟正黑體" panose="020B0604030504040204" pitchFamily="34" charset="-120"/>
+              </a:rPr>
+              <a:t>方塊為</a:t>
+            </a:r>
+            <a:r>
+              <a:rPr lang="en-US" altLang="zh-TW" sz="11500" dirty="0">
+                <a:solidFill>
+                  <a:schemeClr val="tx1"/>
+                </a:solidFill>
+                <a:latin typeface="微軟正黑體" panose="020B0604030504040204" pitchFamily="34" charset="-120"/>
+                <a:ea typeface="微軟正黑體" panose="020B0604030504040204" pitchFamily="34" charset="-120"/>
+              </a:rPr>
+              <a:t>1</a:t>
+            </a:r>
+            <a:endParaRPr lang="zh-TW" altLang="en-US" sz="11500" dirty="0">
+              <a:solidFill>
+                <a:schemeClr val="tx1"/>
+              </a:solidFill>
+              <a:latin typeface="微軟正黑體" panose="020B0604030504040204" pitchFamily="34" charset="-120"/>
+              <a:ea typeface="微軟正黑體" panose="020B0604030504040204" pitchFamily="34" charset="-120"/>
+            </a:endParaRPr>
+          </a:p>
+        </p:txBody>
+      </p:sp>
+    </p:spTree>
+    <p:extLst>
+      <p:ext uri="{BB962C8B-B14F-4D97-AF65-F5344CB8AC3E}">
+        <p14:creationId xmlns:p14="http://schemas.microsoft.com/office/powerpoint/2010/main" val="3281406534"/>
+      </p:ext>
+    </p:extLst>
+  </p:cSld>
+  <p:clrMapOvr>
+    <a:masterClrMapping/>
+  </p:clrMapOvr>
+  <p:timing>
+    <p:tnLst>
+      <p:par>
+        <p:cTn id="1" dur="indefinite" restart="never" nodeType="tmRoot">
+          <p:childTnLst>
+            <p:seq concurrent="1" nextAc="seek">
+              <p:cTn id="2" dur="indefinite" nodeType="mainSeq">
+                <p:childTnLst>
+                  <p:par>
+                    <p:cTn id="3" fill="hold">
+                      <p:stCondLst>
+                        <p:cond delay="indefinite"/>
+                        <p:cond evt="onBegin" delay="0">
+                          <p:tn val="2"/>
+                        </p:cond>
+                      </p:stCondLst>
+                      <p:childTnLst>
+                        <p:par>
+                          <p:cTn id="4" fill="hold">
+                            <p:stCondLst>
+                              <p:cond delay="0"/>
+                            </p:stCondLst>
+                            <p:childTnLst>
+                              <p:par>
+                                <p:cTn id="5" presetID="22" presetClass="entr" presetSubtype="4" fill="hold" grpId="0" nodeType="afterEffect">
+                                  <p:stCondLst>
+                                    <p:cond delay="0"/>
+                                  </p:stCondLst>
+                                  <p:iterate type="lt">
+                                    <p:tmPct val="100000"/>
+                                  </p:iterate>
+                                  <p:childTnLst>
+                                    <p:set>
+                                      <p:cBhvr>
+                                        <p:cTn id="6" dur="1" fill="hold">
+                                          <p:stCondLst>
+                                            <p:cond delay="0"/>
+                                          </p:stCondLst>
+                                        </p:cTn>
+                                        <p:tgtEl>
+                                          <p:spTgt spid="2"/>
+                                        </p:tgtEl>
+                                        <p:attrNameLst>
+                                          <p:attrName>style.visibility</p:attrName>
+                                        </p:attrNameLst>
+                                      </p:cBhvr>
+                                      <p:to>
+                                        <p:strVal val="visible"/>
+                                      </p:to>
+                                    </p:set>
+                                    <p:animEffect transition="in" filter="wipe(down)">
+                                      <p:cBhvr>
+                                        <p:cTn id="7" dur="250"/>
+                                        <p:tgtEl>
+                                          <p:spTgt spid="2"/>
+                                        </p:tgtEl>
+                                      </p:cBhvr>
+                                    </p:animEffect>
+                                  </p:childTnLst>
+                                </p:cTn>
+                              </p:par>
+                            </p:childTnLst>
+                          </p:cTn>
+                        </p:par>
+                      </p:childTnLst>
+                    </p:cTn>
+                  </p:par>
+                </p:childTnLst>
+              </p:cTn>
+              <p:prevCondLst>
+                <p:cond evt="onPrev" delay="0">
+                  <p:tgtEl>
+                    <p:sldTgt/>
+                  </p:tgtEl>
+                </p:cond>
+              </p:prevCondLst>
+              <p:nextCondLst>
+                <p:cond evt="onNext" delay="0">
+                  <p:tgtEl>
+                    <p:sldTgt/>
+                  </p:tgtEl>
+                </p:cond>
+              </p:nextCondLst>
+            </p:seq>
+          </p:childTnLst>
+        </p:cTn>
+      </p:par>
+    </p:tnLst>
+    <p:bldLst>
+      <p:bldP spid="2" grpId="0"/>
+    </p:bldLst>
+  </p:timing>
+</p:sld>
+</file>
+
+<file path=ppt/slides/slide36.xml><?xml version="1.0" encoding="utf-8"?>
+<p:sld xmlns:a="http://schemas.openxmlformats.org/drawingml/2006/main" xmlns:r="http://schemas.openxmlformats.org/officeDocument/2006/relationships" xmlns:p="http://schemas.openxmlformats.org/presentationml/2006/main">
+  <p:cSld>
+    <p:spTree>
+      <p:nvGrpSpPr>
+        <p:cNvPr id="1" name=""/>
+        <p:cNvGrpSpPr/>
+        <p:nvPr/>
+      </p:nvGrpSpPr>
+      <p:grpSpPr>
+        <a:xfrm>
+          <a:off x="0" y="0"/>
+          <a:ext cx="0" cy="0"/>
+          <a:chOff x="0" y="0"/>
+          <a:chExt cx="0" cy="0"/>
+        </a:xfrm>
+      </p:grpSpPr>
+      <p:sp>
+        <p:nvSpPr>
+          <p:cNvPr id="2" name="標題 1">
+            <a:extLst>
+              <a:ext uri="{FF2B5EF4-FFF2-40B4-BE49-F238E27FC236}">
+                <a16:creationId xmlns:a16="http://schemas.microsoft.com/office/drawing/2014/main" id="{60856E43-3621-4F02-B0E9-EF43423F3E70}"/>
+              </a:ext>
+            </a:extLst>
+          </p:cNvPr>
+          <p:cNvSpPr>
+            <a:spLocks noGrp="1"/>
+          </p:cNvSpPr>
+          <p:nvPr>
+            <p:ph type="title"/>
+          </p:nvPr>
+        </p:nvSpPr>
+        <p:spPr>
+          <a:xfrm>
+            <a:off x="1000979" y="740808"/>
+            <a:ext cx="10419907" cy="5082362"/>
+          </a:xfrm>
+        </p:spPr>
+        <p:txBody>
+          <a:bodyPr>
+            <a:normAutofit fontScale="90000"/>
+          </a:bodyPr>
+          <a:lstStyle/>
+          <a:p>
+            <a:r>
+              <a:rPr lang="zh-TW" altLang="en-US" sz="11500" dirty="0">
+                <a:latin typeface="微軟正黑體" panose="020B0604030504040204" pitchFamily="34" charset="-120"/>
+                <a:ea typeface="微軟正黑體" panose="020B0604030504040204" pitchFamily="34" charset="-120"/>
+              </a:rPr>
+              <a:t>設定密度</a:t>
+            </a:r>
+            <a:br>
+              <a:rPr lang="en-US" altLang="zh-TW" sz="11500" dirty="0">
+                <a:latin typeface="微軟正黑體" panose="020B0604030504040204" pitchFamily="34" charset="-120"/>
+                <a:ea typeface="微軟正黑體" panose="020B0604030504040204" pitchFamily="34" charset="-120"/>
+              </a:rPr>
+            </a:br>
+            <a:r>
+              <a:rPr lang="zh-TW" altLang="en-US" sz="11500" dirty="0">
+                <a:latin typeface="微軟正黑體" panose="020B0604030504040204" pitchFamily="34" charset="-120"/>
+                <a:ea typeface="微軟正黑體" panose="020B0604030504040204" pitchFamily="34" charset="-120"/>
+              </a:rPr>
+              <a:t>球為</a:t>
+            </a:r>
+            <a:r>
+              <a:rPr lang="en-US" altLang="zh-TW" sz="11500" dirty="0">
+                <a:latin typeface="微軟正黑體" panose="020B0604030504040204" pitchFamily="34" charset="-120"/>
+                <a:ea typeface="微軟正黑體" panose="020B0604030504040204" pitchFamily="34" charset="-120"/>
+              </a:rPr>
+              <a:t>1</a:t>
+            </a:r>
+            <a:br>
+              <a:rPr lang="en-US" altLang="zh-TW" sz="11500" dirty="0">
+                <a:latin typeface="微軟正黑體" panose="020B0604030504040204" pitchFamily="34" charset="-120"/>
+                <a:ea typeface="微軟正黑體" panose="020B0604030504040204" pitchFamily="34" charset="-120"/>
+              </a:rPr>
+            </a:br>
+            <a:r>
+              <a:rPr lang="zh-TW" altLang="en-US" sz="11500" dirty="0">
+                <a:solidFill>
+                  <a:srgbClr val="FF0000"/>
+                </a:solidFill>
+                <a:latin typeface="微軟正黑體" panose="020B0604030504040204" pitchFamily="34" charset="-120"/>
+                <a:ea typeface="微軟正黑體" panose="020B0604030504040204" pitchFamily="34" charset="-120"/>
+              </a:rPr>
+              <a:t>方塊為</a:t>
+            </a:r>
+            <a:r>
+              <a:rPr lang="en-US" altLang="zh-TW" sz="11500" dirty="0">
+                <a:solidFill>
+                  <a:srgbClr val="FF0000"/>
+                </a:solidFill>
+                <a:latin typeface="微軟正黑體" panose="020B0604030504040204" pitchFamily="34" charset="-120"/>
+                <a:ea typeface="微軟正黑體" panose="020B0604030504040204" pitchFamily="34" charset="-120"/>
+              </a:rPr>
+              <a:t>10</a:t>
+            </a:r>
+            <a:endParaRPr lang="zh-TW" altLang="en-US" sz="11500" dirty="0">
+              <a:solidFill>
+                <a:srgbClr val="FF0000"/>
+              </a:solidFill>
+              <a:latin typeface="微軟正黑體" panose="020B0604030504040204" pitchFamily="34" charset="-120"/>
+              <a:ea typeface="微軟正黑體" panose="020B0604030504040204" pitchFamily="34" charset="-120"/>
+            </a:endParaRPr>
+          </a:p>
+        </p:txBody>
+      </p:sp>
+    </p:spTree>
+    <p:extLst>
+      <p:ext uri="{BB962C8B-B14F-4D97-AF65-F5344CB8AC3E}">
+        <p14:creationId xmlns:p14="http://schemas.microsoft.com/office/powerpoint/2010/main" val="2618732187"/>
+      </p:ext>
+    </p:extLst>
+  </p:cSld>
+  <p:clrMapOvr>
+    <a:masterClrMapping/>
+  </p:clrMapOvr>
+  <p:timing>
+    <p:tnLst>
+      <p:par>
+        <p:cTn id="1" dur="indefinite" restart="never" nodeType="tmRoot">
+          <p:childTnLst>
+            <p:seq concurrent="1" nextAc="seek">
+              <p:cTn id="2" dur="indefinite" nodeType="mainSeq">
+                <p:childTnLst>
+                  <p:par>
+                    <p:cTn id="3" fill="hold">
+                      <p:stCondLst>
+                        <p:cond delay="indefinite"/>
+                        <p:cond evt="onBegin" delay="0">
+                          <p:tn val="2"/>
+                        </p:cond>
+                      </p:stCondLst>
+                      <p:childTnLst>
+                        <p:par>
+                          <p:cTn id="4" fill="hold">
+                            <p:stCondLst>
+                              <p:cond delay="0"/>
+                            </p:stCondLst>
+                            <p:childTnLst>
+                              <p:par>
+                                <p:cTn id="5" presetID="22" presetClass="entr" presetSubtype="4" fill="hold" grpId="0" nodeType="afterEffect">
+                                  <p:stCondLst>
+                                    <p:cond delay="0"/>
+                                  </p:stCondLst>
+                                  <p:iterate type="lt">
+                                    <p:tmPct val="100000"/>
+                                  </p:iterate>
+                                  <p:childTnLst>
+                                    <p:set>
+                                      <p:cBhvr>
+                                        <p:cTn id="6" dur="1" fill="hold">
+                                          <p:stCondLst>
+                                            <p:cond delay="0"/>
+                                          </p:stCondLst>
+                                        </p:cTn>
+                                        <p:tgtEl>
+                                          <p:spTgt spid="2"/>
+                                        </p:tgtEl>
+                                        <p:attrNameLst>
+                                          <p:attrName>style.visibility</p:attrName>
+                                        </p:attrNameLst>
+                                      </p:cBhvr>
+                                      <p:to>
+                                        <p:strVal val="visible"/>
+                                      </p:to>
+                                    </p:set>
+                                    <p:animEffect transition="in" filter="wipe(down)">
+                                      <p:cBhvr>
+                                        <p:cTn id="7" dur="250"/>
+                                        <p:tgtEl>
+                                          <p:spTgt spid="2"/>
+                                        </p:tgtEl>
+                                      </p:cBhvr>
+                                    </p:animEffect>
+                                  </p:childTnLst>
+                                </p:cTn>
+                              </p:par>
+                            </p:childTnLst>
+                          </p:cTn>
+                        </p:par>
+                      </p:childTnLst>
+                    </p:cTn>
+                  </p:par>
+                </p:childTnLst>
+              </p:cTn>
+              <p:prevCondLst>
+                <p:cond evt="onPrev" delay="0">
+                  <p:tgtEl>
+                    <p:sldTgt/>
+                  </p:tgtEl>
+                </p:cond>
+              </p:prevCondLst>
+              <p:nextCondLst>
+                <p:cond evt="onNext" delay="0">
+                  <p:tgtEl>
+                    <p:sldTgt/>
+                  </p:tgtEl>
+                </p:cond>
+              </p:nextCondLst>
+            </p:seq>
+          </p:childTnLst>
+        </p:cTn>
+      </p:par>
+    </p:tnLst>
+    <p:bldLst>
+      <p:bldP spid="2" grpId="0"/>
+    </p:bldLst>
+  </p:timing>
+</p:sld>
+</file>
+
+<file path=ppt/slides/slide37.xml><?xml version="1.0" encoding="utf-8"?>
+<p:sld xmlns:a="http://schemas.openxmlformats.org/drawingml/2006/main" xmlns:r="http://schemas.openxmlformats.org/officeDocument/2006/relationships" xmlns:p="http://schemas.openxmlformats.org/presentationml/2006/main">
+  <p:cSld>
+    <p:spTree>
+      <p:nvGrpSpPr>
+        <p:cNvPr id="1" name=""/>
+        <p:cNvGrpSpPr/>
+        <p:nvPr/>
+      </p:nvGrpSpPr>
+      <p:grpSpPr>
+        <a:xfrm>
+          <a:off x="0" y="0"/>
+          <a:ext cx="0" cy="0"/>
+          <a:chOff x="0" y="0"/>
+          <a:chExt cx="0" cy="0"/>
+        </a:xfrm>
+      </p:grpSpPr>
+      <p:sp>
+        <p:nvSpPr>
+          <p:cNvPr id="2" name="標題 1">
+            <a:extLst>
+              <a:ext uri="{FF2B5EF4-FFF2-40B4-BE49-F238E27FC236}">
+                <a16:creationId xmlns:a16="http://schemas.microsoft.com/office/drawing/2014/main" id="{60856E43-3621-4F02-B0E9-EF43423F3E70}"/>
+              </a:ext>
+            </a:extLst>
+          </p:cNvPr>
+          <p:cNvSpPr>
+            <a:spLocks noGrp="1"/>
+          </p:cNvSpPr>
+          <p:nvPr>
+            <p:ph type="title"/>
+          </p:nvPr>
+        </p:nvSpPr>
+        <p:spPr>
+          <a:xfrm>
+            <a:off x="1000979" y="740808"/>
+            <a:ext cx="10419907" cy="5082362"/>
+          </a:xfrm>
+        </p:spPr>
+        <p:txBody>
+          <a:bodyPr>
+            <a:normAutofit fontScale="90000"/>
+          </a:bodyPr>
+          <a:lstStyle/>
+          <a:p>
+            <a:r>
+              <a:rPr lang="zh-TW" altLang="en-US" sz="11500" dirty="0">
+                <a:latin typeface="微軟正黑體" panose="020B0604030504040204" pitchFamily="34" charset="-120"/>
+                <a:ea typeface="微軟正黑體" panose="020B0604030504040204" pitchFamily="34" charset="-120"/>
+              </a:rPr>
+              <a:t>設定密度</a:t>
+            </a:r>
+            <a:br>
+              <a:rPr lang="en-US" altLang="zh-TW" sz="11500" dirty="0">
+                <a:latin typeface="微軟正黑體" panose="020B0604030504040204" pitchFamily="34" charset="-120"/>
+                <a:ea typeface="微軟正黑體" panose="020B0604030504040204" pitchFamily="34" charset="-120"/>
+              </a:rPr>
+            </a:br>
+            <a:r>
+              <a:rPr lang="zh-TW" altLang="en-US" sz="11500" dirty="0">
+                <a:latin typeface="微軟正黑體" panose="020B0604030504040204" pitchFamily="34" charset="-120"/>
+                <a:ea typeface="微軟正黑體" panose="020B0604030504040204" pitchFamily="34" charset="-120"/>
+              </a:rPr>
+              <a:t>球為</a:t>
+            </a:r>
+            <a:r>
+              <a:rPr lang="en-US" altLang="zh-TW" sz="11500" dirty="0">
+                <a:solidFill>
+                  <a:srgbClr val="FF0000"/>
+                </a:solidFill>
+                <a:latin typeface="微軟正黑體" panose="020B0604030504040204" pitchFamily="34" charset="-120"/>
+                <a:ea typeface="微軟正黑體" panose="020B0604030504040204" pitchFamily="34" charset="-120"/>
+              </a:rPr>
+              <a:t>10</a:t>
+            </a:r>
+            <a:br>
+              <a:rPr lang="en-US" altLang="zh-TW" sz="11500" dirty="0">
+                <a:latin typeface="微軟正黑體" panose="020B0604030504040204" pitchFamily="34" charset="-120"/>
+                <a:ea typeface="微軟正黑體" panose="020B0604030504040204" pitchFamily="34" charset="-120"/>
+              </a:rPr>
+            </a:br>
+            <a:r>
+              <a:rPr lang="zh-TW" altLang="en-US" sz="11500" dirty="0">
+                <a:latin typeface="微軟正黑體" panose="020B0604030504040204" pitchFamily="34" charset="-120"/>
+                <a:ea typeface="微軟正黑體" panose="020B0604030504040204" pitchFamily="34" charset="-120"/>
+              </a:rPr>
+              <a:t>方塊為</a:t>
+            </a:r>
+            <a:r>
+              <a:rPr lang="en-US" altLang="zh-TW" sz="11500" dirty="0">
+                <a:latin typeface="微軟正黑體" panose="020B0604030504040204" pitchFamily="34" charset="-120"/>
+                <a:ea typeface="微軟正黑體" panose="020B0604030504040204" pitchFamily="34" charset="-120"/>
+              </a:rPr>
+              <a:t>1</a:t>
+            </a:r>
+            <a:endParaRPr lang="zh-TW" altLang="en-US" sz="11500" dirty="0">
+              <a:latin typeface="微軟正黑體" panose="020B0604030504040204" pitchFamily="34" charset="-120"/>
+              <a:ea typeface="微軟正黑體" panose="020B0604030504040204" pitchFamily="34" charset="-120"/>
+            </a:endParaRPr>
+          </a:p>
+        </p:txBody>
+      </p:sp>
+    </p:spTree>
+    <p:extLst>
+      <p:ext uri="{BB962C8B-B14F-4D97-AF65-F5344CB8AC3E}">
+        <p14:creationId xmlns:p14="http://schemas.microsoft.com/office/powerpoint/2010/main" val="2138702637"/>
+      </p:ext>
+    </p:extLst>
+  </p:cSld>
+  <p:clrMapOvr>
+    <a:masterClrMapping/>
+  </p:clrMapOvr>
+  <p:timing>
+    <p:tnLst>
+      <p:par>
+        <p:cTn id="1" dur="indefinite" restart="never" nodeType="tmRoot">
+          <p:childTnLst>
+            <p:seq concurrent="1" nextAc="seek">
+              <p:cTn id="2" dur="indefinite" nodeType="mainSeq">
+                <p:childTnLst>
+                  <p:par>
+                    <p:cTn id="3" fill="hold">
+                      <p:stCondLst>
+                        <p:cond delay="indefinite"/>
+                        <p:cond evt="onBegin" delay="0">
+                          <p:tn val="2"/>
+                        </p:cond>
+                      </p:stCondLst>
+                      <p:childTnLst>
+                        <p:par>
+                          <p:cTn id="4" fill="hold">
+                            <p:stCondLst>
+                              <p:cond delay="0"/>
+                            </p:stCondLst>
+                            <p:childTnLst>
+                              <p:par>
+                                <p:cTn id="5" presetID="22" presetClass="entr" presetSubtype="4" fill="hold" grpId="0" nodeType="afterEffect">
+                                  <p:stCondLst>
+                                    <p:cond delay="0"/>
+                                  </p:stCondLst>
+                                  <p:iterate type="lt">
+                                    <p:tmPct val="100000"/>
+                                  </p:iterate>
+                                  <p:childTnLst>
+                                    <p:set>
+                                      <p:cBhvr>
+                                        <p:cTn id="6" dur="1" fill="hold">
+                                          <p:stCondLst>
+                                            <p:cond delay="0"/>
+                                          </p:stCondLst>
+                                        </p:cTn>
+                                        <p:tgtEl>
+                                          <p:spTgt spid="2"/>
+                                        </p:tgtEl>
+                                        <p:attrNameLst>
+                                          <p:attrName>style.visibility</p:attrName>
+                                        </p:attrNameLst>
+                                      </p:cBhvr>
+                                      <p:to>
+                                        <p:strVal val="visible"/>
+                                      </p:to>
+                                    </p:set>
+                                    <p:animEffect transition="in" filter="wipe(down)">
+                                      <p:cBhvr>
+                                        <p:cTn id="7" dur="250"/>
+                                        <p:tgtEl>
+                                          <p:spTgt spid="2"/>
+                                        </p:tgtEl>
+                                      </p:cBhvr>
+                                    </p:animEffect>
+                                  </p:childTnLst>
+                                </p:cTn>
+                              </p:par>
+                            </p:childTnLst>
+                          </p:cTn>
+                        </p:par>
+                      </p:childTnLst>
+                    </p:cTn>
+                  </p:par>
+                </p:childTnLst>
+              </p:cTn>
+              <p:prevCondLst>
+                <p:cond evt="onPrev" delay="0">
+                  <p:tgtEl>
+                    <p:sldTgt/>
+                  </p:tgtEl>
+                </p:cond>
+              </p:prevCondLst>
+              <p:nextCondLst>
+                <p:cond evt="onNext" delay="0">
+                  <p:tgtEl>
+                    <p:sldTgt/>
+                  </p:tgtEl>
+                </p:cond>
+              </p:nextCondLst>
+            </p:seq>
+          </p:childTnLst>
+        </p:cTn>
+      </p:par>
+    </p:tnLst>
+    <p:bldLst>
+      <p:bldP spid="2" grpId="0"/>
+    </p:bldLst>
+  </p:timing>
+</p:sld>
+</file>
+
+<file path=ppt/slides/slide38.xml><?xml version="1.0" encoding="utf-8"?>
+<p:sld xmlns:a="http://schemas.openxmlformats.org/drawingml/2006/main" xmlns:r="http://schemas.openxmlformats.org/officeDocument/2006/relationships" xmlns:p="http://schemas.openxmlformats.org/presentationml/2006/main">
+  <p:cSld>
+    <p:spTree>
+      <p:nvGrpSpPr>
+        <p:cNvPr id="1" name=""/>
+        <p:cNvGrpSpPr/>
+        <p:nvPr/>
+      </p:nvGrpSpPr>
+      <p:grpSpPr>
+        <a:xfrm>
+          <a:off x="0" y="0"/>
+          <a:ext cx="0" cy="0"/>
+          <a:chOff x="0" y="0"/>
+          <a:chExt cx="0" cy="0"/>
+        </a:xfrm>
+      </p:grpSpPr>
+      <p:sp>
+        <p:nvSpPr>
+          <p:cNvPr id="2" name="標題 1">
+            <a:extLst>
+              <a:ext uri="{FF2B5EF4-FFF2-40B4-BE49-F238E27FC236}">
+                <a16:creationId xmlns:a16="http://schemas.microsoft.com/office/drawing/2014/main" id="{60856E43-3621-4F02-B0E9-EF43423F3E70}"/>
+              </a:ext>
+            </a:extLst>
+          </p:cNvPr>
+          <p:cNvSpPr>
+            <a:spLocks noGrp="1"/>
+          </p:cNvSpPr>
+          <p:nvPr>
+            <p:ph type="title"/>
+          </p:nvPr>
+        </p:nvSpPr>
+        <p:spPr>
+          <a:xfrm>
+            <a:off x="1000979" y="740808"/>
+            <a:ext cx="10419907" cy="5082362"/>
+          </a:xfrm>
+        </p:spPr>
+        <p:txBody>
+          <a:bodyPr>
+            <a:normAutofit fontScale="90000"/>
+          </a:bodyPr>
+          <a:lstStyle/>
+          <a:p>
+            <a:r>
+              <a:rPr lang="zh-TW" altLang="en-US" sz="11500" dirty="0">
+                <a:latin typeface="微軟正黑體" panose="020B0604030504040204" pitchFamily="34" charset="-120"/>
+                <a:ea typeface="微軟正黑體" panose="020B0604030504040204" pitchFamily="34" charset="-120"/>
+              </a:rPr>
+              <a:t>設定密度</a:t>
+            </a:r>
+            <a:br>
+              <a:rPr lang="en-US" altLang="zh-TW" sz="11500" dirty="0">
+                <a:latin typeface="微軟正黑體" panose="020B0604030504040204" pitchFamily="34" charset="-120"/>
+                <a:ea typeface="微軟正黑體" panose="020B0604030504040204" pitchFamily="34" charset="-120"/>
+              </a:rPr>
+            </a:br>
+            <a:r>
+              <a:rPr lang="zh-TW" altLang="en-US" sz="11500" dirty="0">
+                <a:latin typeface="微軟正黑體" panose="020B0604030504040204" pitchFamily="34" charset="-120"/>
+                <a:ea typeface="微軟正黑體" panose="020B0604030504040204" pitchFamily="34" charset="-120"/>
+              </a:rPr>
+              <a:t>球為</a:t>
+            </a:r>
+            <a:r>
+              <a:rPr lang="en-US" altLang="zh-TW" sz="11500" dirty="0">
+                <a:solidFill>
+                  <a:srgbClr val="FF0000"/>
+                </a:solidFill>
+                <a:latin typeface="微軟正黑體" panose="020B0604030504040204" pitchFamily="34" charset="-120"/>
+                <a:ea typeface="微軟正黑體" panose="020B0604030504040204" pitchFamily="34" charset="-120"/>
+              </a:rPr>
+              <a:t>100</a:t>
+            </a:r>
+            <a:br>
+              <a:rPr lang="en-US" altLang="zh-TW" sz="11500" dirty="0">
+                <a:latin typeface="微軟正黑體" panose="020B0604030504040204" pitchFamily="34" charset="-120"/>
+                <a:ea typeface="微軟正黑體" panose="020B0604030504040204" pitchFamily="34" charset="-120"/>
+              </a:rPr>
+            </a:br>
+            <a:r>
+              <a:rPr lang="zh-TW" altLang="en-US" sz="11500" dirty="0">
+                <a:latin typeface="微軟正黑體" panose="020B0604030504040204" pitchFamily="34" charset="-120"/>
+                <a:ea typeface="微軟正黑體" panose="020B0604030504040204" pitchFamily="34" charset="-120"/>
+              </a:rPr>
+              <a:t>方塊為</a:t>
+            </a:r>
+            <a:r>
+              <a:rPr lang="en-US" altLang="zh-TW" sz="11500" dirty="0">
+                <a:latin typeface="微軟正黑體" panose="020B0604030504040204" pitchFamily="34" charset="-120"/>
+                <a:ea typeface="微軟正黑體" panose="020B0604030504040204" pitchFamily="34" charset="-120"/>
+              </a:rPr>
+              <a:t>1</a:t>
+            </a:r>
+            <a:endParaRPr lang="zh-TW" altLang="en-US" sz="11500" dirty="0">
+              <a:latin typeface="微軟正黑體" panose="020B0604030504040204" pitchFamily="34" charset="-120"/>
+              <a:ea typeface="微軟正黑體" panose="020B0604030504040204" pitchFamily="34" charset="-120"/>
+            </a:endParaRPr>
+          </a:p>
+        </p:txBody>
+      </p:sp>
+    </p:spTree>
+    <p:extLst>
+      <p:ext uri="{BB962C8B-B14F-4D97-AF65-F5344CB8AC3E}">
+        <p14:creationId xmlns:p14="http://schemas.microsoft.com/office/powerpoint/2010/main" val="3755669999"/>
+      </p:ext>
+    </p:extLst>
+  </p:cSld>
+  <p:clrMapOvr>
+    <a:masterClrMapping/>
+  </p:clrMapOvr>
+  <p:timing>
+    <p:tnLst>
+      <p:par>
+        <p:cTn id="1" dur="indefinite" restart="never" nodeType="tmRoot">
+          <p:childTnLst>
+            <p:seq concurrent="1" nextAc="seek">
+              <p:cTn id="2" dur="indefinite" nodeType="mainSeq">
+                <p:childTnLst>
+                  <p:par>
+                    <p:cTn id="3" fill="hold">
+                      <p:stCondLst>
+                        <p:cond delay="indefinite"/>
+                        <p:cond evt="onBegin" delay="0">
+                          <p:tn val="2"/>
+                        </p:cond>
+                      </p:stCondLst>
+                      <p:childTnLst>
+                        <p:par>
+                          <p:cTn id="4" fill="hold">
+                            <p:stCondLst>
+                              <p:cond delay="0"/>
+                            </p:stCondLst>
+                            <p:childTnLst>
+                              <p:par>
+                                <p:cTn id="5" presetID="22" presetClass="entr" presetSubtype="4" fill="hold" grpId="0" nodeType="afterEffect">
+                                  <p:stCondLst>
+                                    <p:cond delay="0"/>
+                                  </p:stCondLst>
+                                  <p:iterate type="lt">
+                                    <p:tmPct val="100000"/>
+                                  </p:iterate>
+                                  <p:childTnLst>
+                                    <p:set>
+                                      <p:cBhvr>
+                                        <p:cTn id="6" dur="1" fill="hold">
+                                          <p:stCondLst>
+                                            <p:cond delay="0"/>
+                                          </p:stCondLst>
+                                        </p:cTn>
+                                        <p:tgtEl>
+                                          <p:spTgt spid="2"/>
+                                        </p:tgtEl>
+                                        <p:attrNameLst>
+                                          <p:attrName>style.visibility</p:attrName>
+                                        </p:attrNameLst>
+                                      </p:cBhvr>
+                                      <p:to>
+                                        <p:strVal val="visible"/>
+                                      </p:to>
+                                    </p:set>
+                                    <p:animEffect transition="in" filter="wipe(down)">
+                                      <p:cBhvr>
+                                        <p:cTn id="7" dur="250"/>
+                                        <p:tgtEl>
+                                          <p:spTgt spid="2"/>
+                                        </p:tgtEl>
+                                      </p:cBhvr>
+                                    </p:animEffect>
+                                  </p:childTnLst>
+                                </p:cTn>
+                              </p:par>
+                            </p:childTnLst>
+                          </p:cTn>
+                        </p:par>
+                      </p:childTnLst>
+                    </p:cTn>
+                  </p:par>
+                </p:childTnLst>
+              </p:cTn>
+              <p:prevCondLst>
+                <p:cond evt="onPrev" delay="0">
+                  <p:tgtEl>
+                    <p:sldTgt/>
+                  </p:tgtEl>
+                </p:cond>
+              </p:prevCondLst>
+              <p:nextCondLst>
+                <p:cond evt="onNext" delay="0">
+                  <p:tgtEl>
+                    <p:sldTgt/>
+                  </p:tgtEl>
+                </p:cond>
+              </p:nextCondLst>
+            </p:seq>
+          </p:childTnLst>
+        </p:cTn>
+      </p:par>
+    </p:tnLst>
+    <p:bldLst>
+      <p:bldP spid="2" grpId="0"/>
+    </p:bldLst>
+  </p:timing>
+</p:sld>
+</file>
+
+<file path=ppt/slides/slide39.xml><?xml version="1.0" encoding="utf-8"?>
+<p:sld xmlns:a="http://schemas.openxmlformats.org/drawingml/2006/main" xmlns:r="http://schemas.openxmlformats.org/officeDocument/2006/relationships" xmlns:p="http://schemas.openxmlformats.org/presentationml/2006/main">
+  <p:cSld>
+    <p:spTree>
+      <p:nvGrpSpPr>
+        <p:cNvPr id="1" name=""/>
+        <p:cNvGrpSpPr/>
+        <p:nvPr/>
+      </p:nvGrpSpPr>
+      <p:grpSpPr>
+        <a:xfrm>
+          <a:off x="0" y="0"/>
+          <a:ext cx="0" cy="0"/>
+          <a:chOff x="0" y="0"/>
+          <a:chExt cx="0" cy="0"/>
+        </a:xfrm>
+      </p:grpSpPr>
+      <p:sp>
+        <p:nvSpPr>
+          <p:cNvPr id="2" name="標題 1">
+            <a:extLst>
+              <a:ext uri="{FF2B5EF4-FFF2-40B4-BE49-F238E27FC236}">
+                <a16:creationId xmlns:a16="http://schemas.microsoft.com/office/drawing/2014/main" id="{E39515FA-8C05-415A-9171-15D6B608FF2D}"/>
+              </a:ext>
+            </a:extLst>
+          </p:cNvPr>
+          <p:cNvSpPr>
+            <a:spLocks noGrp="1"/>
+          </p:cNvSpPr>
+          <p:nvPr>
+            <p:ph type="ctrTitle"/>
+          </p:nvPr>
+        </p:nvSpPr>
+        <p:spPr>
+          <a:xfrm>
+            <a:off x="2688165" y="1987840"/>
+            <a:ext cx="6815669" cy="1515533"/>
+          </a:xfrm>
+        </p:spPr>
+        <p:txBody>
+          <a:bodyPr/>
+          <a:lstStyle/>
+          <a:p>
+            <a:r>
+              <a:rPr lang="en-US" altLang="zh-TW" sz="9600" dirty="0">
+                <a:latin typeface="Berlin Sans FB" panose="020E0602020502020306" pitchFamily="34" charset="0"/>
+                <a:ea typeface="微軟正黑體 Light" panose="020B0304030504040204" pitchFamily="34" charset="-120"/>
+              </a:rPr>
+              <a:t>Part 8</a:t>
+            </a:r>
+            <a:endParaRPr lang="zh-TW" altLang="en-US" sz="9600" dirty="0">
+              <a:latin typeface="Berlin Sans FB" panose="020E0602020502020306" pitchFamily="34" charset="0"/>
+              <a:ea typeface="微軟正黑體 Light" panose="020B0304030504040204" pitchFamily="34" charset="-120"/>
+            </a:endParaRPr>
+          </a:p>
+        </p:txBody>
+      </p:sp>
+      <p:sp>
+        <p:nvSpPr>
+          <p:cNvPr id="4" name="標題 1">
+            <a:extLst>
+              <a:ext uri="{FF2B5EF4-FFF2-40B4-BE49-F238E27FC236}">
+                <a16:creationId xmlns:a16="http://schemas.microsoft.com/office/drawing/2014/main" id="{9EADEA97-424F-499B-A6C4-A6DCEE800E72}"/>
+              </a:ext>
+            </a:extLst>
+          </p:cNvPr>
+          <p:cNvSpPr txBox="1">
+            <a:spLocks/>
+          </p:cNvSpPr>
+          <p:nvPr/>
+        </p:nvSpPr>
+        <p:spPr>
+          <a:xfrm>
+            <a:off x="2688165" y="3503373"/>
+            <a:ext cx="6815669" cy="1515533"/>
+          </a:xfrm>
+          <a:prstGeom prst="rect">
+            <a:avLst/>
+          </a:prstGeom>
+          <a:effectLst/>
+        </p:spPr>
+        <p:txBody>
+          <a:bodyPr vert="horz" lIns="91440" tIns="45720" rIns="91440" bIns="45720" rtlCol="0" anchor="b">
+            <a:noAutofit/>
+          </a:bodyPr>
+          <a:lstStyle>
+            <a:lvl1pPr algn="ctr" defTabSz="457200" rtl="0" eaLnBrk="1" latinLnBrk="0" hangingPunct="1">
+              <a:spcBef>
+                <a:spcPct val="0"/>
+              </a:spcBef>
+              <a:buNone/>
+              <a:defRPr sz="5400" kern="1200" cap="none">
+                <a:ln w="3175" cmpd="sng">
+                  <a:noFill/>
+                </a:ln>
+                <a:solidFill>
+                  <a:schemeClr val="tx1">
+                    <a:lumMod val="85000"/>
+                    <a:lumOff val="15000"/>
+                  </a:schemeClr>
+                </a:solidFill>
+                <a:effectLst/>
+                <a:latin typeface="+mj-lt"/>
+                <a:ea typeface="+mj-ea"/>
+                <a:cs typeface="+mj-cs"/>
+              </a:defRPr>
+            </a:lvl1pPr>
+            <a:lvl2pPr eaLnBrk="1" hangingPunct="1">
+              <a:defRPr>
+                <a:solidFill>
+                  <a:schemeClr val="tx2"/>
+                </a:solidFill>
+              </a:defRPr>
+            </a:lvl2pPr>
+            <a:lvl3pPr eaLnBrk="1" hangingPunct="1">
+              <a:defRPr>
+                <a:solidFill>
+                  <a:schemeClr val="tx2"/>
+                </a:solidFill>
+              </a:defRPr>
+            </a:lvl3pPr>
+            <a:lvl4pPr eaLnBrk="1" hangingPunct="1">
+              <a:defRPr>
+                <a:solidFill>
+                  <a:schemeClr val="tx2"/>
+                </a:solidFill>
+              </a:defRPr>
+            </a:lvl4pPr>
+            <a:lvl5pPr eaLnBrk="1" hangingPunct="1">
+              <a:defRPr>
+                <a:solidFill>
+                  <a:schemeClr val="tx2"/>
+                </a:solidFill>
+              </a:defRPr>
+            </a:lvl5pPr>
+            <a:lvl6pPr eaLnBrk="1" hangingPunct="1">
+              <a:defRPr>
+                <a:solidFill>
+                  <a:schemeClr val="tx2"/>
+                </a:solidFill>
+              </a:defRPr>
+            </a:lvl6pPr>
+            <a:lvl7pPr eaLnBrk="1" hangingPunct="1">
+              <a:defRPr>
+                <a:solidFill>
+                  <a:schemeClr val="tx2"/>
+                </a:solidFill>
+              </a:defRPr>
+            </a:lvl7pPr>
+            <a:lvl8pPr eaLnBrk="1" hangingPunct="1">
+              <a:defRPr>
+                <a:solidFill>
+                  <a:schemeClr val="tx2"/>
+                </a:solidFill>
+              </a:defRPr>
+            </a:lvl8pPr>
+            <a:lvl9pPr eaLnBrk="1" hangingPunct="1">
+              <a:defRPr>
+                <a:solidFill>
+                  <a:schemeClr val="tx2"/>
+                </a:solidFill>
+              </a:defRPr>
+            </a:lvl9pPr>
+          </a:lstStyle>
+          <a:p>
+            <a:r>
+              <a:rPr lang="zh-TW" altLang="en-US" sz="9600" dirty="0"/>
+              <a:t>慢動作</a:t>
+            </a:r>
+          </a:p>
+        </p:txBody>
+      </p:sp>
+    </p:spTree>
+    <p:extLst>
+      <p:ext uri="{BB962C8B-B14F-4D97-AF65-F5344CB8AC3E}">
+        <p14:creationId xmlns:p14="http://schemas.microsoft.com/office/powerpoint/2010/main" val="2684617397"/>
+      </p:ext>
+    </p:extLst>
+  </p:cSld>
+  <p:clrMapOvr>
+    <a:masterClrMapping/>
+  </p:clrMapOvr>
+</p:sld>
+</file>
+
 <file path=ppt/slides/slide4.xml><?xml version="1.0" encoding="utf-8"?>
 <p:sld xmlns:a="http://schemas.openxmlformats.org/drawingml/2006/main" xmlns:r="http://schemas.openxmlformats.org/officeDocument/2006/relationships" xmlns:p="http://schemas.openxmlformats.org/presentationml/2006/main">
   <p:cSld>
@@ -10828,6 +12560,722 @@
     <p:extLst>
       <p:ext uri="{BB962C8B-B14F-4D97-AF65-F5344CB8AC3E}">
         <p14:creationId xmlns:p14="http://schemas.microsoft.com/office/powerpoint/2010/main" val="3314694213"/>
+      </p:ext>
+    </p:extLst>
+  </p:cSld>
+  <p:clrMapOvr>
+    <a:masterClrMapping/>
+  </p:clrMapOvr>
+  <p:timing>
+    <p:tnLst>
+      <p:par>
+        <p:cTn id="1" dur="indefinite" restart="never" nodeType="tmRoot">
+          <p:childTnLst>
+            <p:seq concurrent="1" nextAc="seek">
+              <p:cTn id="2" dur="indefinite" nodeType="mainSeq">
+                <p:childTnLst>
+                  <p:par>
+                    <p:cTn id="3" fill="hold">
+                      <p:stCondLst>
+                        <p:cond delay="indefinite"/>
+                        <p:cond evt="onBegin" delay="0">
+                          <p:tn val="2"/>
+                        </p:cond>
+                      </p:stCondLst>
+                      <p:childTnLst>
+                        <p:par>
+                          <p:cTn id="4" fill="hold">
+                            <p:stCondLst>
+                              <p:cond delay="0"/>
+                            </p:stCondLst>
+                            <p:childTnLst>
+                              <p:par>
+                                <p:cTn id="5" presetID="22" presetClass="entr" presetSubtype="4" fill="hold" grpId="0" nodeType="afterEffect">
+                                  <p:stCondLst>
+                                    <p:cond delay="0"/>
+                                  </p:stCondLst>
+                                  <p:iterate type="lt">
+                                    <p:tmPct val="100000"/>
+                                  </p:iterate>
+                                  <p:childTnLst>
+                                    <p:set>
+                                      <p:cBhvr>
+                                        <p:cTn id="6" dur="1" fill="hold">
+                                          <p:stCondLst>
+                                            <p:cond delay="0"/>
+                                          </p:stCondLst>
+                                        </p:cTn>
+                                        <p:tgtEl>
+                                          <p:spTgt spid="2"/>
+                                        </p:tgtEl>
+                                        <p:attrNameLst>
+                                          <p:attrName>style.visibility</p:attrName>
+                                        </p:attrNameLst>
+                                      </p:cBhvr>
+                                      <p:to>
+                                        <p:strVal val="visible"/>
+                                      </p:to>
+                                    </p:set>
+                                    <p:animEffect transition="in" filter="wipe(down)">
+                                      <p:cBhvr>
+                                        <p:cTn id="7" dur="250"/>
+                                        <p:tgtEl>
+                                          <p:spTgt spid="2"/>
+                                        </p:tgtEl>
+                                      </p:cBhvr>
+                                    </p:animEffect>
+                                  </p:childTnLst>
+                                </p:cTn>
+                              </p:par>
+                            </p:childTnLst>
+                          </p:cTn>
+                        </p:par>
+                      </p:childTnLst>
+                    </p:cTn>
+                  </p:par>
+                </p:childTnLst>
+              </p:cTn>
+              <p:prevCondLst>
+                <p:cond evt="onPrev" delay="0">
+                  <p:tgtEl>
+                    <p:sldTgt/>
+                  </p:tgtEl>
+                </p:cond>
+              </p:prevCondLst>
+              <p:nextCondLst>
+                <p:cond evt="onNext" delay="0">
+                  <p:tgtEl>
+                    <p:sldTgt/>
+                  </p:tgtEl>
+                </p:cond>
+              </p:nextCondLst>
+            </p:seq>
+          </p:childTnLst>
+        </p:cTn>
+      </p:par>
+    </p:tnLst>
+    <p:bldLst>
+      <p:bldP spid="2" grpId="0"/>
+    </p:bldLst>
+  </p:timing>
+</p:sld>
+</file>
+
+<file path=ppt/slides/slide40.xml><?xml version="1.0" encoding="utf-8"?>
+<p:sld xmlns:a="http://schemas.openxmlformats.org/drawingml/2006/main" xmlns:r="http://schemas.openxmlformats.org/officeDocument/2006/relationships" xmlns:p="http://schemas.openxmlformats.org/presentationml/2006/main">
+  <p:cSld>
+    <p:spTree>
+      <p:nvGrpSpPr>
+        <p:cNvPr id="1" name=""/>
+        <p:cNvGrpSpPr/>
+        <p:nvPr/>
+      </p:nvGrpSpPr>
+      <p:grpSpPr>
+        <a:xfrm>
+          <a:off x="0" y="0"/>
+          <a:ext cx="0" cy="0"/>
+          <a:chOff x="0" y="0"/>
+          <a:chExt cx="0" cy="0"/>
+        </a:xfrm>
+      </p:grpSpPr>
+      <p:sp>
+        <p:nvSpPr>
+          <p:cNvPr id="2" name="標題 1">
+            <a:extLst>
+              <a:ext uri="{FF2B5EF4-FFF2-40B4-BE49-F238E27FC236}">
+                <a16:creationId xmlns:a16="http://schemas.microsoft.com/office/drawing/2014/main" id="{60856E43-3621-4F02-B0E9-EF43423F3E70}"/>
+              </a:ext>
+            </a:extLst>
+          </p:cNvPr>
+          <p:cNvSpPr>
+            <a:spLocks noGrp="1"/>
+          </p:cNvSpPr>
+          <p:nvPr>
+            <p:ph type="title"/>
+          </p:nvPr>
+        </p:nvSpPr>
+        <p:spPr>
+          <a:xfrm>
+            <a:off x="1000979" y="740808"/>
+            <a:ext cx="10419907" cy="5082362"/>
+          </a:xfrm>
+        </p:spPr>
+        <p:txBody>
+          <a:bodyPr>
+            <a:normAutofit/>
+          </a:bodyPr>
+          <a:lstStyle/>
+          <a:p>
+            <a:r>
+              <a:rPr lang="zh-TW" altLang="en-US" sz="11500" dirty="0">
+                <a:latin typeface="微軟正黑體" panose="020B0604030504040204" pitchFamily="34" charset="-120"/>
+                <a:ea typeface="微軟正黑體" panose="020B0604030504040204" pitchFamily="34" charset="-120"/>
+              </a:rPr>
+              <a:t>鍵盤放開時</a:t>
+            </a:r>
+            <a:br>
+              <a:rPr lang="en-US" altLang="zh-TW" sz="11500" dirty="0">
+                <a:latin typeface="微軟正黑體" panose="020B0604030504040204" pitchFamily="34" charset="-120"/>
+                <a:ea typeface="微軟正黑體" panose="020B0604030504040204" pitchFamily="34" charset="-120"/>
+              </a:rPr>
+            </a:br>
+            <a:r>
+              <a:rPr lang="zh-TW" altLang="en-US" sz="8800" dirty="0">
+                <a:solidFill>
+                  <a:srgbClr val="FF0000"/>
+                </a:solidFill>
+                <a:latin typeface="微軟正黑體" panose="020B0604030504040204" pitchFamily="34" charset="-120"/>
+                <a:ea typeface="微軟正黑體" panose="020B0604030504040204" pitchFamily="34" charset="-120"/>
+              </a:rPr>
+              <a:t>慢動作 不成立</a:t>
+            </a:r>
+            <a:endParaRPr lang="zh-TW" altLang="en-US" sz="11500" dirty="0">
+              <a:solidFill>
+                <a:srgbClr val="FF0000"/>
+              </a:solidFill>
+              <a:latin typeface="微軟正黑體" panose="020B0604030504040204" pitchFamily="34" charset="-120"/>
+              <a:ea typeface="微軟正黑體" panose="020B0604030504040204" pitchFamily="34" charset="-120"/>
+            </a:endParaRPr>
+          </a:p>
+        </p:txBody>
+      </p:sp>
+    </p:spTree>
+    <p:extLst>
+      <p:ext uri="{BB962C8B-B14F-4D97-AF65-F5344CB8AC3E}">
+        <p14:creationId xmlns:p14="http://schemas.microsoft.com/office/powerpoint/2010/main" val="2010075832"/>
+      </p:ext>
+    </p:extLst>
+  </p:cSld>
+  <p:clrMapOvr>
+    <a:masterClrMapping/>
+  </p:clrMapOvr>
+  <p:timing>
+    <p:tnLst>
+      <p:par>
+        <p:cTn id="1" dur="indefinite" restart="never" nodeType="tmRoot">
+          <p:childTnLst>
+            <p:seq concurrent="1" nextAc="seek">
+              <p:cTn id="2" dur="indefinite" nodeType="mainSeq">
+                <p:childTnLst>
+                  <p:par>
+                    <p:cTn id="3" fill="hold">
+                      <p:stCondLst>
+                        <p:cond delay="indefinite"/>
+                        <p:cond evt="onBegin" delay="0">
+                          <p:tn val="2"/>
+                        </p:cond>
+                      </p:stCondLst>
+                      <p:childTnLst>
+                        <p:par>
+                          <p:cTn id="4" fill="hold">
+                            <p:stCondLst>
+                              <p:cond delay="0"/>
+                            </p:stCondLst>
+                            <p:childTnLst>
+                              <p:par>
+                                <p:cTn id="5" presetID="22" presetClass="entr" presetSubtype="4" fill="hold" grpId="0" nodeType="afterEffect">
+                                  <p:stCondLst>
+                                    <p:cond delay="0"/>
+                                  </p:stCondLst>
+                                  <p:iterate type="lt">
+                                    <p:tmPct val="100000"/>
+                                  </p:iterate>
+                                  <p:childTnLst>
+                                    <p:set>
+                                      <p:cBhvr>
+                                        <p:cTn id="6" dur="1" fill="hold">
+                                          <p:stCondLst>
+                                            <p:cond delay="0"/>
+                                          </p:stCondLst>
+                                        </p:cTn>
+                                        <p:tgtEl>
+                                          <p:spTgt spid="2"/>
+                                        </p:tgtEl>
+                                        <p:attrNameLst>
+                                          <p:attrName>style.visibility</p:attrName>
+                                        </p:attrNameLst>
+                                      </p:cBhvr>
+                                      <p:to>
+                                        <p:strVal val="visible"/>
+                                      </p:to>
+                                    </p:set>
+                                    <p:animEffect transition="in" filter="wipe(down)">
+                                      <p:cBhvr>
+                                        <p:cTn id="7" dur="250"/>
+                                        <p:tgtEl>
+                                          <p:spTgt spid="2"/>
+                                        </p:tgtEl>
+                                      </p:cBhvr>
+                                    </p:animEffect>
+                                  </p:childTnLst>
+                                </p:cTn>
+                              </p:par>
+                            </p:childTnLst>
+                          </p:cTn>
+                        </p:par>
+                      </p:childTnLst>
+                    </p:cTn>
+                  </p:par>
+                </p:childTnLst>
+              </p:cTn>
+              <p:prevCondLst>
+                <p:cond evt="onPrev" delay="0">
+                  <p:tgtEl>
+                    <p:sldTgt/>
+                  </p:tgtEl>
+                </p:cond>
+              </p:prevCondLst>
+              <p:nextCondLst>
+                <p:cond evt="onNext" delay="0">
+                  <p:tgtEl>
+                    <p:sldTgt/>
+                  </p:tgtEl>
+                </p:cond>
+              </p:nextCondLst>
+            </p:seq>
+          </p:childTnLst>
+        </p:cTn>
+      </p:par>
+    </p:tnLst>
+    <p:bldLst>
+      <p:bldP spid="2" grpId="0"/>
+    </p:bldLst>
+  </p:timing>
+</p:sld>
+</file>
+
+<file path=ppt/slides/slide41.xml><?xml version="1.0" encoding="utf-8"?>
+<p:sld xmlns:a="http://schemas.openxmlformats.org/drawingml/2006/main" xmlns:r="http://schemas.openxmlformats.org/officeDocument/2006/relationships" xmlns:p="http://schemas.openxmlformats.org/presentationml/2006/main">
+  <p:cSld>
+    <p:spTree>
+      <p:nvGrpSpPr>
+        <p:cNvPr id="1" name=""/>
+        <p:cNvGrpSpPr/>
+        <p:nvPr/>
+      </p:nvGrpSpPr>
+      <p:grpSpPr>
+        <a:xfrm>
+          <a:off x="0" y="0"/>
+          <a:ext cx="0" cy="0"/>
+          <a:chOff x="0" y="0"/>
+          <a:chExt cx="0" cy="0"/>
+        </a:xfrm>
+      </p:grpSpPr>
+      <p:sp>
+        <p:nvSpPr>
+          <p:cNvPr id="2" name="標題 1">
+            <a:extLst>
+              <a:ext uri="{FF2B5EF4-FFF2-40B4-BE49-F238E27FC236}">
+                <a16:creationId xmlns:a16="http://schemas.microsoft.com/office/drawing/2014/main" id="{60856E43-3621-4F02-B0E9-EF43423F3E70}"/>
+              </a:ext>
+            </a:extLst>
+          </p:cNvPr>
+          <p:cNvSpPr>
+            <a:spLocks noGrp="1"/>
+          </p:cNvSpPr>
+          <p:nvPr>
+            <p:ph type="title"/>
+          </p:nvPr>
+        </p:nvSpPr>
+        <p:spPr>
+          <a:xfrm>
+            <a:off x="1000979" y="740808"/>
+            <a:ext cx="10419907" cy="5082362"/>
+          </a:xfrm>
+        </p:spPr>
+        <p:txBody>
+          <a:bodyPr>
+            <a:normAutofit/>
+          </a:bodyPr>
+          <a:lstStyle/>
+          <a:p>
+            <a:r>
+              <a:rPr lang="zh-TW" altLang="en-US" sz="11500" dirty="0">
+                <a:latin typeface="微軟正黑體" panose="020B0604030504040204" pitchFamily="34" charset="-120"/>
+                <a:ea typeface="微軟正黑體" panose="020B0604030504040204" pitchFamily="34" charset="-120"/>
+              </a:rPr>
+              <a:t>鍵盤按下時</a:t>
+            </a:r>
+            <a:br>
+              <a:rPr lang="en-US" altLang="zh-TW" sz="11500" dirty="0">
+                <a:latin typeface="微軟正黑體" panose="020B0604030504040204" pitchFamily="34" charset="-120"/>
+                <a:ea typeface="微軟正黑體" panose="020B0604030504040204" pitchFamily="34" charset="-120"/>
+              </a:rPr>
+            </a:br>
+            <a:r>
+              <a:rPr lang="zh-TW" altLang="en-US" sz="8800" dirty="0">
+                <a:solidFill>
+                  <a:srgbClr val="FF0000"/>
+                </a:solidFill>
+                <a:latin typeface="微軟正黑體" panose="020B0604030504040204" pitchFamily="34" charset="-120"/>
+                <a:ea typeface="微軟正黑體" panose="020B0604030504040204" pitchFamily="34" charset="-120"/>
+              </a:rPr>
+              <a:t>如果按下 空白鍵</a:t>
+            </a:r>
+            <a:br>
+              <a:rPr lang="en-US" altLang="zh-TW" sz="8800" dirty="0">
+                <a:solidFill>
+                  <a:srgbClr val="FF0000"/>
+                </a:solidFill>
+                <a:latin typeface="微軟正黑體" panose="020B0604030504040204" pitchFamily="34" charset="-120"/>
+                <a:ea typeface="微軟正黑體" panose="020B0604030504040204" pitchFamily="34" charset="-120"/>
+              </a:rPr>
+            </a:br>
+            <a:r>
+              <a:rPr lang="zh-TW" altLang="en-US" sz="8800" dirty="0">
+                <a:solidFill>
+                  <a:srgbClr val="FF0000"/>
+                </a:solidFill>
+                <a:latin typeface="微軟正黑體" panose="020B0604030504040204" pitchFamily="34" charset="-120"/>
+                <a:ea typeface="微軟正黑體" panose="020B0604030504040204" pitchFamily="34" charset="-120"/>
+              </a:rPr>
+              <a:t>慢動作 成立</a:t>
+            </a:r>
+            <a:endParaRPr lang="zh-TW" altLang="en-US" sz="11500" dirty="0">
+              <a:solidFill>
+                <a:srgbClr val="FF0000"/>
+              </a:solidFill>
+              <a:latin typeface="微軟正黑體" panose="020B0604030504040204" pitchFamily="34" charset="-120"/>
+              <a:ea typeface="微軟正黑體" panose="020B0604030504040204" pitchFamily="34" charset="-120"/>
+            </a:endParaRPr>
+          </a:p>
+        </p:txBody>
+      </p:sp>
+    </p:spTree>
+    <p:extLst>
+      <p:ext uri="{BB962C8B-B14F-4D97-AF65-F5344CB8AC3E}">
+        <p14:creationId xmlns:p14="http://schemas.microsoft.com/office/powerpoint/2010/main" val="3772860588"/>
+      </p:ext>
+    </p:extLst>
+  </p:cSld>
+  <p:clrMapOvr>
+    <a:masterClrMapping/>
+  </p:clrMapOvr>
+  <p:timing>
+    <p:tnLst>
+      <p:par>
+        <p:cTn id="1" dur="indefinite" restart="never" nodeType="tmRoot">
+          <p:childTnLst>
+            <p:seq concurrent="1" nextAc="seek">
+              <p:cTn id="2" dur="indefinite" nodeType="mainSeq">
+                <p:childTnLst>
+                  <p:par>
+                    <p:cTn id="3" fill="hold">
+                      <p:stCondLst>
+                        <p:cond delay="indefinite"/>
+                        <p:cond evt="onBegin" delay="0">
+                          <p:tn val="2"/>
+                        </p:cond>
+                      </p:stCondLst>
+                      <p:childTnLst>
+                        <p:par>
+                          <p:cTn id="4" fill="hold">
+                            <p:stCondLst>
+                              <p:cond delay="0"/>
+                            </p:stCondLst>
+                            <p:childTnLst>
+                              <p:par>
+                                <p:cTn id="5" presetID="22" presetClass="entr" presetSubtype="4" fill="hold" grpId="0" nodeType="afterEffect">
+                                  <p:stCondLst>
+                                    <p:cond delay="0"/>
+                                  </p:stCondLst>
+                                  <p:iterate type="lt">
+                                    <p:tmPct val="100000"/>
+                                  </p:iterate>
+                                  <p:childTnLst>
+                                    <p:set>
+                                      <p:cBhvr>
+                                        <p:cTn id="6" dur="1" fill="hold">
+                                          <p:stCondLst>
+                                            <p:cond delay="0"/>
+                                          </p:stCondLst>
+                                        </p:cTn>
+                                        <p:tgtEl>
+                                          <p:spTgt spid="2"/>
+                                        </p:tgtEl>
+                                        <p:attrNameLst>
+                                          <p:attrName>style.visibility</p:attrName>
+                                        </p:attrNameLst>
+                                      </p:cBhvr>
+                                      <p:to>
+                                        <p:strVal val="visible"/>
+                                      </p:to>
+                                    </p:set>
+                                    <p:animEffect transition="in" filter="wipe(down)">
+                                      <p:cBhvr>
+                                        <p:cTn id="7" dur="250"/>
+                                        <p:tgtEl>
+                                          <p:spTgt spid="2"/>
+                                        </p:tgtEl>
+                                      </p:cBhvr>
+                                    </p:animEffect>
+                                  </p:childTnLst>
+                                </p:cTn>
+                              </p:par>
+                            </p:childTnLst>
+                          </p:cTn>
+                        </p:par>
+                      </p:childTnLst>
+                    </p:cTn>
+                  </p:par>
+                </p:childTnLst>
+              </p:cTn>
+              <p:prevCondLst>
+                <p:cond evt="onPrev" delay="0">
+                  <p:tgtEl>
+                    <p:sldTgt/>
+                  </p:tgtEl>
+                </p:cond>
+              </p:prevCondLst>
+              <p:nextCondLst>
+                <p:cond evt="onNext" delay="0">
+                  <p:tgtEl>
+                    <p:sldTgt/>
+                  </p:tgtEl>
+                </p:cond>
+              </p:nextCondLst>
+            </p:seq>
+          </p:childTnLst>
+        </p:cTn>
+      </p:par>
+    </p:tnLst>
+    <p:bldLst>
+      <p:bldP spid="2" grpId="0"/>
+    </p:bldLst>
+  </p:timing>
+</p:sld>
+</file>
+
+<file path=ppt/slides/slide42.xml><?xml version="1.0" encoding="utf-8"?>
+<p:sld xmlns:a="http://schemas.openxmlformats.org/drawingml/2006/main" xmlns:r="http://schemas.openxmlformats.org/officeDocument/2006/relationships" xmlns:p="http://schemas.openxmlformats.org/presentationml/2006/main">
+  <p:cSld>
+    <p:spTree>
+      <p:nvGrpSpPr>
+        <p:cNvPr id="1" name=""/>
+        <p:cNvGrpSpPr/>
+        <p:nvPr/>
+      </p:nvGrpSpPr>
+      <p:grpSpPr>
+        <a:xfrm>
+          <a:off x="0" y="0"/>
+          <a:ext cx="0" cy="0"/>
+          <a:chOff x="0" y="0"/>
+          <a:chExt cx="0" cy="0"/>
+        </a:xfrm>
+      </p:grpSpPr>
+      <p:sp>
+        <p:nvSpPr>
+          <p:cNvPr id="2" name="標題 1">
+            <a:extLst>
+              <a:ext uri="{FF2B5EF4-FFF2-40B4-BE49-F238E27FC236}">
+                <a16:creationId xmlns:a16="http://schemas.microsoft.com/office/drawing/2014/main" id="{60856E43-3621-4F02-B0E9-EF43423F3E70}"/>
+              </a:ext>
+            </a:extLst>
+          </p:cNvPr>
+          <p:cNvSpPr>
+            <a:spLocks noGrp="1"/>
+          </p:cNvSpPr>
+          <p:nvPr>
+            <p:ph type="title"/>
+          </p:nvPr>
+        </p:nvSpPr>
+        <p:spPr>
+          <a:xfrm>
+            <a:off x="1000979" y="740808"/>
+            <a:ext cx="10419907" cy="5082362"/>
+          </a:xfrm>
+        </p:spPr>
+        <p:txBody>
+          <a:bodyPr>
+            <a:normAutofit/>
+          </a:bodyPr>
+          <a:lstStyle/>
+          <a:p>
+            <a:r>
+              <a:rPr lang="zh-TW" altLang="en-US" sz="11500" dirty="0">
+                <a:latin typeface="微軟正黑體" panose="020B0604030504040204" pitchFamily="34" charset="-120"/>
+                <a:ea typeface="微軟正黑體" panose="020B0604030504040204" pitchFamily="34" charset="-120"/>
+              </a:rPr>
+              <a:t>測試</a:t>
+            </a:r>
+            <a:br>
+              <a:rPr lang="en-US" altLang="zh-TW" sz="11500" dirty="0">
+                <a:latin typeface="微軟正黑體" panose="020B0604030504040204" pitchFamily="34" charset="-120"/>
+                <a:ea typeface="微軟正黑體" panose="020B0604030504040204" pitchFamily="34" charset="-120"/>
+              </a:rPr>
+            </a:br>
+            <a:r>
+              <a:rPr lang="zh-TW" altLang="en-US" sz="11500" dirty="0">
+                <a:latin typeface="微軟正黑體" panose="020B0604030504040204" pitchFamily="34" charset="-120"/>
+                <a:ea typeface="微軟正黑體" panose="020B0604030504040204" pitchFamily="34" charset="-120"/>
+              </a:rPr>
+              <a:t>慢動作效果</a:t>
+            </a:r>
+          </a:p>
+        </p:txBody>
+      </p:sp>
+    </p:spTree>
+    <p:extLst>
+      <p:ext uri="{BB962C8B-B14F-4D97-AF65-F5344CB8AC3E}">
+        <p14:creationId xmlns:p14="http://schemas.microsoft.com/office/powerpoint/2010/main" val="918394512"/>
+      </p:ext>
+    </p:extLst>
+  </p:cSld>
+  <p:clrMapOvr>
+    <a:masterClrMapping/>
+  </p:clrMapOvr>
+  <p:timing>
+    <p:tnLst>
+      <p:par>
+        <p:cTn id="1" dur="indefinite" restart="never" nodeType="tmRoot">
+          <p:childTnLst>
+            <p:seq concurrent="1" nextAc="seek">
+              <p:cTn id="2" dur="indefinite" nodeType="mainSeq">
+                <p:childTnLst>
+                  <p:par>
+                    <p:cTn id="3" fill="hold">
+                      <p:stCondLst>
+                        <p:cond delay="indefinite"/>
+                        <p:cond evt="onBegin" delay="0">
+                          <p:tn val="2"/>
+                        </p:cond>
+                      </p:stCondLst>
+                      <p:childTnLst>
+                        <p:par>
+                          <p:cTn id="4" fill="hold">
+                            <p:stCondLst>
+                              <p:cond delay="0"/>
+                            </p:stCondLst>
+                            <p:childTnLst>
+                              <p:par>
+                                <p:cTn id="5" presetID="22" presetClass="entr" presetSubtype="4" fill="hold" grpId="0" nodeType="afterEffect">
+                                  <p:stCondLst>
+                                    <p:cond delay="0"/>
+                                  </p:stCondLst>
+                                  <p:iterate type="lt">
+                                    <p:tmPct val="100000"/>
+                                  </p:iterate>
+                                  <p:childTnLst>
+                                    <p:set>
+                                      <p:cBhvr>
+                                        <p:cTn id="6" dur="1" fill="hold">
+                                          <p:stCondLst>
+                                            <p:cond delay="0"/>
+                                          </p:stCondLst>
+                                        </p:cTn>
+                                        <p:tgtEl>
+                                          <p:spTgt spid="2"/>
+                                        </p:tgtEl>
+                                        <p:attrNameLst>
+                                          <p:attrName>style.visibility</p:attrName>
+                                        </p:attrNameLst>
+                                      </p:cBhvr>
+                                      <p:to>
+                                        <p:strVal val="visible"/>
+                                      </p:to>
+                                    </p:set>
+                                    <p:animEffect transition="in" filter="wipe(down)">
+                                      <p:cBhvr>
+                                        <p:cTn id="7" dur="250"/>
+                                        <p:tgtEl>
+                                          <p:spTgt spid="2"/>
+                                        </p:tgtEl>
+                                      </p:cBhvr>
+                                    </p:animEffect>
+                                  </p:childTnLst>
+                                </p:cTn>
+                              </p:par>
+                            </p:childTnLst>
+                          </p:cTn>
+                        </p:par>
+                      </p:childTnLst>
+                    </p:cTn>
+                  </p:par>
+                </p:childTnLst>
+              </p:cTn>
+              <p:prevCondLst>
+                <p:cond evt="onPrev" delay="0">
+                  <p:tgtEl>
+                    <p:sldTgt/>
+                  </p:tgtEl>
+                </p:cond>
+              </p:prevCondLst>
+              <p:nextCondLst>
+                <p:cond evt="onNext" delay="0">
+                  <p:tgtEl>
+                    <p:sldTgt/>
+                  </p:tgtEl>
+                </p:cond>
+              </p:nextCondLst>
+            </p:seq>
+          </p:childTnLst>
+        </p:cTn>
+      </p:par>
+    </p:tnLst>
+    <p:bldLst>
+      <p:bldP spid="2" grpId="0"/>
+    </p:bldLst>
+  </p:timing>
+</p:sld>
+</file>
+
+<file path=ppt/slides/slide43.xml><?xml version="1.0" encoding="utf-8"?>
+<p:sld xmlns:a="http://schemas.openxmlformats.org/drawingml/2006/main" xmlns:r="http://schemas.openxmlformats.org/officeDocument/2006/relationships" xmlns:p="http://schemas.openxmlformats.org/presentationml/2006/main">
+  <p:cSld>
+    <p:spTree>
+      <p:nvGrpSpPr>
+        <p:cNvPr id="1" name=""/>
+        <p:cNvGrpSpPr/>
+        <p:nvPr/>
+      </p:nvGrpSpPr>
+      <p:grpSpPr>
+        <a:xfrm>
+          <a:off x="0" y="0"/>
+          <a:ext cx="0" cy="0"/>
+          <a:chOff x="0" y="0"/>
+          <a:chExt cx="0" cy="0"/>
+        </a:xfrm>
+      </p:grpSpPr>
+      <p:sp>
+        <p:nvSpPr>
+          <p:cNvPr id="2" name="標題 1">
+            <a:extLst>
+              <a:ext uri="{FF2B5EF4-FFF2-40B4-BE49-F238E27FC236}">
+                <a16:creationId xmlns:a16="http://schemas.microsoft.com/office/drawing/2014/main" id="{E39515FA-8C05-415A-9171-15D6B608FF2D}"/>
+              </a:ext>
+            </a:extLst>
+          </p:cNvPr>
+          <p:cNvSpPr>
+            <a:spLocks noGrp="1"/>
+          </p:cNvSpPr>
+          <p:nvPr>
+            <p:ph type="ctrTitle"/>
+          </p:nvPr>
+        </p:nvSpPr>
+        <p:spPr>
+          <a:xfrm>
+            <a:off x="2688165" y="2671233"/>
+            <a:ext cx="6815669" cy="1515533"/>
+          </a:xfrm>
+        </p:spPr>
+        <p:txBody>
+          <a:bodyPr/>
+          <a:lstStyle/>
+          <a:p>
+            <a:r>
+              <a:rPr lang="zh-TW" altLang="en-US" sz="9600" dirty="0">
+                <a:latin typeface="Berlin Sans FB" panose="020E0602020502020306" pitchFamily="34" charset="0"/>
+                <a:ea typeface="微軟正黑體 Light" panose="020B0304030504040204" pitchFamily="34" charset="-120"/>
+              </a:rPr>
+              <a:t>程式完成</a:t>
+            </a:r>
+          </a:p>
+        </p:txBody>
+      </p:sp>
+    </p:spTree>
+    <p:extLst>
+      <p:ext uri="{BB962C8B-B14F-4D97-AF65-F5344CB8AC3E}">
+        <p14:creationId xmlns:p14="http://schemas.microsoft.com/office/powerpoint/2010/main" val="2727996506"/>
       </p:ext>
     </p:extLst>
   </p:cSld>
@@ -11203,7 +13651,7 @@
                 </a:solidFill>
                 <a:latin typeface="微軟正黑體" panose="020B0604030504040204" pitchFamily="34" charset="-120"/>
               </a:rPr>
-              <a:t>按下鍵盤</a:t>
+              <a:t>按下滑鼠</a:t>
             </a:r>
             <a:r>
               <a:rPr lang="zh-TW" altLang="en-US" sz="9600" dirty="0">
@@ -11388,7 +13836,16 @@
                 </a:solidFill>
                 <a:latin typeface="微軟正黑體" panose="020B0604030504040204" pitchFamily="34" charset="-120"/>
               </a:rPr>
-              <a:t>指定半徑</a:t>
+              <a:t>半徑</a:t>
+            </a:r>
+            <a:r>
+              <a:rPr lang="en-US" altLang="zh-TW" sz="6000" dirty="0">
+                <a:solidFill>
+                  <a:srgbClr val="FF0000"/>
+                </a:solidFill>
+                <a:latin typeface="微軟正黑體" panose="020B0604030504040204" pitchFamily="34" charset="-120"/>
+              </a:rPr>
+              <a:t>20</a:t>
             </a:r>
             <a:br>
               <a:rPr lang="en-US" altLang="zh-TW" sz="6000" dirty="0">
@@ -11592,52 +14049,35 @@
           <a:lstStyle/>
           <a:p>
             <a:r>
-              <a:rPr lang="zh-TW" altLang="en-US" sz="9600" dirty="0">
-                <a:latin typeface="微軟正黑體" panose="020B0604030504040204" pitchFamily="34" charset="-120"/>
-              </a:rPr>
-              <a:t>設定發射速度</a:t>
+              <a:rPr lang="zh-TW" altLang="en-US" sz="11500" dirty="0">
+                <a:latin typeface="微軟正黑體" panose="020B0604030504040204" pitchFamily="34" charset="-120"/>
+              </a:rPr>
+              <a:t>施加衝力</a:t>
             </a:r>
             <a:br>
-              <a:rPr lang="en-US" altLang="zh-TW" sz="9600" dirty="0">
+              <a:rPr lang="en-US" altLang="zh-TW" sz="11500" dirty="0">
                 <a:latin typeface="微軟正黑體" panose="020B0604030504040204" pitchFamily="34" charset="-120"/>
               </a:rPr>
             </a:br>
             <a:r>
-              <a:rPr lang="zh-TW" altLang="en-US" sz="7200" dirty="0">
+              <a:rPr lang="zh-TW" altLang="en-US" sz="8000" dirty="0">
                 <a:solidFill>
                   <a:srgbClr val="FF0000"/>
                 </a:solidFill>
                 <a:latin typeface="微軟正黑體" panose="020B0604030504040204" pitchFamily="34" charset="-120"/>
               </a:rPr>
-              <a:t>向右發射 </a:t>
-            </a:r>
-            <a:r>
-              <a:rPr lang="en-US" altLang="zh-TW" sz="7200" dirty="0">
+              <a:t>從左向右發射 </a:t>
+            </a:r>
+            <a:r>
+              <a:rPr lang="en-US" altLang="zh-TW" sz="8000" dirty="0">
                 <a:solidFill>
                   <a:srgbClr val="FF0000"/>
                 </a:solidFill>
                 <a:latin typeface="微軟正黑體" panose="020B0604030504040204" pitchFamily="34" charset="-120"/>
               </a:rPr>
-              <a:t>[1000, 0]</a:t>
-            </a:r>
-            <a:br>
-              <a:rPr lang="en-US" altLang="zh-TW" sz="8800" dirty="0">
-                <a:solidFill>
-                  <a:srgbClr val="FF0000"/>
-                </a:solidFill>
-                <a:latin typeface="微軟正黑體" panose="020B0604030504040204" pitchFamily="34" charset="-120"/>
-              </a:rPr>
-            </a:br>
-            <a:r>
-              <a:rPr lang="zh-TW" altLang="en-US" sz="8800" dirty="0">
-                <a:solidFill>
-                  <a:schemeClr val="tx1"/>
-                </a:solidFill>
-                <a:latin typeface="微軟正黑體" panose="020B0604030504040204" pitchFamily="34" charset="-120"/>
-              </a:rPr>
-              <a:t>按任意鍵盤發射</a:t>
-            </a:r>
-            <a:endParaRPr lang="zh-TW" altLang="en-US" sz="9600" dirty="0">
+              <a:t>[800, 0]</a:t>
+            </a:r>
+            <a:endParaRPr lang="zh-TW" altLang="en-US" sz="11500" dirty="0">
               <a:solidFill>
                 <a:schemeClr val="tx1"/>
               </a:solidFill>
@@ -11793,7 +14233,7 @@
         </p:spPr>
         <p:txBody>
           <a:bodyPr>
-            <a:normAutofit/>
+            <a:normAutofit fontScale="90000"/>
           </a:bodyPr>
           <a:lstStyle/>
           <a:p>
@@ -11805,37 +14245,48 @@
             <a:r>
               <a:rPr lang="zh-TW" altLang="en-US" sz="9600" dirty="0">
                 <a:latin typeface="微軟正黑體" panose="020B0604030504040204" pitchFamily="34" charset="-120"/>
-              </a:rPr>
-              <a:t>調整圓球</a:t>
+                <a:ea typeface="微軟正黑體" panose="020B0604030504040204" pitchFamily="34" charset="-120"/>
+              </a:rPr>
+              <a:t>增加一些</a:t>
             </a:r>
             <a:br>
               <a:rPr lang="en-US" altLang="zh-TW" sz="9600" dirty="0">
                 <a:latin typeface="微軟正黑體" panose="020B0604030504040204" pitchFamily="34" charset="-120"/>
+                <a:ea typeface="微軟正黑體" panose="020B0604030504040204" pitchFamily="34" charset="-120"/>
               </a:rPr>
             </a:br>
             <a:r>
               <a:rPr lang="zh-TW" altLang="en-US" sz="9600" dirty="0">
                 <a:latin typeface="微軟正黑體" panose="020B0604030504040204" pitchFamily="34" charset="-120"/>
-              </a:rPr>
-              <a:t>半徑及速度</a:t>
-            </a:r>
-            <a:r>
-              <a:rPr lang="en-US" altLang="zh-TW" sz="9600" dirty="0">
-                <a:latin typeface="微軟正黑體" panose="020B0604030504040204" pitchFamily="34" charset="-120"/>
-              </a:rPr>
-              <a:t>(</a:t>
-            </a:r>
-            <a:r>
-              <a:rPr lang="zh-TW" altLang="en-US" sz="9600" dirty="0">
-                <a:latin typeface="微軟正黑體" panose="020B0604030504040204" pitchFamily="34" charset="-120"/>
-              </a:rPr>
-              <a:t>勿過大</a:t>
-            </a:r>
-            <a:r>
-              <a:rPr lang="en-US" altLang="zh-TW" sz="9600" dirty="0">
-                <a:latin typeface="微軟正黑體" panose="020B0604030504040204" pitchFamily="34" charset="-120"/>
-              </a:rPr>
-              <a:t>)</a:t>
+                <a:ea typeface="微軟正黑體" panose="020B0604030504040204" pitchFamily="34" charset="-120"/>
+              </a:rPr>
+              <a:t>上升速度</a:t>
+            </a:r>
+            <a:r>
+              <a:rPr lang="en-US" altLang="zh-TW" sz="6700" dirty="0">
+                <a:solidFill>
+                  <a:srgbClr val="FF0000"/>
+                </a:solidFill>
+                <a:latin typeface="微軟正黑體" panose="020B0604030504040204" pitchFamily="34" charset="-120"/>
+                <a:ea typeface="微軟正黑體" panose="020B0604030504040204" pitchFamily="34" charset="-120"/>
+              </a:rPr>
+              <a:t>(200)</a:t>
+            </a:r>
+            <a:br>
+              <a:rPr lang="en-US" altLang="zh-TW" sz="6700" dirty="0">
+                <a:solidFill>
+                  <a:srgbClr val="FF0000"/>
+                </a:solidFill>
+                <a:latin typeface="微軟正黑體" panose="020B0604030504040204" pitchFamily="34" charset="-120"/>
+                <a:ea typeface="微軟正黑體" panose="020B0604030504040204" pitchFamily="34" charset="-120"/>
+              </a:rPr>
+            </a:br>
+            <a:r>
+              <a:rPr lang="zh-TW" altLang="en-US" sz="8000" dirty="0">
+                <a:latin typeface="微軟正黑體" panose="020B0604030504040204" pitchFamily="34" charset="-120"/>
+                <a:ea typeface="微軟正黑體" panose="020B0604030504040204" pitchFamily="34" charset="-120"/>
+              </a:rPr>
+              <a:t>讓子彈不要太快掉落</a:t>
             </a:r>
             <a:endParaRPr lang="zh-TW" altLang="en-US" sz="9600" dirty="0">
               <a:latin typeface="微軟正黑體" panose="020B0604030504040204" pitchFamily="34" charset="-120"/>
@@ -11847,7 +14298,7 @@
     </p:spTree>
     <p:extLst>
       <p:ext uri="{BB962C8B-B14F-4D97-AF65-F5344CB8AC3E}">
-        <p14:creationId xmlns:p14="http://schemas.microsoft.com/office/powerpoint/2010/main" val="1925992971"/>
+        <p14:creationId xmlns:p14="http://schemas.microsoft.com/office/powerpoint/2010/main" val="194993093"/>
       </p:ext>
     </p:extLst>
   </p:cSld>
